--- a/LFI plugin/LFM Toolbox.pptx
+++ b/LFI plugin/LFM Toolbox.pptx
@@ -10,13 +10,13 @@
     <p:sldId id="266" r:id="rId4"/>
     <p:sldId id="268" r:id="rId5"/>
     <p:sldId id="262" r:id="rId6"/>
-    <p:sldId id="269" r:id="rId7"/>
-    <p:sldId id="257" r:id="rId8"/>
-    <p:sldId id="256" r:id="rId9"/>
-    <p:sldId id="258" r:id="rId10"/>
-    <p:sldId id="259" r:id="rId11"/>
-    <p:sldId id="260" r:id="rId12"/>
-    <p:sldId id="261" r:id="rId13"/>
+    <p:sldId id="257" r:id="rId7"/>
+    <p:sldId id="256" r:id="rId8"/>
+    <p:sldId id="258" r:id="rId9"/>
+    <p:sldId id="259" r:id="rId10"/>
+    <p:sldId id="260" r:id="rId11"/>
+    <p:sldId id="261" r:id="rId12"/>
+    <p:sldId id="269" r:id="rId13"/>
   </p:sldIdLst>
   <p:sldSz cx="12192000" cy="6858000"/>
   <p:notesSz cx="6858000" cy="9144000"/>
@@ -270,7 +270,7 @@
           <a:p>
             <a:fld id="{6DA75BFD-2B67-43BF-ABC9-0942247C937C}" type="datetimeFigureOut">
               <a:rPr lang="en-US" smtClean="0"/>
-              <a:t>12/17/2021</a:t>
+              <a:t>1/18/2022</a:t>
             </a:fld>
             <a:endParaRPr lang="en-US"/>
           </a:p>
@@ -468,7 +468,7 @@
           <a:p>
             <a:fld id="{6DA75BFD-2B67-43BF-ABC9-0942247C937C}" type="datetimeFigureOut">
               <a:rPr lang="en-US" smtClean="0"/>
-              <a:t>12/17/2021</a:t>
+              <a:t>1/18/2022</a:t>
             </a:fld>
             <a:endParaRPr lang="en-US"/>
           </a:p>
@@ -676,7 +676,7 @@
           <a:p>
             <a:fld id="{6DA75BFD-2B67-43BF-ABC9-0942247C937C}" type="datetimeFigureOut">
               <a:rPr lang="en-US" smtClean="0"/>
-              <a:t>12/17/2021</a:t>
+              <a:t>1/18/2022</a:t>
             </a:fld>
             <a:endParaRPr lang="en-US"/>
           </a:p>
@@ -908,7 +908,7 @@
           <a:p>
             <a:fld id="{6DA75BFD-2B67-43BF-ABC9-0942247C937C}" type="datetimeFigureOut">
               <a:rPr lang="en-US" smtClean="0"/>
-              <a:t>12/17/2021</a:t>
+              <a:t>1/18/2022</a:t>
             </a:fld>
             <a:endParaRPr lang="en-US"/>
           </a:p>
@@ -1183,7 +1183,7 @@
           <a:p>
             <a:fld id="{6DA75BFD-2B67-43BF-ABC9-0942247C937C}" type="datetimeFigureOut">
               <a:rPr lang="en-US" smtClean="0"/>
-              <a:t>12/17/2021</a:t>
+              <a:t>1/18/2022</a:t>
             </a:fld>
             <a:endParaRPr lang="en-US"/>
           </a:p>
@@ -1448,7 +1448,7 @@
           <a:p>
             <a:fld id="{6DA75BFD-2B67-43BF-ABC9-0942247C937C}" type="datetimeFigureOut">
               <a:rPr lang="en-US" smtClean="0"/>
-              <a:t>12/17/2021</a:t>
+              <a:t>1/18/2022</a:t>
             </a:fld>
             <a:endParaRPr lang="en-US"/>
           </a:p>
@@ -1860,7 +1860,7 @@
           <a:p>
             <a:fld id="{6DA75BFD-2B67-43BF-ABC9-0942247C937C}" type="datetimeFigureOut">
               <a:rPr lang="en-US" smtClean="0"/>
-              <a:t>12/17/2021</a:t>
+              <a:t>1/18/2022</a:t>
             </a:fld>
             <a:endParaRPr lang="en-US"/>
           </a:p>
@@ -2001,7 +2001,7 @@
           <a:p>
             <a:fld id="{6DA75BFD-2B67-43BF-ABC9-0942247C937C}" type="datetimeFigureOut">
               <a:rPr lang="en-US" smtClean="0"/>
-              <a:t>12/17/2021</a:t>
+              <a:t>1/18/2022</a:t>
             </a:fld>
             <a:endParaRPr lang="en-US"/>
           </a:p>
@@ -2114,7 +2114,7 @@
           <a:p>
             <a:fld id="{6DA75BFD-2B67-43BF-ABC9-0942247C937C}" type="datetimeFigureOut">
               <a:rPr lang="en-US" smtClean="0"/>
-              <a:t>12/17/2021</a:t>
+              <a:t>1/18/2022</a:t>
             </a:fld>
             <a:endParaRPr lang="en-US"/>
           </a:p>
@@ -2425,7 +2425,7 @@
           <a:p>
             <a:fld id="{6DA75BFD-2B67-43BF-ABC9-0942247C937C}" type="datetimeFigureOut">
               <a:rPr lang="en-US" smtClean="0"/>
-              <a:t>12/17/2021</a:t>
+              <a:t>1/18/2022</a:t>
             </a:fld>
             <a:endParaRPr lang="en-US"/>
           </a:p>
@@ -2713,7 +2713,7 @@
           <a:p>
             <a:fld id="{6DA75BFD-2B67-43BF-ABC9-0942247C937C}" type="datetimeFigureOut">
               <a:rPr lang="en-US" smtClean="0"/>
-              <a:t>12/17/2021</a:t>
+              <a:t>1/18/2022</a:t>
             </a:fld>
             <a:endParaRPr lang="en-US"/>
           </a:p>
@@ -2954,7 +2954,7 @@
           <a:p>
             <a:fld id="{6DA75BFD-2B67-43BF-ABC9-0942247C937C}" type="datetimeFigureOut">
               <a:rPr lang="en-US" smtClean="0"/>
-              <a:t>12/17/2021</a:t>
+              <a:t>1/18/2022</a:t>
             </a:fld>
             <a:endParaRPr lang="en-US"/>
           </a:p>
@@ -3401,31 +3401,6 @@
           </a:p>
         </p:txBody>
       </p:sp>
-      <p:sp>
-        <p:nvSpPr>
-          <p:cNvPr id="3" name="Content Placeholder 2">
-            <a:extLst>
-              <a:ext uri="{FF2B5EF4-FFF2-40B4-BE49-F238E27FC236}">
-                <a16:creationId xmlns:a16="http://schemas.microsoft.com/office/drawing/2014/main" id="{B9590986-5120-4B77-B90F-142C81C1E40B}"/>
-              </a:ext>
-            </a:extLst>
-          </p:cNvPr>
-          <p:cNvSpPr>
-            <a:spLocks noGrp="1"/>
-          </p:cNvSpPr>
-          <p:nvPr>
-            <p:ph idx="1"/>
-          </p:nvPr>
-        </p:nvSpPr>
-        <p:spPr/>
-        <p:txBody>
-          <a:bodyPr/>
-          <a:lstStyle/>
-          <a:p>
-            <a:endParaRPr lang="en-US" dirty="0"/>
-          </a:p>
-        </p:txBody>
-      </p:sp>
     </p:spTree>
     <p:extLst>
       <p:ext uri="{BB962C8B-B14F-4D97-AF65-F5344CB8AC3E}">
@@ -3440,95 +3415,6 @@
 </file>
 
 <file path=ppt/slides/slide10.xml><?xml version="1.0" encoding="utf-8"?>
-<p:sld xmlns:a="http://schemas.openxmlformats.org/drawingml/2006/main" xmlns:r="http://schemas.openxmlformats.org/officeDocument/2006/relationships" xmlns:p="http://schemas.openxmlformats.org/presentationml/2006/main">
-  <p:cSld>
-    <p:spTree>
-      <p:nvGrpSpPr>
-        <p:cNvPr id="1" name=""/>
-        <p:cNvGrpSpPr/>
-        <p:nvPr/>
-      </p:nvGrpSpPr>
-      <p:grpSpPr>
-        <a:xfrm>
-          <a:off x="0" y="0"/>
-          <a:ext cx="0" cy="0"/>
-          <a:chOff x="0" y="0"/>
-          <a:chExt cx="0" cy="0"/>
-        </a:xfrm>
-      </p:grpSpPr>
-      <p:sp>
-        <p:nvSpPr>
-          <p:cNvPr id="2" name="Title 1">
-            <a:extLst>
-              <a:ext uri="{FF2B5EF4-FFF2-40B4-BE49-F238E27FC236}">
-                <a16:creationId xmlns:a16="http://schemas.microsoft.com/office/drawing/2014/main" id="{70D7F1F7-93C0-4EBE-BF85-EB4CB3867BE6}"/>
-              </a:ext>
-            </a:extLst>
-          </p:cNvPr>
-          <p:cNvSpPr>
-            <a:spLocks noGrp="1"/>
-          </p:cNvSpPr>
-          <p:nvPr>
-            <p:ph type="title"/>
-          </p:nvPr>
-        </p:nvSpPr>
-        <p:spPr/>
-        <p:txBody>
-          <a:bodyPr/>
-          <a:lstStyle/>
-          <a:p>
-            <a:r>
-              <a:rPr lang="en-US" dirty="0" err="1"/>
-              <a:t>Lenslet</a:t>
-            </a:r>
-            <a:endParaRPr lang="en-US" dirty="0"/>
-          </a:p>
-        </p:txBody>
-      </p:sp>
-      <p:pic>
-        <p:nvPicPr>
-          <p:cNvPr id="5" name="Picture 4">
-            <a:extLst>
-              <a:ext uri="{FF2B5EF4-FFF2-40B4-BE49-F238E27FC236}">
-                <a16:creationId xmlns:a16="http://schemas.microsoft.com/office/drawing/2014/main" id="{0D10DBF1-0C1E-42BB-A2FD-C44C5AC69531}"/>
-              </a:ext>
-            </a:extLst>
-          </p:cNvPr>
-          <p:cNvPicPr>
-            <a:picLocks noChangeAspect="1"/>
-          </p:cNvPicPr>
-          <p:nvPr/>
-        </p:nvPicPr>
-        <p:blipFill>
-          <a:blip r:embed="rId2"/>
-          <a:stretch>
-            <a:fillRect/>
-          </a:stretch>
-        </p:blipFill>
-        <p:spPr>
-          <a:xfrm>
-            <a:off x="8095222" y="2206849"/>
-            <a:ext cx="2240014" cy="2240014"/>
-          </a:xfrm>
-          <a:prstGeom prst="rect">
-            <a:avLst/>
-          </a:prstGeom>
-        </p:spPr>
-      </p:pic>
-    </p:spTree>
-    <p:extLst>
-      <p:ext uri="{BB962C8B-B14F-4D97-AF65-F5344CB8AC3E}">
-        <p14:creationId xmlns:p14="http://schemas.microsoft.com/office/powerpoint/2010/main" val="341973324"/>
-      </p:ext>
-    </p:extLst>
-  </p:cSld>
-  <p:clrMapOvr>
-    <a:masterClrMapping/>
-  </p:clrMapOvr>
-</p:sld>
-</file>
-
-<file path=ppt/slides/slide11.xml><?xml version="1.0" encoding="utf-8"?>
 <p:sld xmlns:a="http://schemas.openxmlformats.org/drawingml/2006/main" xmlns:r="http://schemas.openxmlformats.org/officeDocument/2006/relationships" xmlns:p="http://schemas.openxmlformats.org/presentationml/2006/main">
   <p:cSld>
     <p:spTree>
@@ -3616,7 +3502,7 @@
 </p:sld>
 </file>
 
-<file path=ppt/slides/slide12.xml><?xml version="1.0" encoding="utf-8"?>
+<file path=ppt/slides/slide11.xml><?xml version="1.0" encoding="utf-8"?>
 <p:sld xmlns:a="http://schemas.openxmlformats.org/drawingml/2006/main" xmlns:r="http://schemas.openxmlformats.org/officeDocument/2006/relationships" xmlns:p="http://schemas.openxmlformats.org/presentationml/2006/main">
   <p:cSld>
     <p:spTree>
@@ -3704,6 +3590,164 @@
 </p:sld>
 </file>
 
+<file path=ppt/slides/slide12.xml><?xml version="1.0" encoding="utf-8"?>
+<p:sld xmlns:a="http://schemas.openxmlformats.org/drawingml/2006/main" xmlns:r="http://schemas.openxmlformats.org/officeDocument/2006/relationships" xmlns:p="http://schemas.openxmlformats.org/presentationml/2006/main">
+  <p:cSld>
+    <p:spTree>
+      <p:nvGrpSpPr>
+        <p:cNvPr id="1" name=""/>
+        <p:cNvGrpSpPr/>
+        <p:nvPr/>
+      </p:nvGrpSpPr>
+      <p:grpSpPr>
+        <a:xfrm>
+          <a:off x="0" y="0"/>
+          <a:ext cx="0" cy="0"/>
+          <a:chOff x="0" y="0"/>
+          <a:chExt cx="0" cy="0"/>
+        </a:xfrm>
+      </p:grpSpPr>
+      <p:sp>
+        <p:nvSpPr>
+          <p:cNvPr id="2" name="Title 1">
+            <a:extLst>
+              <a:ext uri="{FF2B5EF4-FFF2-40B4-BE49-F238E27FC236}">
+                <a16:creationId xmlns:a16="http://schemas.microsoft.com/office/drawing/2014/main" id="{BFE0C28C-BDD3-43DA-A009-5F7D0A56CB47}"/>
+              </a:ext>
+            </a:extLst>
+          </p:cNvPr>
+          <p:cNvSpPr>
+            <a:spLocks noGrp="1"/>
+          </p:cNvSpPr>
+          <p:nvPr>
+            <p:ph type="title"/>
+          </p:nvPr>
+        </p:nvSpPr>
+        <p:spPr/>
+        <p:txBody>
+          <a:bodyPr/>
+          <a:lstStyle/>
+          <a:p>
+            <a:r>
+              <a:rPr lang="en-US" dirty="0" err="1"/>
+              <a:t>ImgNav</a:t>
+            </a:r>
+            <a:r>
+              <a:rPr lang="en-US" dirty="0"/>
+              <a:t>…</a:t>
+            </a:r>
+          </a:p>
+        </p:txBody>
+      </p:sp>
+      <p:sp>
+        <p:nvSpPr>
+          <p:cNvPr id="3" name="Content Placeholder 2">
+            <a:extLst>
+              <a:ext uri="{FF2B5EF4-FFF2-40B4-BE49-F238E27FC236}">
+                <a16:creationId xmlns:a16="http://schemas.microsoft.com/office/drawing/2014/main" id="{F3CB600C-FB51-4365-B75E-2E3D6A44BB6B}"/>
+              </a:ext>
+            </a:extLst>
+          </p:cNvPr>
+          <p:cNvSpPr>
+            <a:spLocks noGrp="1"/>
+          </p:cNvSpPr>
+          <p:nvPr>
+            <p:ph idx="1"/>
+          </p:nvPr>
+        </p:nvSpPr>
+        <p:spPr/>
+        <p:txBody>
+          <a:bodyPr/>
+          <a:lstStyle/>
+          <a:p>
+            <a:r>
+              <a:rPr lang="en-US" dirty="0" err="1"/>
+              <a:t>Py</a:t>
+            </a:r>
+            <a:r>
+              <a:rPr lang="en-US" dirty="0"/>
+              <a:t> version of </a:t>
+            </a:r>
+            <a:r>
+              <a:rPr lang="en-US" dirty="0" err="1"/>
+              <a:t>ImgNav</a:t>
+            </a:r>
+            <a:r>
+              <a:rPr lang="en-US" dirty="0"/>
+              <a:t>... in python?  </a:t>
+            </a:r>
+          </a:p>
+          <a:p>
+            <a:r>
+              <a:rPr lang="en-US" dirty="0"/>
+              <a:t>add subdir organization and metadata/description/notes in file </a:t>
+            </a:r>
+            <a:r>
+              <a:rPr lang="en-US" dirty="0" err="1"/>
+              <a:t>descibeme</a:t>
+            </a:r>
+            <a:r>
+              <a:rPr lang="en-US" dirty="0"/>
+              <a:t>.</a:t>
+            </a:r>
+          </a:p>
+          <a:p>
+            <a:r>
+              <a:rPr lang="en-US" dirty="0"/>
+              <a:t>preview image. </a:t>
+            </a:r>
+            <a:r>
+              <a:rPr lang="en-US" dirty="0" err="1"/>
+              <a:t>preview.tif</a:t>
+            </a:r>
+            <a:r>
+              <a:rPr lang="en-US" dirty="0"/>
+              <a:t> [gif, jpg,  </a:t>
+            </a:r>
+            <a:r>
+              <a:rPr lang="en-US" dirty="0" err="1"/>
+              <a:t>png</a:t>
+            </a:r>
+            <a:r>
+              <a:rPr lang="en-US" dirty="0"/>
+              <a:t>]  with tiff [</a:t>
+            </a:r>
+            <a:r>
+              <a:rPr lang="en-US" dirty="0" err="1"/>
+              <a:t>single|multiple</a:t>
+            </a:r>
+            <a:r>
+              <a:rPr lang="en-US" dirty="0"/>
+              <a:t> page]]?</a:t>
+            </a:r>
+          </a:p>
+          <a:p>
+            <a:r>
+              <a:rPr lang="en-US" dirty="0"/>
+              <a:t>specify representative thumbnail</a:t>
+            </a:r>
+          </a:p>
+          <a:p>
+            <a:r>
+              <a:rPr lang="en-US" dirty="0"/>
+              <a:t>    like a readme.</a:t>
+            </a:r>
+          </a:p>
+        </p:txBody>
+      </p:sp>
+    </p:spTree>
+    <p:extLst>
+      <p:ext uri="{BB962C8B-B14F-4D97-AF65-F5344CB8AC3E}">
+        <p14:creationId xmlns:p14="http://schemas.microsoft.com/office/powerpoint/2010/main" val="614960927"/>
+      </p:ext>
+    </p:extLst>
+  </p:cSld>
+  <p:clrMapOvr>
+    <a:masterClrMapping/>
+  </p:clrMapOvr>
+</p:sld>
+</file>
+
 <file path=ppt/slides/slide2.xml><?xml version="1.0" encoding="utf-8"?>
 <p:sld xmlns:a="http://schemas.openxmlformats.org/drawingml/2006/main" xmlns:r="http://schemas.openxmlformats.org/officeDocument/2006/relationships" xmlns:p="http://schemas.openxmlformats.org/presentationml/2006/main">
   <p:cSld>
@@ -3811,12 +3855,8 @@
           <a:p>
             <a:pPr lvl="1"/>
             <a:r>
-              <a:rPr lang="en-US" dirty="0" err="1"/>
-              <a:t>LFMTools</a:t>
-            </a:r>
-            <a:r>
               <a:rPr lang="en-US" dirty="0"/>
-              <a:t> (</a:t>
+              <a:t>Light Field Imaging (</a:t>
             </a:r>
             <a:r>
               <a:rPr lang="en-US" dirty="0" err="1"/>
@@ -3958,7 +3998,7 @@
             </a:r>
             <a:r>
               <a:rPr lang="en-US" dirty="0"/>
-              <a:t>)</a:t>
+              <a:t>?, later)</a:t>
             </a:r>
           </a:p>
           <a:p>
@@ -4019,7 +4059,7 @@
             </a:r>
             <a:r>
               <a:rPr lang="en-US" dirty="0" err="1"/>
-              <a:t>LFInfer</a:t>
+              <a:t>LFInference</a:t>
             </a:r>
             <a:endParaRPr lang="en-US" dirty="0"/>
           </a:p>
@@ -4262,7 +4302,7 @@
             </a:r>
             <a:r>
               <a:rPr lang="en-US" dirty="0" err="1"/>
-              <a:t>Napari</a:t>
+              <a:t>napari</a:t>
             </a:r>
             <a:r>
               <a:rPr lang="en-US" dirty="0"/>
@@ -4272,11 +4312,30 @@
           <a:p>
             <a:r>
               <a:rPr lang="en-US" dirty="0"/>
-              <a:t>from PyQt4 import </a:t>
-            </a:r>
+              <a:t>GUI</a:t>
+            </a:r>
+          </a:p>
+          <a:p>
+            <a:pPr lvl="1"/>
             <a:r>
               <a:rPr lang="en-US" dirty="0" err="1"/>
-              <a:t>QtCore</a:t>
+              <a:t>MagicGUI</a:t>
+            </a:r>
+            <a:endParaRPr lang="en-US" dirty="0"/>
+          </a:p>
+          <a:p>
+            <a:pPr lvl="1"/>
+            <a:r>
+              <a:rPr lang="en-US" dirty="0" err="1"/>
+              <a:t>QtPy</a:t>
+            </a:r>
+            <a:r>
+              <a:rPr lang="en-US" dirty="0"/>
+              <a:t> (abstraction layer over </a:t>
+            </a:r>
+            <a:r>
+              <a:rPr lang="en-US" dirty="0" err="1"/>
+              <a:t>PyQT</a:t>
             </a:r>
             <a:r>
               <a:rPr lang="en-US" dirty="0"/>
@@ -4284,54 +4343,40 @@
             </a:r>
             <a:r>
               <a:rPr lang="en-US" dirty="0" err="1"/>
-              <a:t>QtGui</a:t>
+              <a:t>PySide</a:t>
             </a:r>
             <a:r>
               <a:rPr lang="en-US" dirty="0"/>
-              <a:t>, </a:t>
-            </a:r>
-            <a:r>
-              <a:rPr lang="en-US" dirty="0" err="1"/>
-              <a:t>QtOpenGL</a:t>
-            </a:r>
+              <a:t>)</a:t>
+            </a:r>
+          </a:p>
+          <a:p>
+            <a:pPr lvl="1"/>
             <a:r>
               <a:rPr lang="en-US" dirty="0"/>
-              <a:t>… OpenGL</a:t>
-            </a:r>
-          </a:p>
-          <a:p>
-            <a:pPr lvl="1"/>
-            <a:r>
-              <a:rPr lang="en-US" dirty="0"/>
-              <a:t>Adapt to </a:t>
+              <a:t>Leverage </a:t>
             </a:r>
             <a:r>
               <a:rPr lang="en-US" dirty="0" err="1"/>
               <a:t>VizPy</a:t>
             </a:r>
+            <a:r>
+              <a:rPr lang="en-US" dirty="0"/>
+              <a:t>, Scikit-image, …</a:t>
+            </a:r>
+          </a:p>
+          <a:p>
+            <a:pPr lvl="1"/>
             <a:endParaRPr lang="en-US" dirty="0"/>
           </a:p>
           <a:p>
+            <a:pPr lvl="1"/>
+            <a:endParaRPr lang="en-US" dirty="0" err="1"/>
+          </a:p>
+          <a:p>
             <a:r>
               <a:rPr lang="en-US" dirty="0"/>
-              <a:t>PyQT4</a:t>
-            </a:r>
-          </a:p>
-          <a:p>
-            <a:pPr lvl="1"/>
-            <a:r>
-              <a:rPr lang="en-US" dirty="0"/>
-              <a:t>Adapt to </a:t>
-            </a:r>
-            <a:r>
-              <a:rPr lang="en-US" dirty="0" err="1"/>
-              <a:t>MagicGUI</a:t>
-            </a:r>
-          </a:p>
-          <a:p>
-            <a:r>
-              <a:rPr lang="en-US" dirty="0"/>
-              <a:t>Acquisition, camera control, drivers </a:t>
+              <a:t>(Later…) Acquisition, camera control, drivers </a:t>
             </a:r>
             <a:r>
               <a:rPr lang="en-US" dirty="0">
@@ -4356,164 +4401,6 @@
 </file>
 
 <file path=ppt/slides/slide6.xml><?xml version="1.0" encoding="utf-8"?>
-<p:sld xmlns:a="http://schemas.openxmlformats.org/drawingml/2006/main" xmlns:r="http://schemas.openxmlformats.org/officeDocument/2006/relationships" xmlns:p="http://schemas.openxmlformats.org/presentationml/2006/main">
-  <p:cSld>
-    <p:spTree>
-      <p:nvGrpSpPr>
-        <p:cNvPr id="1" name=""/>
-        <p:cNvGrpSpPr/>
-        <p:nvPr/>
-      </p:nvGrpSpPr>
-      <p:grpSpPr>
-        <a:xfrm>
-          <a:off x="0" y="0"/>
-          <a:ext cx="0" cy="0"/>
-          <a:chOff x="0" y="0"/>
-          <a:chExt cx="0" cy="0"/>
-        </a:xfrm>
-      </p:grpSpPr>
-      <p:sp>
-        <p:nvSpPr>
-          <p:cNvPr id="2" name="Title 1">
-            <a:extLst>
-              <a:ext uri="{FF2B5EF4-FFF2-40B4-BE49-F238E27FC236}">
-                <a16:creationId xmlns:a16="http://schemas.microsoft.com/office/drawing/2014/main" id="{BFE0C28C-BDD3-43DA-A009-5F7D0A56CB47}"/>
-              </a:ext>
-            </a:extLst>
-          </p:cNvPr>
-          <p:cNvSpPr>
-            <a:spLocks noGrp="1"/>
-          </p:cNvSpPr>
-          <p:nvPr>
-            <p:ph type="title"/>
-          </p:nvPr>
-        </p:nvSpPr>
-        <p:spPr/>
-        <p:txBody>
-          <a:bodyPr/>
-          <a:lstStyle/>
-          <a:p>
-            <a:r>
-              <a:rPr lang="en-US" dirty="0" err="1"/>
-              <a:t>ImgNav</a:t>
-            </a:r>
-            <a:r>
-              <a:rPr lang="en-US" dirty="0"/>
-              <a:t>…</a:t>
-            </a:r>
-          </a:p>
-        </p:txBody>
-      </p:sp>
-      <p:sp>
-        <p:nvSpPr>
-          <p:cNvPr id="3" name="Content Placeholder 2">
-            <a:extLst>
-              <a:ext uri="{FF2B5EF4-FFF2-40B4-BE49-F238E27FC236}">
-                <a16:creationId xmlns:a16="http://schemas.microsoft.com/office/drawing/2014/main" id="{F3CB600C-FB51-4365-B75E-2E3D6A44BB6B}"/>
-              </a:ext>
-            </a:extLst>
-          </p:cNvPr>
-          <p:cNvSpPr>
-            <a:spLocks noGrp="1"/>
-          </p:cNvSpPr>
-          <p:nvPr>
-            <p:ph idx="1"/>
-          </p:nvPr>
-        </p:nvSpPr>
-        <p:spPr/>
-        <p:txBody>
-          <a:bodyPr/>
-          <a:lstStyle/>
-          <a:p>
-            <a:r>
-              <a:rPr lang="en-US" dirty="0" err="1"/>
-              <a:t>Py</a:t>
-            </a:r>
-            <a:r>
-              <a:rPr lang="en-US" dirty="0"/>
-              <a:t> version of </a:t>
-            </a:r>
-            <a:r>
-              <a:rPr lang="en-US" dirty="0" err="1"/>
-              <a:t>ImgNav</a:t>
-            </a:r>
-            <a:r>
-              <a:rPr lang="en-US" dirty="0"/>
-              <a:t>... in python?  </a:t>
-            </a:r>
-          </a:p>
-          <a:p>
-            <a:r>
-              <a:rPr lang="en-US" dirty="0"/>
-              <a:t>add subdir organization and metadata/description/notes in file </a:t>
-            </a:r>
-            <a:r>
-              <a:rPr lang="en-US" dirty="0" err="1"/>
-              <a:t>descibeme</a:t>
-            </a:r>
-            <a:r>
-              <a:rPr lang="en-US" dirty="0"/>
-              <a:t>.</a:t>
-            </a:r>
-          </a:p>
-          <a:p>
-            <a:r>
-              <a:rPr lang="en-US" dirty="0"/>
-              <a:t>preview image. </a:t>
-            </a:r>
-            <a:r>
-              <a:rPr lang="en-US" dirty="0" err="1"/>
-              <a:t>preview.tif</a:t>
-            </a:r>
-            <a:r>
-              <a:rPr lang="en-US" dirty="0"/>
-              <a:t> [gif, jpg,  </a:t>
-            </a:r>
-            <a:r>
-              <a:rPr lang="en-US" dirty="0" err="1"/>
-              <a:t>png</a:t>
-            </a:r>
-            <a:r>
-              <a:rPr lang="en-US" dirty="0"/>
-              <a:t>]  with tiff [</a:t>
-            </a:r>
-            <a:r>
-              <a:rPr lang="en-US" dirty="0" err="1"/>
-              <a:t>single|multiple</a:t>
-            </a:r>
-            <a:r>
-              <a:rPr lang="en-US" dirty="0"/>
-              <a:t> page]]?</a:t>
-            </a:r>
-          </a:p>
-          <a:p>
-            <a:r>
-              <a:rPr lang="en-US" dirty="0"/>
-              <a:t>specify representative thumbnail</a:t>
-            </a:r>
-          </a:p>
-          <a:p>
-            <a:r>
-              <a:rPr lang="en-US" dirty="0"/>
-              <a:t>    like a readme.</a:t>
-            </a:r>
-          </a:p>
-        </p:txBody>
-      </p:sp>
-    </p:spTree>
-    <p:extLst>
-      <p:ext uri="{BB962C8B-B14F-4D97-AF65-F5344CB8AC3E}">
-        <p14:creationId xmlns:p14="http://schemas.microsoft.com/office/powerpoint/2010/main" val="2115097719"/>
-      </p:ext>
-    </p:extLst>
-  </p:cSld>
-  <p:clrMapOvr>
-    <a:masterClrMapping/>
-  </p:clrMapOvr>
-</p:sld>
-</file>
-
-<file path=ppt/slides/slide7.xml><?xml version="1.0" encoding="utf-8"?>
 <p:sld xmlns:a="http://schemas.openxmlformats.org/drawingml/2006/main" xmlns:r="http://schemas.openxmlformats.org/officeDocument/2006/relationships" xmlns:p="http://schemas.openxmlformats.org/presentationml/2006/main">
   <p:cSld>
     <p:spTree>
@@ -4664,7 +4551,7 @@
 </p:sld>
 </file>
 
-<file path=ppt/slides/slide8.xml><?xml version="1.0" encoding="utf-8"?>
+<file path=ppt/slides/slide7.xml><?xml version="1.0" encoding="utf-8"?>
 <p:sld xmlns:a="http://schemas.openxmlformats.org/drawingml/2006/main" xmlns:r="http://schemas.openxmlformats.org/officeDocument/2006/relationships" xmlns:p="http://schemas.openxmlformats.org/presentationml/2006/main">
   <p:cSld>
     <p:spTree>
@@ -4771,6 +4658,94 @@
     <p:extLst>
       <p:ext uri="{BB962C8B-B14F-4D97-AF65-F5344CB8AC3E}">
         <p14:creationId xmlns:p14="http://schemas.microsoft.com/office/powerpoint/2010/main" val="1517825811"/>
+      </p:ext>
+    </p:extLst>
+  </p:cSld>
+  <p:clrMapOvr>
+    <a:masterClrMapping/>
+  </p:clrMapOvr>
+</p:sld>
+</file>
+
+<file path=ppt/slides/slide8.xml><?xml version="1.0" encoding="utf-8"?>
+<p:sld xmlns:a="http://schemas.openxmlformats.org/drawingml/2006/main" xmlns:r="http://schemas.openxmlformats.org/officeDocument/2006/relationships" xmlns:p="http://schemas.openxmlformats.org/presentationml/2006/main">
+  <p:cSld>
+    <p:spTree>
+      <p:nvGrpSpPr>
+        <p:cNvPr id="1" name=""/>
+        <p:cNvGrpSpPr/>
+        <p:nvPr/>
+      </p:nvGrpSpPr>
+      <p:grpSpPr>
+        <a:xfrm>
+          <a:off x="0" y="0"/>
+          <a:ext cx="0" cy="0"/>
+          <a:chOff x="0" y="0"/>
+          <a:chExt cx="0" cy="0"/>
+        </a:xfrm>
+      </p:grpSpPr>
+      <p:sp>
+        <p:nvSpPr>
+          <p:cNvPr id="2" name="Title 1">
+            <a:extLst>
+              <a:ext uri="{FF2B5EF4-FFF2-40B4-BE49-F238E27FC236}">
+                <a16:creationId xmlns:a16="http://schemas.microsoft.com/office/drawing/2014/main" id="{DF463A22-2669-45C1-A7EC-360C71C80BDD}"/>
+              </a:ext>
+            </a:extLst>
+          </p:cNvPr>
+          <p:cNvSpPr>
+            <a:spLocks noGrp="1"/>
+          </p:cNvSpPr>
+          <p:nvPr>
+            <p:ph type="title"/>
+          </p:nvPr>
+        </p:nvSpPr>
+        <p:spPr/>
+        <p:txBody>
+          <a:bodyPr/>
+          <a:lstStyle/>
+          <a:p>
+            <a:r>
+              <a:rPr lang="en-US" dirty="0"/>
+              <a:t>Optics [Config]</a:t>
+            </a:r>
+          </a:p>
+        </p:txBody>
+      </p:sp>
+      <p:pic>
+        <p:nvPicPr>
+          <p:cNvPr id="5" name="Picture 4">
+            <a:extLst>
+              <a:ext uri="{FF2B5EF4-FFF2-40B4-BE49-F238E27FC236}">
+                <a16:creationId xmlns:a16="http://schemas.microsoft.com/office/drawing/2014/main" id="{B63D3B94-9F94-4BDF-B464-51DFFA17C12D}"/>
+              </a:ext>
+            </a:extLst>
+          </p:cNvPr>
+          <p:cNvPicPr>
+            <a:picLocks noChangeAspect="1"/>
+          </p:cNvPicPr>
+          <p:nvPr/>
+        </p:nvPicPr>
+        <p:blipFill>
+          <a:blip r:embed="rId2"/>
+          <a:stretch>
+            <a:fillRect/>
+          </a:stretch>
+        </p:blipFill>
+        <p:spPr>
+          <a:xfrm>
+            <a:off x="6385818" y="477969"/>
+            <a:ext cx="4671431" cy="6014906"/>
+          </a:xfrm>
+          <a:prstGeom prst="rect">
+            <a:avLst/>
+          </a:prstGeom>
+        </p:spPr>
+      </p:pic>
+    </p:spTree>
+    <p:extLst>
+      <p:ext uri="{BB962C8B-B14F-4D97-AF65-F5344CB8AC3E}">
+        <p14:creationId xmlns:p14="http://schemas.microsoft.com/office/powerpoint/2010/main" val="790071620"/>
       </p:ext>
     </p:extLst>
   </p:cSld>
@@ -4802,7 +4777,7 @@
           <p:cNvPr id="2" name="Title 1">
             <a:extLst>
               <a:ext uri="{FF2B5EF4-FFF2-40B4-BE49-F238E27FC236}">
-                <a16:creationId xmlns:a16="http://schemas.microsoft.com/office/drawing/2014/main" id="{DF463A22-2669-45C1-A7EC-360C71C80BDD}"/>
+                <a16:creationId xmlns:a16="http://schemas.microsoft.com/office/drawing/2014/main" id="{70D7F1F7-93C0-4EBE-BF85-EB4CB3867BE6}"/>
               </a:ext>
             </a:extLst>
           </p:cNvPr>
@@ -4819,9 +4794,10 @@
           <a:lstStyle/>
           <a:p>
             <a:r>
-              <a:rPr lang="en-US" dirty="0"/>
-              <a:t>Optics [Config]</a:t>
-            </a:r>
+              <a:rPr lang="en-US" dirty="0" err="1"/>
+              <a:t>Lenslet</a:t>
+            </a:r>
+            <a:endParaRPr lang="en-US" dirty="0"/>
           </a:p>
         </p:txBody>
       </p:sp>
@@ -4830,7 +4806,7 @@
           <p:cNvPr id="5" name="Picture 4">
             <a:extLst>
               <a:ext uri="{FF2B5EF4-FFF2-40B4-BE49-F238E27FC236}">
-                <a16:creationId xmlns:a16="http://schemas.microsoft.com/office/drawing/2014/main" id="{B63D3B94-9F94-4BDF-B464-51DFFA17C12D}"/>
+                <a16:creationId xmlns:a16="http://schemas.microsoft.com/office/drawing/2014/main" id="{0D10DBF1-0C1E-42BB-A2FD-C44C5AC69531}"/>
               </a:ext>
             </a:extLst>
           </p:cNvPr>
@@ -4847,8 +4823,8 @@
         </p:blipFill>
         <p:spPr>
           <a:xfrm>
-            <a:off x="6385818" y="477969"/>
-            <a:ext cx="4671431" cy="6014906"/>
+            <a:off x="8095222" y="2206849"/>
+            <a:ext cx="2240014" cy="2240014"/>
           </a:xfrm>
           <a:prstGeom prst="rect">
             <a:avLst/>
@@ -4858,7 +4834,7 @@
     </p:spTree>
     <p:extLst>
       <p:ext uri="{BB962C8B-B14F-4D97-AF65-F5344CB8AC3E}">
-        <p14:creationId xmlns:p14="http://schemas.microsoft.com/office/powerpoint/2010/main" val="790071620"/>
+        <p14:creationId xmlns:p14="http://schemas.microsoft.com/office/powerpoint/2010/main" val="341973324"/>
       </p:ext>
     </p:extLst>
   </p:cSld>

--- a/LFI plugin/LFM Toolbox.pptx
+++ b/LFI plugin/LFM Toolbox.pptx
@@ -9,14 +9,17 @@
     <p:sldId id="264" r:id="rId3"/>
     <p:sldId id="266" r:id="rId4"/>
     <p:sldId id="268" r:id="rId5"/>
-    <p:sldId id="262" r:id="rId6"/>
-    <p:sldId id="257" r:id="rId7"/>
-    <p:sldId id="256" r:id="rId8"/>
-    <p:sldId id="258" r:id="rId9"/>
-    <p:sldId id="259" r:id="rId10"/>
-    <p:sldId id="260" r:id="rId11"/>
-    <p:sldId id="261" r:id="rId12"/>
-    <p:sldId id="269" r:id="rId13"/>
+    <p:sldId id="270" r:id="rId6"/>
+    <p:sldId id="271" r:id="rId7"/>
+    <p:sldId id="262" r:id="rId8"/>
+    <p:sldId id="272" r:id="rId9"/>
+    <p:sldId id="273" r:id="rId10"/>
+    <p:sldId id="258" r:id="rId11"/>
+    <p:sldId id="257" r:id="rId12"/>
+    <p:sldId id="259" r:id="rId13"/>
+    <p:sldId id="260" r:id="rId14"/>
+    <p:sldId id="256" r:id="rId15"/>
+    <p:sldId id="269" r:id="rId16"/>
   </p:sldIdLst>
   <p:sldSz cx="12192000" cy="6858000"/>
   <p:notesSz cx="6858000" cy="9144000"/>
@@ -270,7 +273,7 @@
           <a:p>
             <a:fld id="{6DA75BFD-2B67-43BF-ABC9-0942247C937C}" type="datetimeFigureOut">
               <a:rPr lang="en-US" smtClean="0"/>
-              <a:t>1/18/2022</a:t>
+              <a:t>2/2/2022</a:t>
             </a:fld>
             <a:endParaRPr lang="en-US"/>
           </a:p>
@@ -468,7 +471,7 @@
           <a:p>
             <a:fld id="{6DA75BFD-2B67-43BF-ABC9-0942247C937C}" type="datetimeFigureOut">
               <a:rPr lang="en-US" smtClean="0"/>
-              <a:t>1/18/2022</a:t>
+              <a:t>2/2/2022</a:t>
             </a:fld>
             <a:endParaRPr lang="en-US"/>
           </a:p>
@@ -676,7 +679,7 @@
           <a:p>
             <a:fld id="{6DA75BFD-2B67-43BF-ABC9-0942247C937C}" type="datetimeFigureOut">
               <a:rPr lang="en-US" smtClean="0"/>
-              <a:t>1/18/2022</a:t>
+              <a:t>2/2/2022</a:t>
             </a:fld>
             <a:endParaRPr lang="en-US"/>
           </a:p>
@@ -908,7 +911,7 @@
           <a:p>
             <a:fld id="{6DA75BFD-2B67-43BF-ABC9-0942247C937C}" type="datetimeFigureOut">
               <a:rPr lang="en-US" smtClean="0"/>
-              <a:t>1/18/2022</a:t>
+              <a:t>2/2/2022</a:t>
             </a:fld>
             <a:endParaRPr lang="en-US"/>
           </a:p>
@@ -1183,7 +1186,7 @@
           <a:p>
             <a:fld id="{6DA75BFD-2B67-43BF-ABC9-0942247C937C}" type="datetimeFigureOut">
               <a:rPr lang="en-US" smtClean="0"/>
-              <a:t>1/18/2022</a:t>
+              <a:t>2/2/2022</a:t>
             </a:fld>
             <a:endParaRPr lang="en-US"/>
           </a:p>
@@ -1448,7 +1451,7 @@
           <a:p>
             <a:fld id="{6DA75BFD-2B67-43BF-ABC9-0942247C937C}" type="datetimeFigureOut">
               <a:rPr lang="en-US" smtClean="0"/>
-              <a:t>1/18/2022</a:t>
+              <a:t>2/2/2022</a:t>
             </a:fld>
             <a:endParaRPr lang="en-US"/>
           </a:p>
@@ -1860,7 +1863,7 @@
           <a:p>
             <a:fld id="{6DA75BFD-2B67-43BF-ABC9-0942247C937C}" type="datetimeFigureOut">
               <a:rPr lang="en-US" smtClean="0"/>
-              <a:t>1/18/2022</a:t>
+              <a:t>2/2/2022</a:t>
             </a:fld>
             <a:endParaRPr lang="en-US"/>
           </a:p>
@@ -2001,7 +2004,7 @@
           <a:p>
             <a:fld id="{6DA75BFD-2B67-43BF-ABC9-0942247C937C}" type="datetimeFigureOut">
               <a:rPr lang="en-US" smtClean="0"/>
-              <a:t>1/18/2022</a:t>
+              <a:t>2/2/2022</a:t>
             </a:fld>
             <a:endParaRPr lang="en-US"/>
           </a:p>
@@ -2114,7 +2117,7 @@
           <a:p>
             <a:fld id="{6DA75BFD-2B67-43BF-ABC9-0942247C937C}" type="datetimeFigureOut">
               <a:rPr lang="en-US" smtClean="0"/>
-              <a:t>1/18/2022</a:t>
+              <a:t>2/2/2022</a:t>
             </a:fld>
             <a:endParaRPr lang="en-US"/>
           </a:p>
@@ -2425,7 +2428,7 @@
           <a:p>
             <a:fld id="{6DA75BFD-2B67-43BF-ABC9-0942247C937C}" type="datetimeFigureOut">
               <a:rPr lang="en-US" smtClean="0"/>
-              <a:t>1/18/2022</a:t>
+              <a:t>2/2/2022</a:t>
             </a:fld>
             <a:endParaRPr lang="en-US"/>
           </a:p>
@@ -2713,7 +2716,7 @@
           <a:p>
             <a:fld id="{6DA75BFD-2B67-43BF-ABC9-0942247C937C}" type="datetimeFigureOut">
               <a:rPr lang="en-US" smtClean="0"/>
-              <a:t>1/18/2022</a:t>
+              <a:t>2/2/2022</a:t>
             </a:fld>
             <a:endParaRPr lang="en-US"/>
           </a:p>
@@ -2954,7 +2957,7 @@
           <a:p>
             <a:fld id="{6DA75BFD-2B67-43BF-ABC9-0942247C937C}" type="datetimeFigureOut">
               <a:rPr lang="en-US" smtClean="0"/>
-              <a:t>1/18/2022</a:t>
+              <a:t>2/2/2022</a:t>
             </a:fld>
             <a:endParaRPr lang="en-US"/>
           </a:p>
@@ -3436,7 +3439,7 @@
           <p:cNvPr id="2" name="Title 1">
             <a:extLst>
               <a:ext uri="{FF2B5EF4-FFF2-40B4-BE49-F238E27FC236}">
-                <a16:creationId xmlns:a16="http://schemas.microsoft.com/office/drawing/2014/main" id="{0E7F3E1B-6556-40E3-BBD6-9C85F8391A7C}"/>
+                <a16:creationId xmlns:a16="http://schemas.microsoft.com/office/drawing/2014/main" id="{DF463A22-2669-45C1-A7EC-360C71C80BDD}"/>
               </a:ext>
             </a:extLst>
           </p:cNvPr>
@@ -3454,7 +3457,7 @@
           <a:p>
             <a:r>
               <a:rPr lang="en-US" dirty="0"/>
-              <a:t>Optics [Explore]</a:t>
+              <a:t>Optics [Config]</a:t>
             </a:r>
           </a:p>
         </p:txBody>
@@ -3464,7 +3467,7 @@
           <p:cNvPr id="5" name="Picture 4">
             <a:extLst>
               <a:ext uri="{FF2B5EF4-FFF2-40B4-BE49-F238E27FC236}">
-                <a16:creationId xmlns:a16="http://schemas.microsoft.com/office/drawing/2014/main" id="{85834043-A62B-4A62-8D56-B34F51AC9214}"/>
+                <a16:creationId xmlns:a16="http://schemas.microsoft.com/office/drawing/2014/main" id="{B63D3B94-9F94-4BDF-B464-51DFFA17C12D}"/>
               </a:ext>
             </a:extLst>
           </p:cNvPr>
@@ -3481,8 +3484,8 @@
         </p:blipFill>
         <p:spPr>
           <a:xfrm>
-            <a:off x="5410943" y="550018"/>
-            <a:ext cx="5942857" cy="5942857"/>
+            <a:off x="6274003" y="365126"/>
+            <a:ext cx="4661219" cy="6001756"/>
           </a:xfrm>
           <a:prstGeom prst="rect">
             <a:avLst/>
@@ -3492,7 +3495,7 @@
     </p:spTree>
     <p:extLst>
       <p:ext uri="{BB962C8B-B14F-4D97-AF65-F5344CB8AC3E}">
-        <p14:creationId xmlns:p14="http://schemas.microsoft.com/office/powerpoint/2010/main" val="1378162708"/>
+        <p14:creationId xmlns:p14="http://schemas.microsoft.com/office/powerpoint/2010/main" val="790071620"/>
       </p:ext>
     </p:extLst>
   </p:cSld>
@@ -3503,904 +3506,6 @@
 </file>
 
 <file path=ppt/slides/slide11.xml><?xml version="1.0" encoding="utf-8"?>
-<p:sld xmlns:a="http://schemas.openxmlformats.org/drawingml/2006/main" xmlns:r="http://schemas.openxmlformats.org/officeDocument/2006/relationships" xmlns:p="http://schemas.openxmlformats.org/presentationml/2006/main">
-  <p:cSld>
-    <p:spTree>
-      <p:nvGrpSpPr>
-        <p:cNvPr id="1" name=""/>
-        <p:cNvGrpSpPr/>
-        <p:nvPr/>
-      </p:nvGrpSpPr>
-      <p:grpSpPr>
-        <a:xfrm>
-          <a:off x="0" y="0"/>
-          <a:ext cx="0" cy="0"/>
-          <a:chOff x="0" y="0"/>
-          <a:chExt cx="0" cy="0"/>
-        </a:xfrm>
-      </p:grpSpPr>
-      <p:sp>
-        <p:nvSpPr>
-          <p:cNvPr id="2" name="Title 1">
-            <a:extLst>
-              <a:ext uri="{FF2B5EF4-FFF2-40B4-BE49-F238E27FC236}">
-                <a16:creationId xmlns:a16="http://schemas.microsoft.com/office/drawing/2014/main" id="{B3DFD725-9DCB-4628-8CB2-C38C9CE88CEF}"/>
-              </a:ext>
-            </a:extLst>
-          </p:cNvPr>
-          <p:cNvSpPr>
-            <a:spLocks noGrp="1"/>
-          </p:cNvSpPr>
-          <p:nvPr>
-            <p:ph type="title"/>
-          </p:nvPr>
-        </p:nvSpPr>
-        <p:spPr/>
-        <p:txBody>
-          <a:bodyPr/>
-          <a:lstStyle/>
-          <a:p>
-            <a:r>
-              <a:rPr lang="en-US" dirty="0"/>
-              <a:t>Output9</a:t>
-            </a:r>
-          </a:p>
-        </p:txBody>
-      </p:sp>
-      <p:pic>
-        <p:nvPicPr>
-          <p:cNvPr id="5" name="Picture 4">
-            <a:extLst>
-              <a:ext uri="{FF2B5EF4-FFF2-40B4-BE49-F238E27FC236}">
-                <a16:creationId xmlns:a16="http://schemas.microsoft.com/office/drawing/2014/main" id="{430FB120-D148-40B1-8922-214EBA761379}"/>
-              </a:ext>
-            </a:extLst>
-          </p:cNvPr>
-          <p:cNvPicPr>
-            <a:picLocks noChangeAspect="1"/>
-          </p:cNvPicPr>
-          <p:nvPr/>
-        </p:nvPicPr>
-        <p:blipFill>
-          <a:blip r:embed="rId2"/>
-          <a:stretch>
-            <a:fillRect/>
-          </a:stretch>
-        </p:blipFill>
-        <p:spPr>
-          <a:xfrm>
-            <a:off x="6096000" y="764788"/>
-            <a:ext cx="5141655" cy="5328424"/>
-          </a:xfrm>
-          <a:prstGeom prst="rect">
-            <a:avLst/>
-          </a:prstGeom>
-        </p:spPr>
-      </p:pic>
-    </p:spTree>
-    <p:extLst>
-      <p:ext uri="{BB962C8B-B14F-4D97-AF65-F5344CB8AC3E}">
-        <p14:creationId xmlns:p14="http://schemas.microsoft.com/office/powerpoint/2010/main" val="629173533"/>
-      </p:ext>
-    </p:extLst>
-  </p:cSld>
-  <p:clrMapOvr>
-    <a:masterClrMapping/>
-  </p:clrMapOvr>
-</p:sld>
-</file>
-
-<file path=ppt/slides/slide12.xml><?xml version="1.0" encoding="utf-8"?>
-<p:sld xmlns:a="http://schemas.openxmlformats.org/drawingml/2006/main" xmlns:r="http://schemas.openxmlformats.org/officeDocument/2006/relationships" xmlns:p="http://schemas.openxmlformats.org/presentationml/2006/main">
-  <p:cSld>
-    <p:spTree>
-      <p:nvGrpSpPr>
-        <p:cNvPr id="1" name=""/>
-        <p:cNvGrpSpPr/>
-        <p:nvPr/>
-      </p:nvGrpSpPr>
-      <p:grpSpPr>
-        <a:xfrm>
-          <a:off x="0" y="0"/>
-          <a:ext cx="0" cy="0"/>
-          <a:chOff x="0" y="0"/>
-          <a:chExt cx="0" cy="0"/>
-        </a:xfrm>
-      </p:grpSpPr>
-      <p:sp>
-        <p:nvSpPr>
-          <p:cNvPr id="2" name="Title 1">
-            <a:extLst>
-              <a:ext uri="{FF2B5EF4-FFF2-40B4-BE49-F238E27FC236}">
-                <a16:creationId xmlns:a16="http://schemas.microsoft.com/office/drawing/2014/main" id="{BFE0C28C-BDD3-43DA-A009-5F7D0A56CB47}"/>
-              </a:ext>
-            </a:extLst>
-          </p:cNvPr>
-          <p:cNvSpPr>
-            <a:spLocks noGrp="1"/>
-          </p:cNvSpPr>
-          <p:nvPr>
-            <p:ph type="title"/>
-          </p:nvPr>
-        </p:nvSpPr>
-        <p:spPr/>
-        <p:txBody>
-          <a:bodyPr/>
-          <a:lstStyle/>
-          <a:p>
-            <a:r>
-              <a:rPr lang="en-US" dirty="0" err="1"/>
-              <a:t>ImgNav</a:t>
-            </a:r>
-            <a:r>
-              <a:rPr lang="en-US" dirty="0"/>
-              <a:t>…</a:t>
-            </a:r>
-          </a:p>
-        </p:txBody>
-      </p:sp>
-      <p:sp>
-        <p:nvSpPr>
-          <p:cNvPr id="3" name="Content Placeholder 2">
-            <a:extLst>
-              <a:ext uri="{FF2B5EF4-FFF2-40B4-BE49-F238E27FC236}">
-                <a16:creationId xmlns:a16="http://schemas.microsoft.com/office/drawing/2014/main" id="{F3CB600C-FB51-4365-B75E-2E3D6A44BB6B}"/>
-              </a:ext>
-            </a:extLst>
-          </p:cNvPr>
-          <p:cNvSpPr>
-            <a:spLocks noGrp="1"/>
-          </p:cNvSpPr>
-          <p:nvPr>
-            <p:ph idx="1"/>
-          </p:nvPr>
-        </p:nvSpPr>
-        <p:spPr/>
-        <p:txBody>
-          <a:bodyPr/>
-          <a:lstStyle/>
-          <a:p>
-            <a:r>
-              <a:rPr lang="en-US" dirty="0" err="1"/>
-              <a:t>Py</a:t>
-            </a:r>
-            <a:r>
-              <a:rPr lang="en-US" dirty="0"/>
-              <a:t> version of </a:t>
-            </a:r>
-            <a:r>
-              <a:rPr lang="en-US" dirty="0" err="1"/>
-              <a:t>ImgNav</a:t>
-            </a:r>
-            <a:r>
-              <a:rPr lang="en-US" dirty="0"/>
-              <a:t>... in python?  </a:t>
-            </a:r>
-          </a:p>
-          <a:p>
-            <a:r>
-              <a:rPr lang="en-US" dirty="0"/>
-              <a:t>add subdir organization and metadata/description/notes in file </a:t>
-            </a:r>
-            <a:r>
-              <a:rPr lang="en-US" dirty="0" err="1"/>
-              <a:t>descibeme</a:t>
-            </a:r>
-            <a:r>
-              <a:rPr lang="en-US" dirty="0"/>
-              <a:t>.</a:t>
-            </a:r>
-          </a:p>
-          <a:p>
-            <a:r>
-              <a:rPr lang="en-US" dirty="0"/>
-              <a:t>preview image. </a:t>
-            </a:r>
-            <a:r>
-              <a:rPr lang="en-US" dirty="0" err="1"/>
-              <a:t>preview.tif</a:t>
-            </a:r>
-            <a:r>
-              <a:rPr lang="en-US" dirty="0"/>
-              <a:t> [gif, jpg,  </a:t>
-            </a:r>
-            <a:r>
-              <a:rPr lang="en-US" dirty="0" err="1"/>
-              <a:t>png</a:t>
-            </a:r>
-            <a:r>
-              <a:rPr lang="en-US" dirty="0"/>
-              <a:t>]  with tiff [</a:t>
-            </a:r>
-            <a:r>
-              <a:rPr lang="en-US" dirty="0" err="1"/>
-              <a:t>single|multiple</a:t>
-            </a:r>
-            <a:r>
-              <a:rPr lang="en-US" dirty="0"/>
-              <a:t> page]]?</a:t>
-            </a:r>
-          </a:p>
-          <a:p>
-            <a:r>
-              <a:rPr lang="en-US" dirty="0"/>
-              <a:t>specify representative thumbnail</a:t>
-            </a:r>
-          </a:p>
-          <a:p>
-            <a:r>
-              <a:rPr lang="en-US" dirty="0"/>
-              <a:t>    like a readme.</a:t>
-            </a:r>
-          </a:p>
-        </p:txBody>
-      </p:sp>
-    </p:spTree>
-    <p:extLst>
-      <p:ext uri="{BB962C8B-B14F-4D97-AF65-F5344CB8AC3E}">
-        <p14:creationId xmlns:p14="http://schemas.microsoft.com/office/powerpoint/2010/main" val="614960927"/>
-      </p:ext>
-    </p:extLst>
-  </p:cSld>
-  <p:clrMapOvr>
-    <a:masterClrMapping/>
-  </p:clrMapOvr>
-</p:sld>
-</file>
-
-<file path=ppt/slides/slide2.xml><?xml version="1.0" encoding="utf-8"?>
-<p:sld xmlns:a="http://schemas.openxmlformats.org/drawingml/2006/main" xmlns:r="http://schemas.openxmlformats.org/officeDocument/2006/relationships" xmlns:p="http://schemas.openxmlformats.org/presentationml/2006/main">
-  <p:cSld>
-    <p:spTree>
-      <p:nvGrpSpPr>
-        <p:cNvPr id="1" name=""/>
-        <p:cNvGrpSpPr/>
-        <p:nvPr/>
-      </p:nvGrpSpPr>
-      <p:grpSpPr>
-        <a:xfrm>
-          <a:off x="0" y="0"/>
-          <a:ext cx="0" cy="0"/>
-          <a:chOff x="0" y="0"/>
-          <a:chExt cx="0" cy="0"/>
-        </a:xfrm>
-      </p:grpSpPr>
-      <p:sp>
-        <p:nvSpPr>
-          <p:cNvPr id="2" name="Title 1">
-            <a:extLst>
-              <a:ext uri="{FF2B5EF4-FFF2-40B4-BE49-F238E27FC236}">
-                <a16:creationId xmlns:a16="http://schemas.microsoft.com/office/drawing/2014/main" id="{E6F35C21-4216-4A8A-B3BA-54DAAB1D5E1F}"/>
-              </a:ext>
-            </a:extLst>
-          </p:cNvPr>
-          <p:cNvSpPr>
-            <a:spLocks noGrp="1"/>
-          </p:cNvSpPr>
-          <p:nvPr>
-            <p:ph type="title"/>
-          </p:nvPr>
-        </p:nvSpPr>
-        <p:spPr/>
-        <p:txBody>
-          <a:bodyPr>
-            <a:normAutofit/>
-          </a:bodyPr>
-          <a:lstStyle/>
-          <a:p>
-            <a:r>
-              <a:rPr lang="en-US" dirty="0"/>
-              <a:t>Design goals</a:t>
-            </a:r>
-          </a:p>
-        </p:txBody>
-      </p:sp>
-      <p:sp>
-        <p:nvSpPr>
-          <p:cNvPr id="3" name="Content Placeholder 2">
-            <a:extLst>
-              <a:ext uri="{FF2B5EF4-FFF2-40B4-BE49-F238E27FC236}">
-                <a16:creationId xmlns:a16="http://schemas.microsoft.com/office/drawing/2014/main" id="{28F039F7-9678-4F1B-8509-7AF02076A518}"/>
-              </a:ext>
-            </a:extLst>
-          </p:cNvPr>
-          <p:cNvSpPr>
-            <a:spLocks noGrp="1"/>
-          </p:cNvSpPr>
-          <p:nvPr>
-            <p:ph idx="1"/>
-          </p:nvPr>
-        </p:nvSpPr>
-        <p:spPr/>
-        <p:txBody>
-          <a:bodyPr/>
-          <a:lstStyle/>
-          <a:p>
-            <a:r>
-              <a:rPr lang="en-US" dirty="0"/>
-              <a:t>Modular</a:t>
-            </a:r>
-          </a:p>
-          <a:p>
-            <a:r>
-              <a:rPr lang="en-US" dirty="0"/>
-              <a:t>Extensible</a:t>
-            </a:r>
-          </a:p>
-          <a:p>
-            <a:pPr lvl="1"/>
-            <a:r>
-              <a:rPr lang="en-US" dirty="0"/>
-              <a:t>Interfaces and implementations</a:t>
-            </a:r>
-          </a:p>
-          <a:p>
-            <a:pPr lvl="1"/>
-            <a:r>
-              <a:rPr lang="en-US" dirty="0"/>
-              <a:t>APIs/SPIs... accessible from notebooks or </a:t>
-            </a:r>
-            <a:r>
-              <a:rPr lang="en-US" dirty="0" err="1"/>
-              <a:t>napari</a:t>
-            </a:r>
-            <a:endParaRPr lang="en-US" dirty="0"/>
-          </a:p>
-          <a:p>
-            <a:r>
-              <a:rPr lang="en-US" dirty="0"/>
-              <a:t>Interoperable</a:t>
-            </a:r>
-          </a:p>
-          <a:p>
-            <a:pPr lvl="1"/>
-            <a:r>
-              <a:rPr lang="en-US" dirty="0"/>
-              <a:t>Light Field Imaging (</a:t>
-            </a:r>
-            <a:r>
-              <a:rPr lang="en-US" dirty="0" err="1"/>
-              <a:t>napari</a:t>
-            </a:r>
-            <a:r>
-              <a:rPr lang="en-US" dirty="0"/>
-              <a:t> plugin)</a:t>
-            </a:r>
-          </a:p>
-          <a:p>
-            <a:pPr lvl="1"/>
-            <a:r>
-              <a:rPr lang="en-US" dirty="0"/>
-              <a:t>adapters to ImageJ, ImgLib2, </a:t>
-            </a:r>
-            <a:r>
-              <a:rPr lang="en-US" dirty="0" err="1"/>
-              <a:t>Bioformats</a:t>
-            </a:r>
-            <a:r>
-              <a:rPr lang="en-US" dirty="0"/>
-              <a:t>, </a:t>
-            </a:r>
-          </a:p>
-          <a:p>
-            <a:endParaRPr lang="en-US" dirty="0"/>
-          </a:p>
-        </p:txBody>
-      </p:sp>
-    </p:spTree>
-    <p:extLst>
-      <p:ext uri="{BB962C8B-B14F-4D97-AF65-F5344CB8AC3E}">
-        <p14:creationId xmlns:p14="http://schemas.microsoft.com/office/powerpoint/2010/main" val="3837560793"/>
-      </p:ext>
-    </p:extLst>
-  </p:cSld>
-  <p:clrMapOvr>
-    <a:masterClrMapping/>
-  </p:clrMapOvr>
-</p:sld>
-</file>
-
-<file path=ppt/slides/slide3.xml><?xml version="1.0" encoding="utf-8"?>
-<p:sld xmlns:a="http://schemas.openxmlformats.org/drawingml/2006/main" xmlns:r="http://schemas.openxmlformats.org/officeDocument/2006/relationships" xmlns:p="http://schemas.openxmlformats.org/presentationml/2006/main">
-  <p:cSld>
-    <p:spTree>
-      <p:nvGrpSpPr>
-        <p:cNvPr id="1" name=""/>
-        <p:cNvGrpSpPr/>
-        <p:nvPr/>
-      </p:nvGrpSpPr>
-      <p:grpSpPr>
-        <a:xfrm>
-          <a:off x="0" y="0"/>
-          <a:ext cx="0" cy="0"/>
-          <a:chOff x="0" y="0"/>
-          <a:chExt cx="0" cy="0"/>
-        </a:xfrm>
-      </p:grpSpPr>
-      <p:sp>
-        <p:nvSpPr>
-          <p:cNvPr id="2" name="Title 1">
-            <a:extLst>
-              <a:ext uri="{FF2B5EF4-FFF2-40B4-BE49-F238E27FC236}">
-                <a16:creationId xmlns:a16="http://schemas.microsoft.com/office/drawing/2014/main" id="{22651F51-CC90-4F70-9147-B441DCAA110A}"/>
-              </a:ext>
-            </a:extLst>
-          </p:cNvPr>
-          <p:cNvSpPr>
-            <a:spLocks noGrp="1"/>
-          </p:cNvSpPr>
-          <p:nvPr>
-            <p:ph type="title"/>
-          </p:nvPr>
-        </p:nvSpPr>
-        <p:spPr/>
-        <p:txBody>
-          <a:bodyPr/>
-          <a:lstStyle/>
-          <a:p>
-            <a:r>
-              <a:rPr lang="en-US" dirty="0"/>
-              <a:t>Modules</a:t>
-            </a:r>
-          </a:p>
-        </p:txBody>
-      </p:sp>
-      <p:sp>
-        <p:nvSpPr>
-          <p:cNvPr id="3" name="Content Placeholder 2">
-            <a:extLst>
-              <a:ext uri="{FF2B5EF4-FFF2-40B4-BE49-F238E27FC236}">
-                <a16:creationId xmlns:a16="http://schemas.microsoft.com/office/drawing/2014/main" id="{077E5B11-87B0-4C97-ACE0-272F20FE5F25}"/>
-              </a:ext>
-            </a:extLst>
-          </p:cNvPr>
-          <p:cNvSpPr>
-            <a:spLocks noGrp="1"/>
-          </p:cNvSpPr>
-          <p:nvPr>
-            <p:ph idx="1"/>
-          </p:nvPr>
-        </p:nvSpPr>
-        <p:spPr>
-          <a:xfrm>
-            <a:off x="838200" y="1367406"/>
-            <a:ext cx="5421284" cy="4809557"/>
-          </a:xfrm>
-        </p:spPr>
-        <p:txBody>
-          <a:bodyPr>
-            <a:normAutofit/>
-          </a:bodyPr>
-          <a:lstStyle/>
-          <a:p>
-            <a:r>
-              <a:rPr lang="en-US" dirty="0"/>
-              <a:t>design interfaces for the entire workflow, regardless of </a:t>
-            </a:r>
-            <a:r>
-              <a:rPr lang="en-US" dirty="0" err="1"/>
-              <a:t>implemention</a:t>
-            </a:r>
-            <a:endParaRPr lang="en-US" dirty="0"/>
-          </a:p>
-          <a:p>
-            <a:r>
-              <a:rPr lang="en-US" dirty="0" err="1"/>
-              <a:t>LFAcquire</a:t>
-            </a:r>
-            <a:r>
-              <a:rPr lang="en-US" dirty="0"/>
-              <a:t> (using </a:t>
-            </a:r>
-            <a:r>
-              <a:rPr lang="en-US" dirty="0" err="1"/>
-              <a:t>umgr</a:t>
-            </a:r>
-            <a:r>
-              <a:rPr lang="en-US" dirty="0"/>
-              <a:t>?, later)</a:t>
-            </a:r>
-          </a:p>
-          <a:p>
-            <a:r>
-              <a:rPr lang="en-US" dirty="0" err="1"/>
-              <a:t>LFMeta</a:t>
-            </a:r>
-            <a:r>
-              <a:rPr lang="en-US" dirty="0"/>
-              <a:t>, </a:t>
-            </a:r>
-            <a:r>
-              <a:rPr lang="en-US" dirty="0" err="1"/>
-              <a:t>LFData</a:t>
-            </a:r>
-            <a:endParaRPr lang="en-US" dirty="0"/>
-          </a:p>
-          <a:p>
-            <a:pPr lvl="1"/>
-            <a:r>
-              <a:rPr lang="en-US" dirty="0" err="1"/>
-              <a:t>LFData.import</a:t>
-            </a:r>
-            <a:r>
-              <a:rPr lang="en-US" dirty="0"/>
-              <a:t>, transform</a:t>
-            </a:r>
-          </a:p>
-          <a:p>
-            <a:r>
-              <a:rPr lang="en-US" dirty="0" err="1"/>
-              <a:t>LFCalibrate</a:t>
-            </a:r>
-            <a:endParaRPr lang="en-US" dirty="0"/>
-          </a:p>
-          <a:p>
-            <a:r>
-              <a:rPr lang="en-US" dirty="0" err="1"/>
-              <a:t>LFRectify</a:t>
-            </a:r>
-            <a:endParaRPr lang="en-US" dirty="0"/>
-          </a:p>
-          <a:p>
-            <a:r>
-              <a:rPr lang="en-US" dirty="0" err="1"/>
-              <a:t>LFDeconvolution</a:t>
-            </a:r>
-            <a:endParaRPr lang="en-US" dirty="0"/>
-          </a:p>
-          <a:p>
-            <a:r>
-              <a:rPr lang="en-US" dirty="0" err="1"/>
-              <a:t>LFDeepLearn</a:t>
-            </a:r>
-            <a:r>
-              <a:rPr lang="en-US" dirty="0"/>
-              <a:t>, </a:t>
-            </a:r>
-            <a:r>
-              <a:rPr lang="en-US" dirty="0" err="1"/>
-              <a:t>LFInference</a:t>
-            </a:r>
-            <a:endParaRPr lang="en-US" dirty="0"/>
-          </a:p>
-          <a:p>
-            <a:r>
-              <a:rPr lang="en-US" dirty="0" err="1"/>
-              <a:t>LFView</a:t>
-            </a:r>
-            <a:r>
-              <a:rPr lang="en-US" dirty="0"/>
-              <a:t>… </a:t>
-            </a:r>
-            <a:r>
-              <a:rPr lang="en-US" dirty="0" err="1"/>
-              <a:t>LFDisplay</a:t>
-            </a:r>
-            <a:endParaRPr lang="en-US" dirty="0"/>
-          </a:p>
-          <a:p>
-            <a:pPr marL="0" indent="0">
-              <a:buNone/>
-            </a:pPr>
-            <a:endParaRPr lang="en-US" dirty="0"/>
-          </a:p>
-        </p:txBody>
-      </p:sp>
-    </p:spTree>
-    <p:extLst>
-      <p:ext uri="{BB962C8B-B14F-4D97-AF65-F5344CB8AC3E}">
-        <p14:creationId xmlns:p14="http://schemas.microsoft.com/office/powerpoint/2010/main" val="122391944"/>
-      </p:ext>
-    </p:extLst>
-  </p:cSld>
-  <p:clrMapOvr>
-    <a:masterClrMapping/>
-  </p:clrMapOvr>
-</p:sld>
-</file>
-
-<file path=ppt/slides/slide4.xml><?xml version="1.0" encoding="utf-8"?>
-<p:sld xmlns:a="http://schemas.openxmlformats.org/drawingml/2006/main" xmlns:r="http://schemas.openxmlformats.org/officeDocument/2006/relationships" xmlns:p="http://schemas.openxmlformats.org/presentationml/2006/main">
-  <p:cSld>
-    <p:spTree>
-      <p:nvGrpSpPr>
-        <p:cNvPr id="1" name=""/>
-        <p:cNvGrpSpPr/>
-        <p:nvPr/>
-      </p:nvGrpSpPr>
-      <p:grpSpPr>
-        <a:xfrm>
-          <a:off x="0" y="0"/>
-          <a:ext cx="0" cy="0"/>
-          <a:chOff x="0" y="0"/>
-          <a:chExt cx="0" cy="0"/>
-        </a:xfrm>
-      </p:grpSpPr>
-      <p:sp>
-        <p:nvSpPr>
-          <p:cNvPr id="2" name="Title 1">
-            <a:extLst>
-              <a:ext uri="{FF2B5EF4-FFF2-40B4-BE49-F238E27FC236}">
-                <a16:creationId xmlns:a16="http://schemas.microsoft.com/office/drawing/2014/main" id="{50995853-50A4-4441-8631-AD04BAE8DD40}"/>
-              </a:ext>
-            </a:extLst>
-          </p:cNvPr>
-          <p:cNvSpPr>
-            <a:spLocks noGrp="1"/>
-          </p:cNvSpPr>
-          <p:nvPr>
-            <p:ph type="title"/>
-          </p:nvPr>
-        </p:nvSpPr>
-        <p:spPr/>
-        <p:txBody>
-          <a:bodyPr/>
-          <a:lstStyle/>
-          <a:p>
-            <a:r>
-              <a:rPr lang="en-US" dirty="0"/>
-              <a:t>Data and Metadata</a:t>
-            </a:r>
-          </a:p>
-        </p:txBody>
-      </p:sp>
-      <p:sp>
-        <p:nvSpPr>
-          <p:cNvPr id="3" name="Content Placeholder 2">
-            <a:extLst>
-              <a:ext uri="{FF2B5EF4-FFF2-40B4-BE49-F238E27FC236}">
-                <a16:creationId xmlns:a16="http://schemas.microsoft.com/office/drawing/2014/main" id="{E070FED8-A2EE-4B7A-9914-7E716913A7E3}"/>
-              </a:ext>
-            </a:extLst>
-          </p:cNvPr>
-          <p:cNvSpPr>
-            <a:spLocks noGrp="1"/>
-          </p:cNvSpPr>
-          <p:nvPr>
-            <p:ph idx="1"/>
-          </p:nvPr>
-        </p:nvSpPr>
-        <p:spPr/>
-        <p:txBody>
-          <a:bodyPr/>
-          <a:lstStyle/>
-          <a:p>
-            <a:r>
-              <a:rPr lang="en-US" dirty="0"/>
-              <a:t>Metadata</a:t>
-            </a:r>
-          </a:p>
-          <a:p>
-            <a:r>
-              <a:rPr lang="en-US" dirty="0" err="1"/>
-              <a:t>LFMeta</a:t>
-            </a:r>
-            <a:r>
-              <a:rPr lang="en-US" dirty="0"/>
-              <a:t> specify metadata </a:t>
-            </a:r>
-            <a:r>
-              <a:rPr lang="en-US" dirty="0" err="1"/>
-              <a:t>req'd</a:t>
-            </a:r>
-            <a:endParaRPr lang="en-US" dirty="0"/>
-          </a:p>
-          <a:p>
-            <a:r>
-              <a:rPr lang="en-US" dirty="0" err="1"/>
-              <a:t>LFData</a:t>
-            </a:r>
-            <a:r>
-              <a:rPr lang="en-US" dirty="0"/>
-              <a:t> + utilizes </a:t>
-            </a:r>
-            <a:r>
-              <a:rPr lang="en-US" dirty="0" err="1"/>
-              <a:t>LFMeta</a:t>
-            </a:r>
-            <a:endParaRPr lang="en-US" dirty="0"/>
-          </a:p>
-          <a:p>
-            <a:r>
-              <a:rPr lang="en-US" dirty="0" err="1"/>
-              <a:t>napari</a:t>
-            </a:r>
-            <a:r>
-              <a:rPr lang="en-US" dirty="0"/>
-              <a:t> metadata? </a:t>
-            </a:r>
-          </a:p>
-        </p:txBody>
-      </p:sp>
-    </p:spTree>
-    <p:extLst>
-      <p:ext uri="{BB962C8B-B14F-4D97-AF65-F5344CB8AC3E}">
-        <p14:creationId xmlns:p14="http://schemas.microsoft.com/office/powerpoint/2010/main" val="252346228"/>
-      </p:ext>
-    </p:extLst>
-  </p:cSld>
-  <p:clrMapOvr>
-    <a:masterClrMapping/>
-  </p:clrMapOvr>
-</p:sld>
-</file>
-
-<file path=ppt/slides/slide5.xml><?xml version="1.0" encoding="utf-8"?>
-<p:sld xmlns:a="http://schemas.openxmlformats.org/drawingml/2006/main" xmlns:r="http://schemas.openxmlformats.org/officeDocument/2006/relationships" xmlns:p="http://schemas.openxmlformats.org/presentationml/2006/main">
-  <p:cSld>
-    <p:spTree>
-      <p:nvGrpSpPr>
-        <p:cNvPr id="1" name=""/>
-        <p:cNvGrpSpPr/>
-        <p:nvPr/>
-      </p:nvGrpSpPr>
-      <p:grpSpPr>
-        <a:xfrm>
-          <a:off x="0" y="0"/>
-          <a:ext cx="0" cy="0"/>
-          <a:chOff x="0" y="0"/>
-          <a:chExt cx="0" cy="0"/>
-        </a:xfrm>
-      </p:grpSpPr>
-      <p:sp>
-        <p:nvSpPr>
-          <p:cNvPr id="2" name="Title 1">
-            <a:extLst>
-              <a:ext uri="{FF2B5EF4-FFF2-40B4-BE49-F238E27FC236}">
-                <a16:creationId xmlns:a16="http://schemas.microsoft.com/office/drawing/2014/main" id="{C0150A12-CE1F-4E08-A388-8062653CE10C}"/>
-              </a:ext>
-            </a:extLst>
-          </p:cNvPr>
-          <p:cNvSpPr>
-            <a:spLocks noGrp="1"/>
-          </p:cNvSpPr>
-          <p:nvPr>
-            <p:ph type="title"/>
-          </p:nvPr>
-        </p:nvSpPr>
-        <p:spPr/>
-        <p:txBody>
-          <a:bodyPr/>
-          <a:lstStyle/>
-          <a:p>
-            <a:r>
-              <a:rPr lang="en-US" dirty="0"/>
-              <a:t>???</a:t>
-            </a:r>
-          </a:p>
-        </p:txBody>
-      </p:sp>
-      <p:sp>
-        <p:nvSpPr>
-          <p:cNvPr id="3" name="Content Placeholder 2">
-            <a:extLst>
-              <a:ext uri="{FF2B5EF4-FFF2-40B4-BE49-F238E27FC236}">
-                <a16:creationId xmlns:a16="http://schemas.microsoft.com/office/drawing/2014/main" id="{64DEBA9F-14FB-4B75-B94E-1AA4B075D57A}"/>
-              </a:ext>
-            </a:extLst>
-          </p:cNvPr>
-          <p:cNvSpPr>
-            <a:spLocks noGrp="1"/>
-          </p:cNvSpPr>
-          <p:nvPr>
-            <p:ph idx="1"/>
-          </p:nvPr>
-        </p:nvSpPr>
-        <p:spPr>
-          <a:xfrm>
-            <a:off x="838200" y="1825625"/>
-            <a:ext cx="8901418" cy="4351338"/>
-          </a:xfrm>
-        </p:spPr>
-        <p:txBody>
-          <a:bodyPr/>
-          <a:lstStyle/>
-          <a:p>
-            <a:r>
-              <a:rPr lang="en-US" dirty="0"/>
-              <a:t>Leveraging </a:t>
-            </a:r>
-            <a:r>
-              <a:rPr lang="en-US" dirty="0" err="1"/>
-              <a:t>napari</a:t>
-            </a:r>
-            <a:r>
-              <a:rPr lang="en-US" dirty="0"/>
-              <a:t> infrastructure…</a:t>
-            </a:r>
-          </a:p>
-          <a:p>
-            <a:r>
-              <a:rPr lang="en-US" dirty="0"/>
-              <a:t>GUI</a:t>
-            </a:r>
-          </a:p>
-          <a:p>
-            <a:pPr lvl="1"/>
-            <a:r>
-              <a:rPr lang="en-US" dirty="0" err="1"/>
-              <a:t>MagicGUI</a:t>
-            </a:r>
-            <a:endParaRPr lang="en-US" dirty="0"/>
-          </a:p>
-          <a:p>
-            <a:pPr lvl="1"/>
-            <a:r>
-              <a:rPr lang="en-US" dirty="0" err="1"/>
-              <a:t>QtPy</a:t>
-            </a:r>
-            <a:r>
-              <a:rPr lang="en-US" dirty="0"/>
-              <a:t> (abstraction layer over </a:t>
-            </a:r>
-            <a:r>
-              <a:rPr lang="en-US" dirty="0" err="1"/>
-              <a:t>PyQT</a:t>
-            </a:r>
-            <a:r>
-              <a:rPr lang="en-US" dirty="0"/>
-              <a:t>, </a:t>
-            </a:r>
-            <a:r>
-              <a:rPr lang="en-US" dirty="0" err="1"/>
-              <a:t>PySide</a:t>
-            </a:r>
-            <a:r>
-              <a:rPr lang="en-US" dirty="0"/>
-              <a:t>)</a:t>
-            </a:r>
-          </a:p>
-          <a:p>
-            <a:pPr lvl="1"/>
-            <a:r>
-              <a:rPr lang="en-US" dirty="0"/>
-              <a:t>Leverage </a:t>
-            </a:r>
-            <a:r>
-              <a:rPr lang="en-US" dirty="0" err="1"/>
-              <a:t>VizPy</a:t>
-            </a:r>
-            <a:r>
-              <a:rPr lang="en-US" dirty="0"/>
-              <a:t>, Scikit-image, …</a:t>
-            </a:r>
-          </a:p>
-          <a:p>
-            <a:pPr lvl="1"/>
-            <a:endParaRPr lang="en-US" dirty="0"/>
-          </a:p>
-          <a:p>
-            <a:pPr lvl="1"/>
-            <a:endParaRPr lang="en-US" dirty="0" err="1"/>
-          </a:p>
-          <a:p>
-            <a:r>
-              <a:rPr lang="en-US" dirty="0"/>
-              <a:t>(Later…) Acquisition, camera control, drivers </a:t>
-            </a:r>
-            <a:r>
-              <a:rPr lang="en-US" dirty="0">
-                <a:sym typeface="Wingdings" panose="05000000000000000000" pitchFamily="2" charset="2"/>
-              </a:rPr>
-              <a:t> Micromanager?</a:t>
-            </a:r>
-          </a:p>
-        </p:txBody>
-      </p:sp>
-    </p:spTree>
-    <p:extLst>
-      <p:ext uri="{BB962C8B-B14F-4D97-AF65-F5344CB8AC3E}">
-        <p14:creationId xmlns:p14="http://schemas.microsoft.com/office/powerpoint/2010/main" val="1165453893"/>
-      </p:ext>
-    </p:extLst>
-  </p:cSld>
-  <p:clrMapOvr>
-    <a:masterClrMapping/>
-  </p:clrMapOvr>
-</p:sld>
-</file>
-
-<file path=ppt/slides/slide6.xml><?xml version="1.0" encoding="utf-8"?>
 <p:sld xmlns:a="http://schemas.openxmlformats.org/drawingml/2006/main" xmlns:r="http://schemas.openxmlformats.org/officeDocument/2006/relationships" xmlns:p="http://schemas.openxmlformats.org/presentationml/2006/main">
   <p:cSld>
     <p:spTree>
@@ -4551,7 +3656,184 @@
 </p:sld>
 </file>
 
-<file path=ppt/slides/slide7.xml><?xml version="1.0" encoding="utf-8"?>
+<file path=ppt/slides/slide12.xml><?xml version="1.0" encoding="utf-8"?>
+<p:sld xmlns:a="http://schemas.openxmlformats.org/drawingml/2006/main" xmlns:r="http://schemas.openxmlformats.org/officeDocument/2006/relationships" xmlns:p="http://schemas.openxmlformats.org/presentationml/2006/main">
+  <p:cSld>
+    <p:spTree>
+      <p:nvGrpSpPr>
+        <p:cNvPr id="1" name=""/>
+        <p:cNvGrpSpPr/>
+        <p:nvPr/>
+      </p:nvGrpSpPr>
+      <p:grpSpPr>
+        <a:xfrm>
+          <a:off x="0" y="0"/>
+          <a:ext cx="0" cy="0"/>
+          <a:chOff x="0" y="0"/>
+          <a:chExt cx="0" cy="0"/>
+        </a:xfrm>
+      </p:grpSpPr>
+      <p:sp>
+        <p:nvSpPr>
+          <p:cNvPr id="2" name="Title 1">
+            <a:extLst>
+              <a:ext uri="{FF2B5EF4-FFF2-40B4-BE49-F238E27FC236}">
+                <a16:creationId xmlns:a16="http://schemas.microsoft.com/office/drawing/2014/main" id="{70D7F1F7-93C0-4EBE-BF85-EB4CB3867BE6}"/>
+              </a:ext>
+            </a:extLst>
+          </p:cNvPr>
+          <p:cNvSpPr>
+            <a:spLocks noGrp="1"/>
+          </p:cNvSpPr>
+          <p:nvPr>
+            <p:ph type="title"/>
+          </p:nvPr>
+        </p:nvSpPr>
+        <p:spPr/>
+        <p:txBody>
+          <a:bodyPr/>
+          <a:lstStyle/>
+          <a:p>
+            <a:r>
+              <a:rPr lang="en-US" dirty="0" err="1"/>
+              <a:t>Lenslet</a:t>
+            </a:r>
+            <a:endParaRPr lang="en-US" dirty="0"/>
+          </a:p>
+        </p:txBody>
+      </p:sp>
+      <p:pic>
+        <p:nvPicPr>
+          <p:cNvPr id="5" name="Picture 4">
+            <a:extLst>
+              <a:ext uri="{FF2B5EF4-FFF2-40B4-BE49-F238E27FC236}">
+                <a16:creationId xmlns:a16="http://schemas.microsoft.com/office/drawing/2014/main" id="{0D10DBF1-0C1E-42BB-A2FD-C44C5AC69531}"/>
+              </a:ext>
+            </a:extLst>
+          </p:cNvPr>
+          <p:cNvPicPr>
+            <a:picLocks noChangeAspect="1"/>
+          </p:cNvPicPr>
+          <p:nvPr/>
+        </p:nvPicPr>
+        <p:blipFill>
+          <a:blip r:embed="rId2"/>
+          <a:stretch>
+            <a:fillRect/>
+          </a:stretch>
+        </p:blipFill>
+        <p:spPr>
+          <a:xfrm>
+            <a:off x="8095222" y="2206849"/>
+            <a:ext cx="2240014" cy="2240014"/>
+          </a:xfrm>
+          <a:prstGeom prst="rect">
+            <a:avLst/>
+          </a:prstGeom>
+        </p:spPr>
+      </p:pic>
+    </p:spTree>
+    <p:extLst>
+      <p:ext uri="{BB962C8B-B14F-4D97-AF65-F5344CB8AC3E}">
+        <p14:creationId xmlns:p14="http://schemas.microsoft.com/office/powerpoint/2010/main" val="341973324"/>
+      </p:ext>
+    </p:extLst>
+  </p:cSld>
+  <p:clrMapOvr>
+    <a:masterClrMapping/>
+  </p:clrMapOvr>
+</p:sld>
+</file>
+
+<file path=ppt/slides/slide13.xml><?xml version="1.0" encoding="utf-8"?>
+<p:sld xmlns:a="http://schemas.openxmlformats.org/drawingml/2006/main" xmlns:r="http://schemas.openxmlformats.org/officeDocument/2006/relationships" xmlns:p="http://schemas.openxmlformats.org/presentationml/2006/main">
+  <p:cSld>
+    <p:spTree>
+      <p:nvGrpSpPr>
+        <p:cNvPr id="1" name=""/>
+        <p:cNvGrpSpPr/>
+        <p:nvPr/>
+      </p:nvGrpSpPr>
+      <p:grpSpPr>
+        <a:xfrm>
+          <a:off x="0" y="0"/>
+          <a:ext cx="0" cy="0"/>
+          <a:chOff x="0" y="0"/>
+          <a:chExt cx="0" cy="0"/>
+        </a:xfrm>
+      </p:grpSpPr>
+      <p:sp>
+        <p:nvSpPr>
+          <p:cNvPr id="2" name="Title 1">
+            <a:extLst>
+              <a:ext uri="{FF2B5EF4-FFF2-40B4-BE49-F238E27FC236}">
+                <a16:creationId xmlns:a16="http://schemas.microsoft.com/office/drawing/2014/main" id="{0E7F3E1B-6556-40E3-BBD6-9C85F8391A7C}"/>
+              </a:ext>
+            </a:extLst>
+          </p:cNvPr>
+          <p:cNvSpPr>
+            <a:spLocks noGrp="1"/>
+          </p:cNvSpPr>
+          <p:nvPr>
+            <p:ph type="title"/>
+          </p:nvPr>
+        </p:nvSpPr>
+        <p:spPr/>
+        <p:txBody>
+          <a:bodyPr/>
+          <a:lstStyle/>
+          <a:p>
+            <a:r>
+              <a:rPr lang="en-US" dirty="0"/>
+              <a:t>Optics [Explore]</a:t>
+            </a:r>
+          </a:p>
+        </p:txBody>
+      </p:sp>
+      <p:pic>
+        <p:nvPicPr>
+          <p:cNvPr id="5" name="Picture 4">
+            <a:extLst>
+              <a:ext uri="{FF2B5EF4-FFF2-40B4-BE49-F238E27FC236}">
+                <a16:creationId xmlns:a16="http://schemas.microsoft.com/office/drawing/2014/main" id="{85834043-A62B-4A62-8D56-B34F51AC9214}"/>
+              </a:ext>
+            </a:extLst>
+          </p:cNvPr>
+          <p:cNvPicPr>
+            <a:picLocks noChangeAspect="1"/>
+          </p:cNvPicPr>
+          <p:nvPr/>
+        </p:nvPicPr>
+        <p:blipFill>
+          <a:blip r:embed="rId2"/>
+          <a:stretch>
+            <a:fillRect/>
+          </a:stretch>
+        </p:blipFill>
+        <p:spPr>
+          <a:xfrm>
+            <a:off x="6954518" y="1064030"/>
+            <a:ext cx="4009894" cy="4009894"/>
+          </a:xfrm>
+          <a:prstGeom prst="rect">
+            <a:avLst/>
+          </a:prstGeom>
+        </p:spPr>
+      </p:pic>
+    </p:spTree>
+    <p:extLst>
+      <p:ext uri="{BB962C8B-B14F-4D97-AF65-F5344CB8AC3E}">
+        <p14:creationId xmlns:p14="http://schemas.microsoft.com/office/powerpoint/2010/main" val="1378162708"/>
+      </p:ext>
+    </p:extLst>
+  </p:cSld>
+  <p:clrMapOvr>
+    <a:masterClrMapping/>
+  </p:clrMapOvr>
+</p:sld>
+</file>
+
+<file path=ppt/slides/slide14.xml><?xml version="1.0" encoding="utf-8"?>
 <p:sld xmlns:a="http://schemas.openxmlformats.org/drawingml/2006/main" xmlns:r="http://schemas.openxmlformats.org/officeDocument/2006/relationships" xmlns:p="http://schemas.openxmlformats.org/presentationml/2006/main">
   <p:cSld>
     <p:spTree>
@@ -4590,8 +3872,8 @@
         </p:blipFill>
         <p:spPr>
           <a:xfrm>
-            <a:off x="6445570" y="520117"/>
-            <a:ext cx="4217854" cy="5519956"/>
+            <a:off x="4171742" y="1175153"/>
+            <a:ext cx="3070444" cy="4018327"/>
           </a:xfrm>
           <a:prstGeom prst="rect">
             <a:avLst/>
@@ -4621,7 +3903,7 @@
           <a:p>
             <a:r>
               <a:rPr lang="en-US" dirty="0"/>
-              <a:t>Input</a:t>
+              <a:t>Input, Output</a:t>
             </a:r>
           </a:p>
         </p:txBody>
@@ -4642,9 +3924,16 @@
             <p:ph idx="1"/>
           </p:nvPr>
         </p:nvSpPr>
-        <p:spPr/>
-        <p:txBody>
-          <a:bodyPr/>
+        <p:spPr>
+          <a:xfrm>
+            <a:off x="838200" y="1825624"/>
+            <a:ext cx="2945235" cy="1932183"/>
+          </a:xfrm>
+        </p:spPr>
+        <p:txBody>
+          <a:bodyPr>
+            <a:normAutofit/>
+          </a:bodyPr>
           <a:lstStyle/>
           <a:p>
             <a:r>
@@ -4652,12 +3941,1935 @@
               <a:t>Camera control</a:t>
             </a:r>
           </a:p>
-        </p:txBody>
-      </p:sp>
+          <a:p>
+            <a:r>
+              <a:rPr lang="en-US" dirty="0"/>
+              <a:t>Acquisition</a:t>
+            </a:r>
+          </a:p>
+          <a:p>
+            <a:r>
+              <a:rPr lang="en-US" dirty="0"/>
+              <a:t>File save</a:t>
+            </a:r>
+          </a:p>
+        </p:txBody>
+      </p:sp>
+      <p:pic>
+        <p:nvPicPr>
+          <p:cNvPr id="5" name="Picture 4">
+            <a:extLst>
+              <a:ext uri="{FF2B5EF4-FFF2-40B4-BE49-F238E27FC236}">
+                <a16:creationId xmlns:a16="http://schemas.microsoft.com/office/drawing/2014/main" id="{C2C77F25-EA5B-42D8-91AB-CB7F06A0B6D3}"/>
+              </a:ext>
+            </a:extLst>
+          </p:cNvPr>
+          <p:cNvPicPr>
+            <a:picLocks noChangeAspect="1"/>
+          </p:cNvPicPr>
+          <p:nvPr/>
+        </p:nvPicPr>
+        <p:blipFill>
+          <a:blip r:embed="rId3"/>
+          <a:stretch>
+            <a:fillRect/>
+          </a:stretch>
+        </p:blipFill>
+        <p:spPr>
+          <a:xfrm>
+            <a:off x="7859582" y="1175153"/>
+            <a:ext cx="3390440" cy="3513597"/>
+          </a:xfrm>
+          <a:prstGeom prst="rect">
+            <a:avLst/>
+          </a:prstGeom>
+        </p:spPr>
+      </p:pic>
     </p:spTree>
     <p:extLst>
       <p:ext uri="{BB962C8B-B14F-4D97-AF65-F5344CB8AC3E}">
         <p14:creationId xmlns:p14="http://schemas.microsoft.com/office/powerpoint/2010/main" val="1517825811"/>
+      </p:ext>
+    </p:extLst>
+  </p:cSld>
+  <p:clrMapOvr>
+    <a:masterClrMapping/>
+  </p:clrMapOvr>
+</p:sld>
+</file>
+
+<file path=ppt/slides/slide15.xml><?xml version="1.0" encoding="utf-8"?>
+<p:sld xmlns:a="http://schemas.openxmlformats.org/drawingml/2006/main" xmlns:r="http://schemas.openxmlformats.org/officeDocument/2006/relationships" xmlns:p="http://schemas.openxmlformats.org/presentationml/2006/main">
+  <p:cSld>
+    <p:spTree>
+      <p:nvGrpSpPr>
+        <p:cNvPr id="1" name=""/>
+        <p:cNvGrpSpPr/>
+        <p:nvPr/>
+      </p:nvGrpSpPr>
+      <p:grpSpPr>
+        <a:xfrm>
+          <a:off x="0" y="0"/>
+          <a:ext cx="0" cy="0"/>
+          <a:chOff x="0" y="0"/>
+          <a:chExt cx="0" cy="0"/>
+        </a:xfrm>
+      </p:grpSpPr>
+      <p:sp>
+        <p:nvSpPr>
+          <p:cNvPr id="2" name="Title 1">
+            <a:extLst>
+              <a:ext uri="{FF2B5EF4-FFF2-40B4-BE49-F238E27FC236}">
+                <a16:creationId xmlns:a16="http://schemas.microsoft.com/office/drawing/2014/main" id="{BFE0C28C-BDD3-43DA-A009-5F7D0A56CB47}"/>
+              </a:ext>
+            </a:extLst>
+          </p:cNvPr>
+          <p:cNvSpPr>
+            <a:spLocks noGrp="1"/>
+          </p:cNvSpPr>
+          <p:nvPr>
+            <p:ph type="title"/>
+          </p:nvPr>
+        </p:nvSpPr>
+        <p:spPr/>
+        <p:txBody>
+          <a:bodyPr/>
+          <a:lstStyle/>
+          <a:p>
+            <a:r>
+              <a:rPr lang="en-US" dirty="0" err="1"/>
+              <a:t>ImgNav</a:t>
+            </a:r>
+            <a:r>
+              <a:rPr lang="en-US" dirty="0"/>
+              <a:t>…</a:t>
+            </a:r>
+          </a:p>
+        </p:txBody>
+      </p:sp>
+      <p:sp>
+        <p:nvSpPr>
+          <p:cNvPr id="3" name="Content Placeholder 2">
+            <a:extLst>
+              <a:ext uri="{FF2B5EF4-FFF2-40B4-BE49-F238E27FC236}">
+                <a16:creationId xmlns:a16="http://schemas.microsoft.com/office/drawing/2014/main" id="{F3CB600C-FB51-4365-B75E-2E3D6A44BB6B}"/>
+              </a:ext>
+            </a:extLst>
+          </p:cNvPr>
+          <p:cNvSpPr>
+            <a:spLocks noGrp="1"/>
+          </p:cNvSpPr>
+          <p:nvPr>
+            <p:ph idx="1"/>
+          </p:nvPr>
+        </p:nvSpPr>
+        <p:spPr/>
+        <p:txBody>
+          <a:bodyPr/>
+          <a:lstStyle/>
+          <a:p>
+            <a:r>
+              <a:rPr lang="en-US" dirty="0" err="1"/>
+              <a:t>Py</a:t>
+            </a:r>
+            <a:r>
+              <a:rPr lang="en-US" dirty="0"/>
+              <a:t> version of </a:t>
+            </a:r>
+            <a:r>
+              <a:rPr lang="en-US" dirty="0" err="1"/>
+              <a:t>ImgNav</a:t>
+            </a:r>
+            <a:r>
+              <a:rPr lang="en-US" dirty="0"/>
+              <a:t>... in python?  </a:t>
+            </a:r>
+          </a:p>
+          <a:p>
+            <a:r>
+              <a:rPr lang="en-US" dirty="0"/>
+              <a:t>add subdir organization and metadata/description/notes in file </a:t>
+            </a:r>
+            <a:r>
+              <a:rPr lang="en-US" dirty="0" err="1"/>
+              <a:t>descibeme</a:t>
+            </a:r>
+            <a:r>
+              <a:rPr lang="en-US" dirty="0"/>
+              <a:t>.</a:t>
+            </a:r>
+          </a:p>
+          <a:p>
+            <a:r>
+              <a:rPr lang="en-US" dirty="0"/>
+              <a:t>preview image. </a:t>
+            </a:r>
+            <a:r>
+              <a:rPr lang="en-US" dirty="0" err="1"/>
+              <a:t>preview.tif</a:t>
+            </a:r>
+            <a:r>
+              <a:rPr lang="en-US" dirty="0"/>
+              <a:t> [gif, jpg,  </a:t>
+            </a:r>
+            <a:r>
+              <a:rPr lang="en-US" dirty="0" err="1"/>
+              <a:t>png</a:t>
+            </a:r>
+            <a:r>
+              <a:rPr lang="en-US" dirty="0"/>
+              <a:t>]  with tiff [</a:t>
+            </a:r>
+            <a:r>
+              <a:rPr lang="en-US" dirty="0" err="1"/>
+              <a:t>single|multiple</a:t>
+            </a:r>
+            <a:r>
+              <a:rPr lang="en-US" dirty="0"/>
+              <a:t> page]]?</a:t>
+            </a:r>
+          </a:p>
+          <a:p>
+            <a:r>
+              <a:rPr lang="en-US" dirty="0"/>
+              <a:t>specify representative thumbnail</a:t>
+            </a:r>
+          </a:p>
+          <a:p>
+            <a:r>
+              <a:rPr lang="en-US" dirty="0"/>
+              <a:t>    like a readme.</a:t>
+            </a:r>
+          </a:p>
+        </p:txBody>
+      </p:sp>
+    </p:spTree>
+    <p:extLst>
+      <p:ext uri="{BB962C8B-B14F-4D97-AF65-F5344CB8AC3E}">
+        <p14:creationId xmlns:p14="http://schemas.microsoft.com/office/powerpoint/2010/main" val="614960927"/>
+      </p:ext>
+    </p:extLst>
+  </p:cSld>
+  <p:clrMapOvr>
+    <a:masterClrMapping/>
+  </p:clrMapOvr>
+</p:sld>
+</file>
+
+<file path=ppt/slides/slide2.xml><?xml version="1.0" encoding="utf-8"?>
+<p:sld xmlns:a="http://schemas.openxmlformats.org/drawingml/2006/main" xmlns:r="http://schemas.openxmlformats.org/officeDocument/2006/relationships" xmlns:p="http://schemas.openxmlformats.org/presentationml/2006/main">
+  <p:cSld>
+    <p:spTree>
+      <p:nvGrpSpPr>
+        <p:cNvPr id="1" name=""/>
+        <p:cNvGrpSpPr/>
+        <p:nvPr/>
+      </p:nvGrpSpPr>
+      <p:grpSpPr>
+        <a:xfrm>
+          <a:off x="0" y="0"/>
+          <a:ext cx="0" cy="0"/>
+          <a:chOff x="0" y="0"/>
+          <a:chExt cx="0" cy="0"/>
+        </a:xfrm>
+      </p:grpSpPr>
+      <p:sp>
+        <p:nvSpPr>
+          <p:cNvPr id="2" name="Title 1">
+            <a:extLst>
+              <a:ext uri="{FF2B5EF4-FFF2-40B4-BE49-F238E27FC236}">
+                <a16:creationId xmlns:a16="http://schemas.microsoft.com/office/drawing/2014/main" id="{E6F35C21-4216-4A8A-B3BA-54DAAB1D5E1F}"/>
+              </a:ext>
+            </a:extLst>
+          </p:cNvPr>
+          <p:cNvSpPr>
+            <a:spLocks noGrp="1"/>
+          </p:cNvSpPr>
+          <p:nvPr>
+            <p:ph type="title"/>
+          </p:nvPr>
+        </p:nvSpPr>
+        <p:spPr/>
+        <p:txBody>
+          <a:bodyPr>
+            <a:normAutofit/>
+          </a:bodyPr>
+          <a:lstStyle/>
+          <a:p>
+            <a:r>
+              <a:rPr lang="en-US" dirty="0"/>
+              <a:t>Design goals</a:t>
+            </a:r>
+          </a:p>
+        </p:txBody>
+      </p:sp>
+      <p:sp>
+        <p:nvSpPr>
+          <p:cNvPr id="3" name="Content Placeholder 2">
+            <a:extLst>
+              <a:ext uri="{FF2B5EF4-FFF2-40B4-BE49-F238E27FC236}">
+                <a16:creationId xmlns:a16="http://schemas.microsoft.com/office/drawing/2014/main" id="{28F039F7-9678-4F1B-8509-7AF02076A518}"/>
+              </a:ext>
+            </a:extLst>
+          </p:cNvPr>
+          <p:cNvSpPr>
+            <a:spLocks noGrp="1"/>
+          </p:cNvSpPr>
+          <p:nvPr>
+            <p:ph idx="1"/>
+          </p:nvPr>
+        </p:nvSpPr>
+        <p:spPr/>
+        <p:txBody>
+          <a:bodyPr/>
+          <a:lstStyle/>
+          <a:p>
+            <a:r>
+              <a:rPr lang="en-US" dirty="0"/>
+              <a:t>Modular</a:t>
+            </a:r>
+          </a:p>
+          <a:p>
+            <a:r>
+              <a:rPr lang="en-US" dirty="0"/>
+              <a:t>Extensible</a:t>
+            </a:r>
+          </a:p>
+          <a:p>
+            <a:pPr lvl="1"/>
+            <a:r>
+              <a:rPr lang="en-US" dirty="0"/>
+              <a:t>Interfaces and implementations</a:t>
+            </a:r>
+          </a:p>
+          <a:p>
+            <a:pPr lvl="1"/>
+            <a:r>
+              <a:rPr lang="en-US" dirty="0"/>
+              <a:t>APIs/SPIs... accessible from notebooks or </a:t>
+            </a:r>
+            <a:r>
+              <a:rPr lang="en-US" dirty="0" err="1"/>
+              <a:t>napari</a:t>
+            </a:r>
+            <a:endParaRPr lang="en-US" dirty="0"/>
+          </a:p>
+          <a:p>
+            <a:r>
+              <a:rPr lang="en-US" dirty="0"/>
+              <a:t>Interoperable</a:t>
+            </a:r>
+          </a:p>
+          <a:p>
+            <a:pPr lvl="1"/>
+            <a:r>
+              <a:rPr lang="en-US" dirty="0"/>
+              <a:t>Light Field Imaging (</a:t>
+            </a:r>
+            <a:r>
+              <a:rPr lang="en-US" dirty="0" err="1"/>
+              <a:t>napari</a:t>
+            </a:r>
+            <a:r>
+              <a:rPr lang="en-US" dirty="0"/>
+              <a:t> plugin)</a:t>
+            </a:r>
+          </a:p>
+          <a:p>
+            <a:pPr lvl="1"/>
+            <a:r>
+              <a:rPr lang="en-US" dirty="0"/>
+              <a:t>adapters to ImageJ, ImgLib2, </a:t>
+            </a:r>
+            <a:r>
+              <a:rPr lang="en-US" dirty="0" err="1"/>
+              <a:t>Bioformats</a:t>
+            </a:r>
+            <a:r>
+              <a:rPr lang="en-US" dirty="0"/>
+              <a:t>, </a:t>
+            </a:r>
+          </a:p>
+          <a:p>
+            <a:endParaRPr lang="en-US" dirty="0"/>
+          </a:p>
+        </p:txBody>
+      </p:sp>
+    </p:spTree>
+    <p:extLst>
+      <p:ext uri="{BB962C8B-B14F-4D97-AF65-F5344CB8AC3E}">
+        <p14:creationId xmlns:p14="http://schemas.microsoft.com/office/powerpoint/2010/main" val="3837560793"/>
+      </p:ext>
+    </p:extLst>
+  </p:cSld>
+  <p:clrMapOvr>
+    <a:masterClrMapping/>
+  </p:clrMapOvr>
+</p:sld>
+</file>
+
+<file path=ppt/slides/slide3.xml><?xml version="1.0" encoding="utf-8"?>
+<p:sld xmlns:a="http://schemas.openxmlformats.org/drawingml/2006/main" xmlns:r="http://schemas.openxmlformats.org/officeDocument/2006/relationships" xmlns:p="http://schemas.openxmlformats.org/presentationml/2006/main">
+  <p:cSld>
+    <p:spTree>
+      <p:nvGrpSpPr>
+        <p:cNvPr id="1" name=""/>
+        <p:cNvGrpSpPr/>
+        <p:nvPr/>
+      </p:nvGrpSpPr>
+      <p:grpSpPr>
+        <a:xfrm>
+          <a:off x="0" y="0"/>
+          <a:ext cx="0" cy="0"/>
+          <a:chOff x="0" y="0"/>
+          <a:chExt cx="0" cy="0"/>
+        </a:xfrm>
+      </p:grpSpPr>
+      <p:sp>
+        <p:nvSpPr>
+          <p:cNvPr id="2" name="Title 1">
+            <a:extLst>
+              <a:ext uri="{FF2B5EF4-FFF2-40B4-BE49-F238E27FC236}">
+                <a16:creationId xmlns:a16="http://schemas.microsoft.com/office/drawing/2014/main" id="{22651F51-CC90-4F70-9147-B441DCAA110A}"/>
+              </a:ext>
+            </a:extLst>
+          </p:cNvPr>
+          <p:cNvSpPr>
+            <a:spLocks noGrp="1"/>
+          </p:cNvSpPr>
+          <p:nvPr>
+            <p:ph type="title"/>
+          </p:nvPr>
+        </p:nvSpPr>
+        <p:spPr/>
+        <p:txBody>
+          <a:bodyPr/>
+          <a:lstStyle/>
+          <a:p>
+            <a:r>
+              <a:rPr lang="en-US" dirty="0"/>
+              <a:t>Modules</a:t>
+            </a:r>
+          </a:p>
+        </p:txBody>
+      </p:sp>
+      <p:sp>
+        <p:nvSpPr>
+          <p:cNvPr id="3" name="Content Placeholder 2">
+            <a:extLst>
+              <a:ext uri="{FF2B5EF4-FFF2-40B4-BE49-F238E27FC236}">
+                <a16:creationId xmlns:a16="http://schemas.microsoft.com/office/drawing/2014/main" id="{077E5B11-87B0-4C97-ACE0-272F20FE5F25}"/>
+              </a:ext>
+            </a:extLst>
+          </p:cNvPr>
+          <p:cNvSpPr>
+            <a:spLocks noGrp="1"/>
+          </p:cNvSpPr>
+          <p:nvPr>
+            <p:ph idx="1"/>
+          </p:nvPr>
+        </p:nvSpPr>
+        <p:spPr>
+          <a:xfrm>
+            <a:off x="838200" y="1367406"/>
+            <a:ext cx="5421284" cy="4809557"/>
+          </a:xfrm>
+        </p:spPr>
+        <p:txBody>
+          <a:bodyPr>
+            <a:normAutofit/>
+          </a:bodyPr>
+          <a:lstStyle/>
+          <a:p>
+            <a:r>
+              <a:rPr lang="en-US" dirty="0"/>
+              <a:t>design interfaces for the entire workflow, regardless of </a:t>
+            </a:r>
+            <a:r>
+              <a:rPr lang="en-US" dirty="0" err="1"/>
+              <a:t>implemention</a:t>
+            </a:r>
+            <a:endParaRPr lang="en-US" dirty="0"/>
+          </a:p>
+          <a:p>
+            <a:r>
+              <a:rPr lang="en-US" dirty="0" err="1"/>
+              <a:t>LFAcquire</a:t>
+            </a:r>
+            <a:r>
+              <a:rPr lang="en-US" dirty="0"/>
+              <a:t> (using </a:t>
+            </a:r>
+            <a:r>
+              <a:rPr lang="en-US" dirty="0" err="1"/>
+              <a:t>umgr</a:t>
+            </a:r>
+            <a:r>
+              <a:rPr lang="en-US" dirty="0"/>
+              <a:t>?, later)</a:t>
+            </a:r>
+          </a:p>
+          <a:p>
+            <a:r>
+              <a:rPr lang="en-US" dirty="0" err="1"/>
+              <a:t>LFMeta</a:t>
+            </a:r>
+            <a:r>
+              <a:rPr lang="en-US" dirty="0"/>
+              <a:t>, </a:t>
+            </a:r>
+            <a:r>
+              <a:rPr lang="en-US" dirty="0" err="1"/>
+              <a:t>LFData</a:t>
+            </a:r>
+            <a:endParaRPr lang="en-US" dirty="0"/>
+          </a:p>
+          <a:p>
+            <a:pPr lvl="1"/>
+            <a:r>
+              <a:rPr lang="en-US" dirty="0" err="1"/>
+              <a:t>LFData.import</a:t>
+            </a:r>
+            <a:r>
+              <a:rPr lang="en-US" dirty="0"/>
+              <a:t>, transform</a:t>
+            </a:r>
+          </a:p>
+          <a:p>
+            <a:r>
+              <a:rPr lang="en-US" dirty="0" err="1"/>
+              <a:t>LFCalibrate</a:t>
+            </a:r>
+            <a:endParaRPr lang="en-US" dirty="0"/>
+          </a:p>
+          <a:p>
+            <a:r>
+              <a:rPr lang="en-US" dirty="0" err="1"/>
+              <a:t>LFRectify</a:t>
+            </a:r>
+            <a:endParaRPr lang="en-US" dirty="0"/>
+          </a:p>
+          <a:p>
+            <a:r>
+              <a:rPr lang="en-US" dirty="0" err="1"/>
+              <a:t>LFDeconvolution</a:t>
+            </a:r>
+            <a:endParaRPr lang="en-US" dirty="0"/>
+          </a:p>
+          <a:p>
+            <a:r>
+              <a:rPr lang="en-US" dirty="0" err="1"/>
+              <a:t>LFDeepLearn</a:t>
+            </a:r>
+            <a:r>
+              <a:rPr lang="en-US" dirty="0"/>
+              <a:t>, </a:t>
+            </a:r>
+            <a:r>
+              <a:rPr lang="en-US" dirty="0" err="1"/>
+              <a:t>LFInference</a:t>
+            </a:r>
+            <a:endParaRPr lang="en-US" dirty="0"/>
+          </a:p>
+          <a:p>
+            <a:r>
+              <a:rPr lang="en-US" dirty="0" err="1"/>
+              <a:t>LFView</a:t>
+            </a:r>
+            <a:r>
+              <a:rPr lang="en-US" dirty="0"/>
+              <a:t>… </a:t>
+            </a:r>
+            <a:r>
+              <a:rPr lang="en-US" dirty="0" err="1"/>
+              <a:t>LFDisplay</a:t>
+            </a:r>
+            <a:endParaRPr lang="en-US" dirty="0"/>
+          </a:p>
+          <a:p>
+            <a:pPr marL="0" indent="0">
+              <a:buNone/>
+            </a:pPr>
+            <a:endParaRPr lang="en-US" dirty="0"/>
+          </a:p>
+        </p:txBody>
+      </p:sp>
+    </p:spTree>
+    <p:extLst>
+      <p:ext uri="{BB962C8B-B14F-4D97-AF65-F5344CB8AC3E}">
+        <p14:creationId xmlns:p14="http://schemas.microsoft.com/office/powerpoint/2010/main" val="122391944"/>
+      </p:ext>
+    </p:extLst>
+  </p:cSld>
+  <p:clrMapOvr>
+    <a:masterClrMapping/>
+  </p:clrMapOvr>
+</p:sld>
+</file>
+
+<file path=ppt/slides/slide4.xml><?xml version="1.0" encoding="utf-8"?>
+<p:sld xmlns:a="http://schemas.openxmlformats.org/drawingml/2006/main" xmlns:r="http://schemas.openxmlformats.org/officeDocument/2006/relationships" xmlns:p="http://schemas.openxmlformats.org/presentationml/2006/main">
+  <p:cSld>
+    <p:spTree>
+      <p:nvGrpSpPr>
+        <p:cNvPr id="1" name=""/>
+        <p:cNvGrpSpPr/>
+        <p:nvPr/>
+      </p:nvGrpSpPr>
+      <p:grpSpPr>
+        <a:xfrm>
+          <a:off x="0" y="0"/>
+          <a:ext cx="0" cy="0"/>
+          <a:chOff x="0" y="0"/>
+          <a:chExt cx="0" cy="0"/>
+        </a:xfrm>
+      </p:grpSpPr>
+      <p:sp>
+        <p:nvSpPr>
+          <p:cNvPr id="2" name="Title 1">
+            <a:extLst>
+              <a:ext uri="{FF2B5EF4-FFF2-40B4-BE49-F238E27FC236}">
+                <a16:creationId xmlns:a16="http://schemas.microsoft.com/office/drawing/2014/main" id="{50995853-50A4-4441-8631-AD04BAE8DD40}"/>
+              </a:ext>
+            </a:extLst>
+          </p:cNvPr>
+          <p:cNvSpPr>
+            <a:spLocks noGrp="1"/>
+          </p:cNvSpPr>
+          <p:nvPr>
+            <p:ph type="title"/>
+          </p:nvPr>
+        </p:nvSpPr>
+        <p:spPr/>
+        <p:txBody>
+          <a:bodyPr/>
+          <a:lstStyle/>
+          <a:p>
+            <a:r>
+              <a:rPr lang="en-US" dirty="0"/>
+              <a:t>Data and Metadata</a:t>
+            </a:r>
+          </a:p>
+        </p:txBody>
+      </p:sp>
+      <p:sp>
+        <p:nvSpPr>
+          <p:cNvPr id="3" name="Content Placeholder 2">
+            <a:extLst>
+              <a:ext uri="{FF2B5EF4-FFF2-40B4-BE49-F238E27FC236}">
+                <a16:creationId xmlns:a16="http://schemas.microsoft.com/office/drawing/2014/main" id="{E070FED8-A2EE-4B7A-9914-7E716913A7E3}"/>
+              </a:ext>
+            </a:extLst>
+          </p:cNvPr>
+          <p:cNvSpPr>
+            <a:spLocks noGrp="1"/>
+          </p:cNvSpPr>
+          <p:nvPr>
+            <p:ph idx="1"/>
+          </p:nvPr>
+        </p:nvSpPr>
+        <p:spPr/>
+        <p:txBody>
+          <a:bodyPr/>
+          <a:lstStyle/>
+          <a:p>
+            <a:r>
+              <a:rPr lang="en-US" dirty="0"/>
+              <a:t>File / dataset naming</a:t>
+            </a:r>
+          </a:p>
+          <a:p>
+            <a:r>
+              <a:rPr lang="en-US" dirty="0"/>
+              <a:t>Containers / file formats</a:t>
+            </a:r>
+          </a:p>
+          <a:p>
+            <a:r>
+              <a:rPr lang="en-US" dirty="0"/>
+              <a:t>Metadata</a:t>
+            </a:r>
+          </a:p>
+          <a:p>
+            <a:r>
+              <a:rPr lang="en-US" dirty="0" err="1"/>
+              <a:t>LFMeta</a:t>
+            </a:r>
+            <a:r>
+              <a:rPr lang="en-US" dirty="0"/>
+              <a:t> specify metadata </a:t>
+            </a:r>
+            <a:r>
+              <a:rPr lang="en-US" dirty="0" err="1"/>
+              <a:t>req'd</a:t>
+            </a:r>
+            <a:endParaRPr lang="en-US" dirty="0"/>
+          </a:p>
+          <a:p>
+            <a:r>
+              <a:rPr lang="en-US" dirty="0" err="1"/>
+              <a:t>LFData</a:t>
+            </a:r>
+            <a:r>
+              <a:rPr lang="en-US" dirty="0"/>
+              <a:t> + utilizes </a:t>
+            </a:r>
+            <a:r>
+              <a:rPr lang="en-US" dirty="0" err="1"/>
+              <a:t>LFMeta</a:t>
+            </a:r>
+            <a:endParaRPr lang="en-US" dirty="0"/>
+          </a:p>
+          <a:p>
+            <a:r>
+              <a:rPr lang="en-US" dirty="0" err="1"/>
+              <a:t>napari</a:t>
+            </a:r>
+            <a:r>
+              <a:rPr lang="en-US" dirty="0"/>
+              <a:t> metadata? </a:t>
+            </a:r>
+          </a:p>
+        </p:txBody>
+      </p:sp>
+    </p:spTree>
+    <p:extLst>
+      <p:ext uri="{BB962C8B-B14F-4D97-AF65-F5344CB8AC3E}">
+        <p14:creationId xmlns:p14="http://schemas.microsoft.com/office/powerpoint/2010/main" val="252346228"/>
+      </p:ext>
+    </p:extLst>
+  </p:cSld>
+  <p:clrMapOvr>
+    <a:masterClrMapping/>
+  </p:clrMapOvr>
+</p:sld>
+</file>
+
+<file path=ppt/slides/slide5.xml><?xml version="1.0" encoding="utf-8"?>
+<p:sld xmlns:a="http://schemas.openxmlformats.org/drawingml/2006/main" xmlns:r="http://schemas.openxmlformats.org/officeDocument/2006/relationships" xmlns:p="http://schemas.openxmlformats.org/presentationml/2006/main">
+  <p:cSld>
+    <p:spTree>
+      <p:nvGrpSpPr>
+        <p:cNvPr id="1" name=""/>
+        <p:cNvGrpSpPr/>
+        <p:nvPr/>
+      </p:nvGrpSpPr>
+      <p:grpSpPr>
+        <a:xfrm>
+          <a:off x="0" y="0"/>
+          <a:ext cx="0" cy="0"/>
+          <a:chOff x="0" y="0"/>
+          <a:chExt cx="0" cy="0"/>
+        </a:xfrm>
+      </p:grpSpPr>
+      <p:sp>
+        <p:nvSpPr>
+          <p:cNvPr id="2" name="Title 1">
+            <a:extLst>
+              <a:ext uri="{FF2B5EF4-FFF2-40B4-BE49-F238E27FC236}">
+                <a16:creationId xmlns:a16="http://schemas.microsoft.com/office/drawing/2014/main" id="{CA0BC0C2-A60C-4330-9853-B745E7D136E1}"/>
+              </a:ext>
+            </a:extLst>
+          </p:cNvPr>
+          <p:cNvSpPr>
+            <a:spLocks noGrp="1"/>
+          </p:cNvSpPr>
+          <p:nvPr>
+            <p:ph type="title"/>
+          </p:nvPr>
+        </p:nvSpPr>
+        <p:spPr>
+          <a:xfrm>
+            <a:off x="0" y="95937"/>
+            <a:ext cx="5257800" cy="698904"/>
+          </a:xfrm>
+        </p:spPr>
+        <p:txBody>
+          <a:bodyPr>
+            <a:normAutofit fontScale="90000"/>
+          </a:bodyPr>
+          <a:lstStyle/>
+          <a:p>
+            <a:r>
+              <a:rPr lang="en-US" dirty="0"/>
+              <a:t>Files</a:t>
+            </a:r>
+            <a:br>
+              <a:rPr lang="en-US" dirty="0"/>
+            </a:br>
+            <a:endParaRPr lang="en-US" dirty="0"/>
+          </a:p>
+        </p:txBody>
+      </p:sp>
+      <p:sp>
+        <p:nvSpPr>
+          <p:cNvPr id="13" name="Rectangle 12">
+            <a:extLst>
+              <a:ext uri="{FF2B5EF4-FFF2-40B4-BE49-F238E27FC236}">
+                <a16:creationId xmlns:a16="http://schemas.microsoft.com/office/drawing/2014/main" id="{0D9AB369-60D1-48F8-99C6-C108433DFB14}"/>
+              </a:ext>
+            </a:extLst>
+          </p:cNvPr>
+          <p:cNvSpPr/>
+          <p:nvPr/>
+        </p:nvSpPr>
+        <p:spPr>
+          <a:xfrm>
+            <a:off x="4171821" y="623831"/>
+            <a:ext cx="7439806" cy="4410593"/>
+          </a:xfrm>
+          <a:prstGeom prst="rect">
+            <a:avLst/>
+          </a:prstGeom>
+          <a:solidFill>
+            <a:schemeClr val="accent5">
+              <a:lumMod val="20000"/>
+              <a:lumOff val="80000"/>
+            </a:schemeClr>
+          </a:solidFill>
+        </p:spPr>
+        <p:style>
+          <a:lnRef idx="2">
+            <a:schemeClr val="accent1">
+              <a:shade val="50000"/>
+            </a:schemeClr>
+          </a:lnRef>
+          <a:fillRef idx="1">
+            <a:schemeClr val="accent1"/>
+          </a:fillRef>
+          <a:effectRef idx="0">
+            <a:schemeClr val="accent1"/>
+          </a:effectRef>
+          <a:fontRef idx="minor">
+            <a:schemeClr val="lt1"/>
+          </a:fontRef>
+        </p:style>
+        <p:txBody>
+          <a:bodyPr rtlCol="0" anchor="t" anchorCtr="0"/>
+          <a:lstStyle/>
+          <a:p>
+            <a:r>
+              <a:rPr lang="en-US" sz="1600" dirty="0">
+                <a:solidFill>
+                  <a:schemeClr val="tx1"/>
+                </a:solidFill>
+              </a:rPr>
+              <a:t>&lt;Sample folder&gt;</a:t>
+            </a:r>
+          </a:p>
+        </p:txBody>
+      </p:sp>
+      <p:sp>
+        <p:nvSpPr>
+          <p:cNvPr id="4" name="Rectangle 3">
+            <a:extLst>
+              <a:ext uri="{FF2B5EF4-FFF2-40B4-BE49-F238E27FC236}">
+                <a16:creationId xmlns:a16="http://schemas.microsoft.com/office/drawing/2014/main" id="{423E4713-E4EB-48D5-8A1A-3CD042DE6F0C}"/>
+              </a:ext>
+            </a:extLst>
+          </p:cNvPr>
+          <p:cNvSpPr/>
+          <p:nvPr/>
+        </p:nvSpPr>
+        <p:spPr>
+          <a:xfrm>
+            <a:off x="4610500" y="2522928"/>
+            <a:ext cx="1358769" cy="1059238"/>
+          </a:xfrm>
+          <a:prstGeom prst="rect">
+            <a:avLst/>
+          </a:prstGeom>
+        </p:spPr>
+        <p:style>
+          <a:lnRef idx="1">
+            <a:schemeClr val="accent3"/>
+          </a:lnRef>
+          <a:fillRef idx="2">
+            <a:schemeClr val="accent3"/>
+          </a:fillRef>
+          <a:effectRef idx="1">
+            <a:schemeClr val="accent3"/>
+          </a:effectRef>
+          <a:fontRef idx="minor">
+            <a:schemeClr val="dk1"/>
+          </a:fontRef>
+        </p:style>
+        <p:txBody>
+          <a:bodyPr rtlCol="0" anchor="ctr"/>
+          <a:lstStyle/>
+          <a:p>
+            <a:pPr algn="ctr"/>
+            <a:r>
+              <a:rPr lang="en-US" sz="1400" dirty="0" err="1"/>
+              <a:t>DarkImage.tif</a:t>
+            </a:r>
+            <a:endParaRPr lang="en-US" sz="1400" dirty="0"/>
+          </a:p>
+        </p:txBody>
+      </p:sp>
+      <p:sp>
+        <p:nvSpPr>
+          <p:cNvPr id="5" name="Rectangle 4">
+            <a:extLst>
+              <a:ext uri="{FF2B5EF4-FFF2-40B4-BE49-F238E27FC236}">
+                <a16:creationId xmlns:a16="http://schemas.microsoft.com/office/drawing/2014/main" id="{F3B81310-76D8-48AA-9063-713ED4170689}"/>
+              </a:ext>
+            </a:extLst>
+          </p:cNvPr>
+          <p:cNvSpPr/>
+          <p:nvPr/>
+        </p:nvSpPr>
+        <p:spPr>
+          <a:xfrm>
+            <a:off x="4610500" y="3771485"/>
+            <a:ext cx="1358769" cy="1059238"/>
+          </a:xfrm>
+          <a:prstGeom prst="rect">
+            <a:avLst/>
+          </a:prstGeom>
+        </p:spPr>
+        <p:style>
+          <a:lnRef idx="1">
+            <a:schemeClr val="accent3"/>
+          </a:lnRef>
+          <a:fillRef idx="2">
+            <a:schemeClr val="accent3"/>
+          </a:fillRef>
+          <a:effectRef idx="1">
+            <a:schemeClr val="accent3"/>
+          </a:effectRef>
+          <a:fontRef idx="minor">
+            <a:schemeClr val="dk1"/>
+          </a:fontRef>
+        </p:style>
+        <p:txBody>
+          <a:bodyPr rtlCol="0" anchor="ctr"/>
+          <a:lstStyle/>
+          <a:p>
+            <a:pPr algn="ctr"/>
+            <a:r>
+              <a:rPr lang="en-US" sz="1400" dirty="0" err="1"/>
+              <a:t>WhiteImage.tif</a:t>
+            </a:r>
+            <a:endParaRPr lang="en-US" sz="1400" dirty="0"/>
+          </a:p>
+        </p:txBody>
+      </p:sp>
+      <p:sp>
+        <p:nvSpPr>
+          <p:cNvPr id="6" name="Flowchart: Multidocument 5">
+            <a:extLst>
+              <a:ext uri="{FF2B5EF4-FFF2-40B4-BE49-F238E27FC236}">
+                <a16:creationId xmlns:a16="http://schemas.microsoft.com/office/drawing/2014/main" id="{5A3AF9BA-51AB-44A7-B1D7-38C6142F6AB0}"/>
+              </a:ext>
+            </a:extLst>
+          </p:cNvPr>
+          <p:cNvSpPr/>
+          <p:nvPr/>
+        </p:nvSpPr>
+        <p:spPr>
+          <a:xfrm>
+            <a:off x="10031084" y="1216929"/>
+            <a:ext cx="1364829" cy="942540"/>
+          </a:xfrm>
+          <a:prstGeom prst="flowChartMultidocument">
+            <a:avLst/>
+          </a:prstGeom>
+          <a:solidFill>
+            <a:schemeClr val="accent1">
+              <a:lumMod val="40000"/>
+              <a:lumOff val="60000"/>
+            </a:schemeClr>
+          </a:solidFill>
+        </p:spPr>
+        <p:style>
+          <a:lnRef idx="1">
+            <a:schemeClr val="accent3"/>
+          </a:lnRef>
+          <a:fillRef idx="2">
+            <a:schemeClr val="accent3"/>
+          </a:fillRef>
+          <a:effectRef idx="1">
+            <a:schemeClr val="accent3"/>
+          </a:effectRef>
+          <a:fontRef idx="minor">
+            <a:schemeClr val="dk1"/>
+          </a:fontRef>
+        </p:style>
+        <p:txBody>
+          <a:bodyPr rtlCol="0" anchor="ctr"/>
+          <a:lstStyle/>
+          <a:p>
+            <a:pPr algn="ctr"/>
+            <a:r>
+              <a:rPr lang="en-US" sz="1400" dirty="0">
+                <a:solidFill>
+                  <a:schemeClr val="dk1"/>
+                </a:solidFill>
+              </a:rPr>
+              <a:t>stack</a:t>
+            </a:r>
+          </a:p>
+        </p:txBody>
+      </p:sp>
+      <p:sp>
+        <p:nvSpPr>
+          <p:cNvPr id="7" name="Rectangle 6">
+            <a:extLst>
+              <a:ext uri="{FF2B5EF4-FFF2-40B4-BE49-F238E27FC236}">
+                <a16:creationId xmlns:a16="http://schemas.microsoft.com/office/drawing/2014/main" id="{243CE375-53FA-4663-8A8F-D6BC745FBBD7}"/>
+              </a:ext>
+            </a:extLst>
+          </p:cNvPr>
+          <p:cNvSpPr/>
+          <p:nvPr/>
+        </p:nvSpPr>
+        <p:spPr>
+          <a:xfrm>
+            <a:off x="6549557" y="1122666"/>
+            <a:ext cx="1364829" cy="1150168"/>
+          </a:xfrm>
+          <a:prstGeom prst="rect">
+            <a:avLst/>
+          </a:prstGeom>
+        </p:spPr>
+        <p:style>
+          <a:lnRef idx="1">
+            <a:schemeClr val="accent3"/>
+          </a:lnRef>
+          <a:fillRef idx="2">
+            <a:schemeClr val="accent3"/>
+          </a:fillRef>
+          <a:effectRef idx="1">
+            <a:schemeClr val="accent3"/>
+          </a:effectRef>
+          <a:fontRef idx="minor">
+            <a:schemeClr val="dk1"/>
+          </a:fontRef>
+        </p:style>
+        <p:txBody>
+          <a:bodyPr rtlCol="0" anchor="ctr"/>
+          <a:lstStyle/>
+          <a:p>
+            <a:pPr algn="ctr"/>
+            <a:r>
+              <a:rPr lang="en-US" sz="1400" dirty="0" err="1"/>
+              <a:t>RawLFImage.tif</a:t>
+            </a:r>
+            <a:endParaRPr lang="en-US" sz="1400" dirty="0"/>
+          </a:p>
+        </p:txBody>
+      </p:sp>
+      <p:sp>
+        <p:nvSpPr>
+          <p:cNvPr id="8" name="Rectangle 7">
+            <a:extLst>
+              <a:ext uri="{FF2B5EF4-FFF2-40B4-BE49-F238E27FC236}">
+                <a16:creationId xmlns:a16="http://schemas.microsoft.com/office/drawing/2014/main" id="{96A619A5-9983-4B14-BE00-399436F768F4}"/>
+              </a:ext>
+            </a:extLst>
+          </p:cNvPr>
+          <p:cNvSpPr/>
+          <p:nvPr/>
+        </p:nvSpPr>
+        <p:spPr>
+          <a:xfrm>
+            <a:off x="4682007" y="1106354"/>
+            <a:ext cx="1072841" cy="1236576"/>
+          </a:xfrm>
+          <a:prstGeom prst="rect">
+            <a:avLst/>
+          </a:prstGeom>
+        </p:spPr>
+        <p:style>
+          <a:lnRef idx="1">
+            <a:schemeClr val="accent3"/>
+          </a:lnRef>
+          <a:fillRef idx="2">
+            <a:schemeClr val="accent3"/>
+          </a:fillRef>
+          <a:effectRef idx="1">
+            <a:schemeClr val="accent3"/>
+          </a:effectRef>
+          <a:fontRef idx="minor">
+            <a:schemeClr val="dk1"/>
+          </a:fontRef>
+        </p:style>
+        <p:txBody>
+          <a:bodyPr rtlCol="0" anchor="t" anchorCtr="0"/>
+          <a:lstStyle/>
+          <a:p>
+            <a:pPr algn="ctr"/>
+            <a:r>
+              <a:rPr lang="en-US" sz="1400" dirty="0" err="1"/>
+              <a:t>Sample.lfm</a:t>
+            </a:r>
+            <a:endParaRPr lang="en-US" sz="1400" dirty="0"/>
+          </a:p>
+          <a:p>
+            <a:pPr algn="ctr"/>
+            <a:r>
+              <a:rPr lang="en-US" sz="1400" dirty="0"/>
+              <a:t>…</a:t>
+            </a:r>
+          </a:p>
+          <a:p>
+            <a:pPr algn="ctr"/>
+            <a:r>
+              <a:rPr lang="en-US" sz="1400" dirty="0"/>
+              <a:t>….</a:t>
+            </a:r>
+          </a:p>
+          <a:p>
+            <a:pPr algn="ctr"/>
+            <a:endParaRPr lang="en-US" sz="1400" dirty="0"/>
+          </a:p>
+        </p:txBody>
+      </p:sp>
+      <p:sp>
+        <p:nvSpPr>
+          <p:cNvPr id="10" name="Rectangle 9">
+            <a:extLst>
+              <a:ext uri="{FF2B5EF4-FFF2-40B4-BE49-F238E27FC236}">
+                <a16:creationId xmlns:a16="http://schemas.microsoft.com/office/drawing/2014/main" id="{AA56F151-3F2B-4C21-AB51-872661358C0D}"/>
+              </a:ext>
+            </a:extLst>
+          </p:cNvPr>
+          <p:cNvSpPr/>
+          <p:nvPr/>
+        </p:nvSpPr>
+        <p:spPr>
+          <a:xfrm>
+            <a:off x="8025923" y="3110060"/>
+            <a:ext cx="1893623" cy="808409"/>
+          </a:xfrm>
+          <a:prstGeom prst="rect">
+            <a:avLst/>
+          </a:prstGeom>
+          <a:solidFill>
+            <a:schemeClr val="accent1">
+              <a:lumMod val="40000"/>
+              <a:lumOff val="60000"/>
+            </a:schemeClr>
+          </a:solidFill>
+        </p:spPr>
+        <p:style>
+          <a:lnRef idx="1">
+            <a:schemeClr val="accent3"/>
+          </a:lnRef>
+          <a:fillRef idx="2">
+            <a:schemeClr val="accent3"/>
+          </a:fillRef>
+          <a:effectRef idx="1">
+            <a:schemeClr val="accent3"/>
+          </a:effectRef>
+          <a:fontRef idx="minor">
+            <a:schemeClr val="dk1"/>
+          </a:fontRef>
+        </p:style>
+        <p:txBody>
+          <a:bodyPr rtlCol="0" anchor="ctr"/>
+          <a:lstStyle/>
+          <a:p>
+            <a:pPr algn="ctr"/>
+            <a:r>
+              <a:rPr lang="en-US" sz="1400" dirty="0"/>
+              <a:t>Calibration file</a:t>
+            </a:r>
+          </a:p>
+          <a:p>
+            <a:pPr algn="ctr"/>
+            <a:endParaRPr lang="en-US" sz="1400" dirty="0"/>
+          </a:p>
+        </p:txBody>
+      </p:sp>
+      <p:sp>
+        <p:nvSpPr>
+          <p:cNvPr id="14" name="Oval 13">
+            <a:extLst>
+              <a:ext uri="{FF2B5EF4-FFF2-40B4-BE49-F238E27FC236}">
+                <a16:creationId xmlns:a16="http://schemas.microsoft.com/office/drawing/2014/main" id="{277F2109-7724-4130-8951-EAAEF5D8CF67}"/>
+              </a:ext>
+            </a:extLst>
+          </p:cNvPr>
+          <p:cNvSpPr/>
+          <p:nvPr/>
+        </p:nvSpPr>
+        <p:spPr>
+          <a:xfrm>
+            <a:off x="6330600" y="3110061"/>
+            <a:ext cx="1262704" cy="808409"/>
+          </a:xfrm>
+          <a:prstGeom prst="ellipse">
+            <a:avLst/>
+          </a:prstGeom>
+        </p:spPr>
+        <p:style>
+          <a:lnRef idx="2">
+            <a:schemeClr val="accent1">
+              <a:shade val="50000"/>
+            </a:schemeClr>
+          </a:lnRef>
+          <a:fillRef idx="1">
+            <a:schemeClr val="accent1"/>
+          </a:fillRef>
+          <a:effectRef idx="0">
+            <a:schemeClr val="accent1"/>
+          </a:effectRef>
+          <a:fontRef idx="minor">
+            <a:schemeClr val="lt1"/>
+          </a:fontRef>
+        </p:style>
+        <p:txBody>
+          <a:bodyPr rtlCol="0" anchor="ctr"/>
+          <a:lstStyle/>
+          <a:p>
+            <a:pPr algn="ctr"/>
+            <a:r>
+              <a:rPr lang="en-US" sz="1400" dirty="0"/>
+              <a:t>calibrate</a:t>
+            </a:r>
+          </a:p>
+        </p:txBody>
+      </p:sp>
+      <p:sp>
+        <p:nvSpPr>
+          <p:cNvPr id="15" name="Oval 14">
+            <a:extLst>
+              <a:ext uri="{FF2B5EF4-FFF2-40B4-BE49-F238E27FC236}">
+                <a16:creationId xmlns:a16="http://schemas.microsoft.com/office/drawing/2014/main" id="{EF57CA84-23F9-45AD-B213-14827E0ABCE2}"/>
+              </a:ext>
+            </a:extLst>
+          </p:cNvPr>
+          <p:cNvSpPr/>
+          <p:nvPr/>
+        </p:nvSpPr>
+        <p:spPr>
+          <a:xfrm>
+            <a:off x="8253646" y="1274442"/>
+            <a:ext cx="1262704" cy="808409"/>
+          </a:xfrm>
+          <a:prstGeom prst="ellipse">
+            <a:avLst/>
+          </a:prstGeom>
+        </p:spPr>
+        <p:style>
+          <a:lnRef idx="2">
+            <a:schemeClr val="accent1">
+              <a:shade val="50000"/>
+            </a:schemeClr>
+          </a:lnRef>
+          <a:fillRef idx="1">
+            <a:schemeClr val="accent1"/>
+          </a:fillRef>
+          <a:effectRef idx="0">
+            <a:schemeClr val="accent1"/>
+          </a:effectRef>
+          <a:fontRef idx="minor">
+            <a:schemeClr val="lt1"/>
+          </a:fontRef>
+        </p:style>
+        <p:txBody>
+          <a:bodyPr rtlCol="0" anchor="ctr"/>
+          <a:lstStyle/>
+          <a:p>
+            <a:pPr algn="ctr"/>
+            <a:r>
+              <a:rPr lang="en-US" sz="1100" dirty="0"/>
+              <a:t>deconvolve</a:t>
+            </a:r>
+          </a:p>
+        </p:txBody>
+      </p:sp>
+      <p:cxnSp>
+        <p:nvCxnSpPr>
+          <p:cNvPr id="17" name="Straight Arrow Connector 16">
+            <a:extLst>
+              <a:ext uri="{FF2B5EF4-FFF2-40B4-BE49-F238E27FC236}">
+                <a16:creationId xmlns:a16="http://schemas.microsoft.com/office/drawing/2014/main" id="{9A4C4FEB-96DF-4981-AE6F-37497504BDC6}"/>
+              </a:ext>
+            </a:extLst>
+          </p:cNvPr>
+          <p:cNvCxnSpPr>
+            <a:cxnSpLocks/>
+          </p:cNvCxnSpPr>
+          <p:nvPr/>
+        </p:nvCxnSpPr>
+        <p:spPr>
+          <a:xfrm>
+            <a:off x="5833066" y="1724642"/>
+            <a:ext cx="930260" cy="1442669"/>
+          </a:xfrm>
+          <a:prstGeom prst="straightConnector1">
+            <a:avLst/>
+          </a:prstGeom>
+          <a:ln>
+            <a:tailEnd type="triangle"/>
+          </a:ln>
+        </p:spPr>
+        <p:style>
+          <a:lnRef idx="1">
+            <a:schemeClr val="accent1"/>
+          </a:lnRef>
+          <a:fillRef idx="0">
+            <a:schemeClr val="accent1"/>
+          </a:fillRef>
+          <a:effectRef idx="0">
+            <a:schemeClr val="accent1"/>
+          </a:effectRef>
+          <a:fontRef idx="minor">
+            <a:schemeClr val="tx1"/>
+          </a:fontRef>
+        </p:style>
+      </p:cxnSp>
+      <p:cxnSp>
+        <p:nvCxnSpPr>
+          <p:cNvPr id="19" name="Straight Arrow Connector 18">
+            <a:extLst>
+              <a:ext uri="{FF2B5EF4-FFF2-40B4-BE49-F238E27FC236}">
+                <a16:creationId xmlns:a16="http://schemas.microsoft.com/office/drawing/2014/main" id="{90ACCE29-84B2-4E17-B8D2-430DF35AB91E}"/>
+              </a:ext>
+            </a:extLst>
+          </p:cNvPr>
+          <p:cNvCxnSpPr>
+            <a:stCxn id="4" idx="3"/>
+          </p:cNvCxnSpPr>
+          <p:nvPr/>
+        </p:nvCxnSpPr>
+        <p:spPr>
+          <a:xfrm>
+            <a:off x="5969270" y="3052547"/>
+            <a:ext cx="454796" cy="229528"/>
+          </a:xfrm>
+          <a:prstGeom prst="straightConnector1">
+            <a:avLst/>
+          </a:prstGeom>
+          <a:ln>
+            <a:tailEnd type="triangle"/>
+          </a:ln>
+        </p:spPr>
+        <p:style>
+          <a:lnRef idx="1">
+            <a:schemeClr val="accent1"/>
+          </a:lnRef>
+          <a:fillRef idx="0">
+            <a:schemeClr val="accent1"/>
+          </a:fillRef>
+          <a:effectRef idx="0">
+            <a:schemeClr val="accent1"/>
+          </a:effectRef>
+          <a:fontRef idx="minor">
+            <a:schemeClr val="tx1"/>
+          </a:fontRef>
+        </p:style>
+      </p:cxnSp>
+      <p:cxnSp>
+        <p:nvCxnSpPr>
+          <p:cNvPr id="21" name="Straight Arrow Connector 20">
+            <a:extLst>
+              <a:ext uri="{FF2B5EF4-FFF2-40B4-BE49-F238E27FC236}">
+                <a16:creationId xmlns:a16="http://schemas.microsoft.com/office/drawing/2014/main" id="{E4B5F8F8-03ED-434F-80CE-74B2D0608897}"/>
+              </a:ext>
+            </a:extLst>
+          </p:cNvPr>
+          <p:cNvCxnSpPr>
+            <a:cxnSpLocks/>
+            <a:stCxn id="5" idx="3"/>
+          </p:cNvCxnSpPr>
+          <p:nvPr/>
+        </p:nvCxnSpPr>
+        <p:spPr>
+          <a:xfrm flipV="1">
+            <a:off x="5969270" y="3686279"/>
+            <a:ext cx="553244" cy="614826"/>
+          </a:xfrm>
+          <a:prstGeom prst="straightConnector1">
+            <a:avLst/>
+          </a:prstGeom>
+          <a:ln>
+            <a:tailEnd type="triangle"/>
+          </a:ln>
+        </p:spPr>
+        <p:style>
+          <a:lnRef idx="1">
+            <a:schemeClr val="accent1"/>
+          </a:lnRef>
+          <a:fillRef idx="0">
+            <a:schemeClr val="accent1"/>
+          </a:fillRef>
+          <a:effectRef idx="0">
+            <a:schemeClr val="accent1"/>
+          </a:effectRef>
+          <a:fontRef idx="minor">
+            <a:schemeClr val="tx1"/>
+          </a:fontRef>
+        </p:style>
+      </p:cxnSp>
+      <p:cxnSp>
+        <p:nvCxnSpPr>
+          <p:cNvPr id="25" name="Straight Arrow Connector 24">
+            <a:extLst>
+              <a:ext uri="{FF2B5EF4-FFF2-40B4-BE49-F238E27FC236}">
+                <a16:creationId xmlns:a16="http://schemas.microsoft.com/office/drawing/2014/main" id="{162697C5-F1C3-4831-A9A3-BA1B7996E62F}"/>
+              </a:ext>
+            </a:extLst>
+          </p:cNvPr>
+          <p:cNvCxnSpPr>
+            <a:stCxn id="14" idx="6"/>
+            <a:endCxn id="10" idx="1"/>
+          </p:cNvCxnSpPr>
+          <p:nvPr/>
+        </p:nvCxnSpPr>
+        <p:spPr>
+          <a:xfrm flipV="1">
+            <a:off x="7593304" y="3514265"/>
+            <a:ext cx="432618" cy="1"/>
+          </a:xfrm>
+          <a:prstGeom prst="straightConnector1">
+            <a:avLst/>
+          </a:prstGeom>
+          <a:ln>
+            <a:tailEnd type="triangle"/>
+          </a:ln>
+        </p:spPr>
+        <p:style>
+          <a:lnRef idx="1">
+            <a:schemeClr val="accent1"/>
+          </a:lnRef>
+          <a:fillRef idx="0">
+            <a:schemeClr val="accent1"/>
+          </a:fillRef>
+          <a:effectRef idx="0">
+            <a:schemeClr val="accent1"/>
+          </a:effectRef>
+          <a:fontRef idx="minor">
+            <a:schemeClr val="tx1"/>
+          </a:fontRef>
+        </p:style>
+      </p:cxnSp>
+      <p:cxnSp>
+        <p:nvCxnSpPr>
+          <p:cNvPr id="28" name="Straight Arrow Connector 27">
+            <a:extLst>
+              <a:ext uri="{FF2B5EF4-FFF2-40B4-BE49-F238E27FC236}">
+                <a16:creationId xmlns:a16="http://schemas.microsoft.com/office/drawing/2014/main" id="{E75B983E-5EB1-4B6F-AB8C-658D1360C895}"/>
+              </a:ext>
+            </a:extLst>
+          </p:cNvPr>
+          <p:cNvCxnSpPr/>
+          <p:nvPr/>
+        </p:nvCxnSpPr>
+        <p:spPr>
+          <a:xfrm flipV="1">
+            <a:off x="8972734" y="2082852"/>
+            <a:ext cx="0" cy="1027208"/>
+          </a:xfrm>
+          <a:prstGeom prst="straightConnector1">
+            <a:avLst/>
+          </a:prstGeom>
+          <a:ln>
+            <a:tailEnd type="triangle"/>
+          </a:ln>
+        </p:spPr>
+        <p:style>
+          <a:lnRef idx="1">
+            <a:schemeClr val="accent1"/>
+          </a:lnRef>
+          <a:fillRef idx="0">
+            <a:schemeClr val="accent1"/>
+          </a:fillRef>
+          <a:effectRef idx="0">
+            <a:schemeClr val="accent1"/>
+          </a:effectRef>
+          <a:fontRef idx="minor">
+            <a:schemeClr val="tx1"/>
+          </a:fontRef>
+        </p:style>
+      </p:cxnSp>
+      <p:cxnSp>
+        <p:nvCxnSpPr>
+          <p:cNvPr id="30" name="Straight Arrow Connector 29">
+            <a:extLst>
+              <a:ext uri="{FF2B5EF4-FFF2-40B4-BE49-F238E27FC236}">
+                <a16:creationId xmlns:a16="http://schemas.microsoft.com/office/drawing/2014/main" id="{84359B04-6A9E-4603-A6EF-CBCE38E1FD09}"/>
+              </a:ext>
+            </a:extLst>
+          </p:cNvPr>
+          <p:cNvCxnSpPr>
+            <a:stCxn id="7" idx="3"/>
+            <a:endCxn id="15" idx="2"/>
+          </p:cNvCxnSpPr>
+          <p:nvPr/>
+        </p:nvCxnSpPr>
+        <p:spPr>
+          <a:xfrm flipV="1">
+            <a:off x="7914385" y="1678647"/>
+            <a:ext cx="339261" cy="19103"/>
+          </a:xfrm>
+          <a:prstGeom prst="straightConnector1">
+            <a:avLst/>
+          </a:prstGeom>
+          <a:ln>
+            <a:tailEnd type="triangle"/>
+          </a:ln>
+        </p:spPr>
+        <p:style>
+          <a:lnRef idx="1">
+            <a:schemeClr val="accent1"/>
+          </a:lnRef>
+          <a:fillRef idx="0">
+            <a:schemeClr val="accent1"/>
+          </a:fillRef>
+          <a:effectRef idx="0">
+            <a:schemeClr val="accent1"/>
+          </a:effectRef>
+          <a:fontRef idx="minor">
+            <a:schemeClr val="tx1"/>
+          </a:fontRef>
+        </p:style>
+      </p:cxnSp>
+      <p:cxnSp>
+        <p:nvCxnSpPr>
+          <p:cNvPr id="32" name="Straight Arrow Connector 31">
+            <a:extLst>
+              <a:ext uri="{FF2B5EF4-FFF2-40B4-BE49-F238E27FC236}">
+                <a16:creationId xmlns:a16="http://schemas.microsoft.com/office/drawing/2014/main" id="{12F2BEEB-A98F-40C1-8F90-C1451331725E}"/>
+              </a:ext>
+            </a:extLst>
+          </p:cNvPr>
+          <p:cNvCxnSpPr>
+            <a:cxnSpLocks/>
+            <a:stCxn id="15" idx="6"/>
+            <a:endCxn id="6" idx="1"/>
+          </p:cNvCxnSpPr>
+          <p:nvPr/>
+        </p:nvCxnSpPr>
+        <p:spPr>
+          <a:xfrm>
+            <a:off x="9516351" y="1678647"/>
+            <a:ext cx="514734" cy="9551"/>
+          </a:xfrm>
+          <a:prstGeom prst="straightConnector1">
+            <a:avLst/>
+          </a:prstGeom>
+          <a:ln>
+            <a:tailEnd type="triangle"/>
+          </a:ln>
+        </p:spPr>
+        <p:style>
+          <a:lnRef idx="1">
+            <a:schemeClr val="accent1"/>
+          </a:lnRef>
+          <a:fillRef idx="0">
+            <a:schemeClr val="accent1"/>
+          </a:fillRef>
+          <a:effectRef idx="0">
+            <a:schemeClr val="accent1"/>
+          </a:effectRef>
+          <a:fontRef idx="minor">
+            <a:schemeClr val="tx1"/>
+          </a:fontRef>
+        </p:style>
+      </p:cxnSp>
+      <p:sp>
+        <p:nvSpPr>
+          <p:cNvPr id="9" name="Callout: Line with Border and Accent Bar 8">
+            <a:extLst>
+              <a:ext uri="{FF2B5EF4-FFF2-40B4-BE49-F238E27FC236}">
+                <a16:creationId xmlns:a16="http://schemas.microsoft.com/office/drawing/2014/main" id="{903EC850-48D9-4AE0-937B-010AA0F3270E}"/>
+              </a:ext>
+            </a:extLst>
+          </p:cNvPr>
+          <p:cNvSpPr/>
+          <p:nvPr/>
+        </p:nvSpPr>
+        <p:spPr>
+          <a:xfrm>
+            <a:off x="1512185" y="1903316"/>
+            <a:ext cx="1801141" cy="739035"/>
+          </a:xfrm>
+          <a:prstGeom prst="accentBorderCallout1">
+            <a:avLst>
+              <a:gd name="adj1" fmla="val 15360"/>
+              <a:gd name="adj2" fmla="val 105497"/>
+              <a:gd name="adj3" fmla="val 22670"/>
+              <a:gd name="adj4" fmla="val 182059"/>
+            </a:avLst>
+          </a:prstGeom>
+          <a:solidFill>
+            <a:schemeClr val="bg1"/>
+          </a:solidFill>
+        </p:spPr>
+        <p:style>
+          <a:lnRef idx="2">
+            <a:schemeClr val="accent1">
+              <a:shade val="50000"/>
+            </a:schemeClr>
+          </a:lnRef>
+          <a:fillRef idx="1">
+            <a:schemeClr val="accent1"/>
+          </a:fillRef>
+          <a:effectRef idx="0">
+            <a:schemeClr val="accent1"/>
+          </a:effectRef>
+          <a:fontRef idx="minor">
+            <a:schemeClr val="lt1"/>
+          </a:fontRef>
+        </p:style>
+        <p:txBody>
+          <a:bodyPr rtlCol="0" anchor="ctr"/>
+          <a:lstStyle/>
+          <a:p>
+            <a:pPr algn="ctr"/>
+            <a:r>
+              <a:rPr lang="en-US" dirty="0">
+                <a:solidFill>
+                  <a:schemeClr val="tx1"/>
+                </a:solidFill>
+              </a:rPr>
+              <a:t>LF metadata, text</a:t>
+            </a:r>
+          </a:p>
+          <a:p>
+            <a:pPr algn="ctr"/>
+            <a:r>
+              <a:rPr lang="en-US" dirty="0">
+                <a:solidFill>
+                  <a:schemeClr val="tx1"/>
+                </a:solidFill>
+              </a:rPr>
+              <a:t>JSON</a:t>
+            </a:r>
+          </a:p>
+        </p:txBody>
+      </p:sp>
+    </p:spTree>
+    <p:extLst>
+      <p:ext uri="{BB962C8B-B14F-4D97-AF65-F5344CB8AC3E}">
+        <p14:creationId xmlns:p14="http://schemas.microsoft.com/office/powerpoint/2010/main" val="2470182497"/>
+      </p:ext>
+    </p:extLst>
+  </p:cSld>
+  <p:clrMapOvr>
+    <a:masterClrMapping/>
+  </p:clrMapOvr>
+</p:sld>
+</file>
+
+<file path=ppt/slides/slide6.xml><?xml version="1.0" encoding="utf-8"?>
+<p:sld xmlns:a="http://schemas.openxmlformats.org/drawingml/2006/main" xmlns:r="http://schemas.openxmlformats.org/officeDocument/2006/relationships" xmlns:p="http://schemas.openxmlformats.org/presentationml/2006/main">
+  <p:cSld>
+    <p:spTree>
+      <p:nvGrpSpPr>
+        <p:cNvPr id="1" name=""/>
+        <p:cNvGrpSpPr/>
+        <p:nvPr/>
+      </p:nvGrpSpPr>
+      <p:grpSpPr>
+        <a:xfrm>
+          <a:off x="0" y="0"/>
+          <a:ext cx="0" cy="0"/>
+          <a:chOff x="0" y="0"/>
+          <a:chExt cx="0" cy="0"/>
+        </a:xfrm>
+      </p:grpSpPr>
+      <p:sp>
+        <p:nvSpPr>
+          <p:cNvPr id="2" name="Title 1">
+            <a:extLst>
+              <a:ext uri="{FF2B5EF4-FFF2-40B4-BE49-F238E27FC236}">
+                <a16:creationId xmlns:a16="http://schemas.microsoft.com/office/drawing/2014/main" id="{67D6FC6F-5AC2-4A63-A3B6-85E53033C53D}"/>
+              </a:ext>
+            </a:extLst>
+          </p:cNvPr>
+          <p:cNvSpPr>
+            <a:spLocks noGrp="1"/>
+          </p:cNvSpPr>
+          <p:nvPr>
+            <p:ph type="title"/>
+          </p:nvPr>
+        </p:nvSpPr>
+        <p:spPr/>
+        <p:txBody>
+          <a:bodyPr/>
+          <a:lstStyle/>
+          <a:p>
+            <a:r>
+              <a:rPr lang="en-US" dirty="0"/>
+              <a:t>Files</a:t>
+            </a:r>
+          </a:p>
+        </p:txBody>
+      </p:sp>
+      <p:sp>
+        <p:nvSpPr>
+          <p:cNvPr id="3" name="Content Placeholder 2">
+            <a:extLst>
+              <a:ext uri="{FF2B5EF4-FFF2-40B4-BE49-F238E27FC236}">
+                <a16:creationId xmlns:a16="http://schemas.microsoft.com/office/drawing/2014/main" id="{FB94CB4E-EE2A-4FF4-9B65-738FC5552F85}"/>
+              </a:ext>
+            </a:extLst>
+          </p:cNvPr>
+          <p:cNvSpPr>
+            <a:spLocks noGrp="1"/>
+          </p:cNvSpPr>
+          <p:nvPr>
+            <p:ph idx="1"/>
+          </p:nvPr>
+        </p:nvSpPr>
+        <p:spPr>
+          <a:xfrm>
+            <a:off x="838200" y="1253331"/>
+            <a:ext cx="5421284" cy="4351338"/>
+          </a:xfrm>
+        </p:spPr>
+        <p:txBody>
+          <a:bodyPr/>
+          <a:lstStyle/>
+          <a:p>
+            <a:r>
+              <a:rPr lang="en-US" dirty="0"/>
+              <a:t>May be files in a folder or datasets contained in HDF5 file.</a:t>
+            </a:r>
+          </a:p>
+          <a:p>
+            <a:r>
+              <a:rPr lang="en-US" dirty="0"/>
+              <a:t>Naming </a:t>
+            </a:r>
+          </a:p>
+          <a:p>
+            <a:pPr lvl="1"/>
+            <a:r>
+              <a:rPr lang="en-US" dirty="0"/>
+              <a:t>Unique &lt;sample&gt; name</a:t>
+            </a:r>
+          </a:p>
+          <a:p>
+            <a:pPr lvl="1"/>
+            <a:r>
+              <a:rPr lang="en-US" dirty="0"/>
+              <a:t>LF metadata file .</a:t>
+            </a:r>
+            <a:r>
+              <a:rPr lang="en-US" dirty="0" err="1"/>
+              <a:t>lfm</a:t>
+            </a:r>
+            <a:r>
+              <a:rPr lang="en-US" dirty="0"/>
+              <a:t>  (text, JSON)</a:t>
+            </a:r>
+          </a:p>
+          <a:p>
+            <a:r>
+              <a:rPr lang="en-US" dirty="0"/>
+              <a:t>Tool to generate </a:t>
+            </a:r>
+            <a:r>
+              <a:rPr lang="en-US" dirty="0" err="1"/>
+              <a:t>LFmeta</a:t>
+            </a:r>
+            <a:endParaRPr lang="en-US" dirty="0"/>
+          </a:p>
+          <a:p>
+            <a:pPr lvl="1"/>
+            <a:r>
+              <a:rPr lang="en-US" dirty="0"/>
+              <a:t>App to fill in values</a:t>
+            </a:r>
+          </a:p>
+          <a:p>
+            <a:pPr lvl="1"/>
+            <a:r>
+              <a:rPr lang="en-US" dirty="0"/>
+              <a:t>acquisition system might create</a:t>
+            </a:r>
+          </a:p>
+          <a:p>
+            <a:pPr lvl="1"/>
+            <a:endParaRPr lang="en-US" dirty="0"/>
+          </a:p>
+        </p:txBody>
+      </p:sp>
+    </p:spTree>
+    <p:extLst>
+      <p:ext uri="{BB962C8B-B14F-4D97-AF65-F5344CB8AC3E}">
+        <p14:creationId xmlns:p14="http://schemas.microsoft.com/office/powerpoint/2010/main" val="4213282226"/>
+      </p:ext>
+    </p:extLst>
+  </p:cSld>
+  <p:clrMapOvr>
+    <a:masterClrMapping/>
+  </p:clrMapOvr>
+</p:sld>
+</file>
+
+<file path=ppt/slides/slide7.xml><?xml version="1.0" encoding="utf-8"?>
+<p:sld xmlns:a="http://schemas.openxmlformats.org/drawingml/2006/main" xmlns:r="http://schemas.openxmlformats.org/officeDocument/2006/relationships" xmlns:p="http://schemas.openxmlformats.org/presentationml/2006/main">
+  <p:cSld>
+    <p:spTree>
+      <p:nvGrpSpPr>
+        <p:cNvPr id="1" name=""/>
+        <p:cNvGrpSpPr/>
+        <p:nvPr/>
+      </p:nvGrpSpPr>
+      <p:grpSpPr>
+        <a:xfrm>
+          <a:off x="0" y="0"/>
+          <a:ext cx="0" cy="0"/>
+          <a:chOff x="0" y="0"/>
+          <a:chExt cx="0" cy="0"/>
+        </a:xfrm>
+      </p:grpSpPr>
+      <p:sp>
+        <p:nvSpPr>
+          <p:cNvPr id="2" name="Title 1">
+            <a:extLst>
+              <a:ext uri="{FF2B5EF4-FFF2-40B4-BE49-F238E27FC236}">
+                <a16:creationId xmlns:a16="http://schemas.microsoft.com/office/drawing/2014/main" id="{C0150A12-CE1F-4E08-A388-8062653CE10C}"/>
+              </a:ext>
+            </a:extLst>
+          </p:cNvPr>
+          <p:cNvSpPr>
+            <a:spLocks noGrp="1"/>
+          </p:cNvSpPr>
+          <p:nvPr>
+            <p:ph type="title"/>
+          </p:nvPr>
+        </p:nvSpPr>
+        <p:spPr/>
+        <p:txBody>
+          <a:bodyPr/>
+          <a:lstStyle/>
+          <a:p>
+            <a:r>
+              <a:rPr lang="en-US" dirty="0"/>
+              <a:t>GUI</a:t>
+            </a:r>
+          </a:p>
+        </p:txBody>
+      </p:sp>
+      <p:sp>
+        <p:nvSpPr>
+          <p:cNvPr id="3" name="Content Placeholder 2">
+            <a:extLst>
+              <a:ext uri="{FF2B5EF4-FFF2-40B4-BE49-F238E27FC236}">
+                <a16:creationId xmlns:a16="http://schemas.microsoft.com/office/drawing/2014/main" id="{64DEBA9F-14FB-4B75-B94E-1AA4B075D57A}"/>
+              </a:ext>
+            </a:extLst>
+          </p:cNvPr>
+          <p:cNvSpPr>
+            <a:spLocks noGrp="1"/>
+          </p:cNvSpPr>
+          <p:nvPr>
+            <p:ph idx="1"/>
+          </p:nvPr>
+        </p:nvSpPr>
+        <p:spPr>
+          <a:xfrm>
+            <a:off x="838200" y="1825625"/>
+            <a:ext cx="8901418" cy="4351338"/>
+          </a:xfrm>
+        </p:spPr>
+        <p:txBody>
+          <a:bodyPr/>
+          <a:lstStyle/>
+          <a:p>
+            <a:r>
+              <a:rPr lang="en-US" dirty="0"/>
+              <a:t>Leveraging </a:t>
+            </a:r>
+            <a:r>
+              <a:rPr lang="en-US" dirty="0" err="1"/>
+              <a:t>napari</a:t>
+            </a:r>
+            <a:r>
+              <a:rPr lang="en-US" dirty="0"/>
+              <a:t> infrastructure…</a:t>
+            </a:r>
+          </a:p>
+          <a:p>
+            <a:r>
+              <a:rPr lang="en-US" dirty="0"/>
+              <a:t>GUI</a:t>
+            </a:r>
+          </a:p>
+          <a:p>
+            <a:pPr lvl="1"/>
+            <a:r>
+              <a:rPr lang="en-US" dirty="0" err="1"/>
+              <a:t>MagicGUI</a:t>
+            </a:r>
+            <a:endParaRPr lang="en-US" dirty="0"/>
+          </a:p>
+          <a:p>
+            <a:pPr lvl="1"/>
+            <a:r>
+              <a:rPr lang="en-US" dirty="0" err="1"/>
+              <a:t>QtPy</a:t>
+            </a:r>
+            <a:r>
+              <a:rPr lang="en-US" dirty="0"/>
+              <a:t> (abstraction layer over </a:t>
+            </a:r>
+            <a:r>
+              <a:rPr lang="en-US" dirty="0" err="1"/>
+              <a:t>PyQT</a:t>
+            </a:r>
+            <a:r>
+              <a:rPr lang="en-US" dirty="0"/>
+              <a:t>, </a:t>
+            </a:r>
+            <a:r>
+              <a:rPr lang="en-US" dirty="0" err="1"/>
+              <a:t>PySide</a:t>
+            </a:r>
+            <a:r>
+              <a:rPr lang="en-US" dirty="0"/>
+              <a:t>)</a:t>
+            </a:r>
+          </a:p>
+          <a:p>
+            <a:pPr lvl="1"/>
+            <a:r>
+              <a:rPr lang="en-US" dirty="0"/>
+              <a:t>Leverage </a:t>
+            </a:r>
+            <a:r>
+              <a:rPr lang="en-US" dirty="0" err="1"/>
+              <a:t>VizPy</a:t>
+            </a:r>
+            <a:r>
+              <a:rPr lang="en-US" dirty="0"/>
+              <a:t>, Scikit-image, …</a:t>
+            </a:r>
+          </a:p>
+          <a:p>
+            <a:pPr lvl="1"/>
+            <a:endParaRPr lang="en-US" dirty="0"/>
+          </a:p>
+          <a:p>
+            <a:pPr lvl="1"/>
+            <a:endParaRPr lang="en-US" dirty="0" err="1"/>
+          </a:p>
+          <a:p>
+            <a:r>
+              <a:rPr lang="en-US" dirty="0"/>
+              <a:t>(Later…) Acquisition, camera control, drivers </a:t>
+            </a:r>
+            <a:r>
+              <a:rPr lang="en-US" dirty="0">
+                <a:sym typeface="Wingdings" panose="05000000000000000000" pitchFamily="2" charset="2"/>
+              </a:rPr>
+              <a:t> Micromanager?</a:t>
+            </a:r>
+          </a:p>
+        </p:txBody>
+      </p:sp>
+    </p:spTree>
+    <p:extLst>
+      <p:ext uri="{BB962C8B-B14F-4D97-AF65-F5344CB8AC3E}">
+        <p14:creationId xmlns:p14="http://schemas.microsoft.com/office/powerpoint/2010/main" val="1165453893"/>
       </p:ext>
     </p:extLst>
   </p:cSld>
@@ -4689,7 +5901,7 @@
           <p:cNvPr id="2" name="Title 1">
             <a:extLst>
               <a:ext uri="{FF2B5EF4-FFF2-40B4-BE49-F238E27FC236}">
-                <a16:creationId xmlns:a16="http://schemas.microsoft.com/office/drawing/2014/main" id="{DF463A22-2669-45C1-A7EC-360C71C80BDD}"/>
+                <a16:creationId xmlns:a16="http://schemas.microsoft.com/office/drawing/2014/main" id="{3EEEF26A-7F31-406B-80E3-576013EA666E}"/>
               </a:ext>
             </a:extLst>
           </p:cNvPr>
@@ -4707,45 +5919,48 @@
           <a:p>
             <a:r>
               <a:rPr lang="en-US" dirty="0"/>
-              <a:t>Optics [Config]</a:t>
-            </a:r>
-          </a:p>
-        </p:txBody>
-      </p:sp>
-      <p:pic>
-        <p:nvPicPr>
-          <p:cNvPr id="5" name="Picture 4">
-            <a:extLst>
-              <a:ext uri="{FF2B5EF4-FFF2-40B4-BE49-F238E27FC236}">
-                <a16:creationId xmlns:a16="http://schemas.microsoft.com/office/drawing/2014/main" id="{B63D3B94-9F94-4BDF-B464-51DFFA17C12D}"/>
-              </a:ext>
-            </a:extLst>
-          </p:cNvPr>
-          <p:cNvPicPr>
-            <a:picLocks noChangeAspect="1"/>
-          </p:cNvPicPr>
-          <p:nvPr/>
-        </p:nvPicPr>
-        <p:blipFill>
-          <a:blip r:embed="rId2"/>
-          <a:stretch>
-            <a:fillRect/>
-          </a:stretch>
-        </p:blipFill>
-        <p:spPr>
-          <a:xfrm>
-            <a:off x="6385818" y="477969"/>
-            <a:ext cx="4671431" cy="6014906"/>
-          </a:xfrm>
-          <a:prstGeom prst="rect">
-            <a:avLst/>
-          </a:prstGeom>
-        </p:spPr>
-      </p:pic>
+              <a:t>Input from </a:t>
+            </a:r>
+            <a:r>
+              <a:rPr lang="en-US" dirty="0" err="1"/>
+              <a:t>LFAnalyse</a:t>
+            </a:r>
+            <a:r>
+              <a:rPr lang="en-US" dirty="0"/>
+              <a:t>….</a:t>
+            </a:r>
+          </a:p>
+        </p:txBody>
+      </p:sp>
+      <p:sp>
+        <p:nvSpPr>
+          <p:cNvPr id="3" name="Content Placeholder 2">
+            <a:extLst>
+              <a:ext uri="{FF2B5EF4-FFF2-40B4-BE49-F238E27FC236}">
+                <a16:creationId xmlns:a16="http://schemas.microsoft.com/office/drawing/2014/main" id="{F754C8D2-EF22-410B-A74E-24F34FD1902E}"/>
+              </a:ext>
+            </a:extLst>
+          </p:cNvPr>
+          <p:cNvSpPr>
+            <a:spLocks noGrp="1"/>
+          </p:cNvSpPr>
+          <p:nvPr>
+            <p:ph idx="1"/>
+          </p:nvPr>
+        </p:nvSpPr>
+        <p:spPr/>
+        <p:txBody>
+          <a:bodyPr/>
+          <a:lstStyle/>
+          <a:p>
+            <a:endParaRPr lang="en-US"/>
+          </a:p>
+        </p:txBody>
+      </p:sp>
     </p:spTree>
     <p:extLst>
       <p:ext uri="{BB962C8B-B14F-4D97-AF65-F5344CB8AC3E}">
-        <p14:creationId xmlns:p14="http://schemas.microsoft.com/office/powerpoint/2010/main" val="790071620"/>
+        <p14:creationId xmlns:p14="http://schemas.microsoft.com/office/powerpoint/2010/main" val="4226015765"/>
       </p:ext>
     </p:extLst>
   </p:cSld>
@@ -4777,7 +5992,7 @@
           <p:cNvPr id="2" name="Title 1">
             <a:extLst>
               <a:ext uri="{FF2B5EF4-FFF2-40B4-BE49-F238E27FC236}">
-                <a16:creationId xmlns:a16="http://schemas.microsoft.com/office/drawing/2014/main" id="{70D7F1F7-93C0-4EBE-BF85-EB4CB3867BE6}"/>
+                <a16:creationId xmlns:a16="http://schemas.microsoft.com/office/drawing/2014/main" id="{5570CC86-D1FF-40E5-BFD0-29509BEA3134}"/>
               </a:ext>
             </a:extLst>
           </p:cNvPr>
@@ -4794,47 +6009,63 @@
           <a:lstStyle/>
           <a:p>
             <a:r>
-              <a:rPr lang="en-US" dirty="0" err="1"/>
-              <a:t>Lenslet</a:t>
-            </a:r>
-            <a:endParaRPr lang="en-US" dirty="0"/>
+              <a:rPr lang="en-US" dirty="0"/>
+              <a:t>UI</a:t>
+            </a:r>
           </a:p>
         </p:txBody>
       </p:sp>
       <p:pic>
         <p:nvPicPr>
-          <p:cNvPr id="5" name="Picture 4">
-            <a:extLst>
-              <a:ext uri="{FF2B5EF4-FFF2-40B4-BE49-F238E27FC236}">
-                <a16:creationId xmlns:a16="http://schemas.microsoft.com/office/drawing/2014/main" id="{0D10DBF1-0C1E-42BB-A2FD-C44C5AC69531}"/>
+          <p:cNvPr id="1028" name="Picture 4" descr="image: viewer layout">
+            <a:extLst>
+              <a:ext uri="{FF2B5EF4-FFF2-40B4-BE49-F238E27FC236}">
+                <a16:creationId xmlns:a16="http://schemas.microsoft.com/office/drawing/2014/main" id="{EDF6B704-75B3-4DC8-9845-9EF9AF1746D7}"/>
               </a:ext>
             </a:extLst>
           </p:cNvPr>
           <p:cNvPicPr>
-            <a:picLocks noChangeAspect="1"/>
+            <a:picLocks noChangeAspect="1" noChangeArrowheads="1"/>
           </p:cNvPicPr>
           <p:nvPr/>
         </p:nvPicPr>
         <p:blipFill>
-          <a:blip r:embed="rId2"/>
+          <a:blip r:embed="rId2">
+            <a:extLst>
+              <a:ext uri="{28A0092B-C50C-407E-A947-70E740481C1C}">
+                <a14:useLocalDpi xmlns:a14="http://schemas.microsoft.com/office/drawing/2010/main" val="0"/>
+              </a:ext>
+            </a:extLst>
+          </a:blip>
+          <a:srcRect/>
           <a:stretch>
             <a:fillRect/>
           </a:stretch>
         </p:blipFill>
-        <p:spPr>
+        <p:spPr bwMode="auto">
           <a:xfrm>
-            <a:off x="8095222" y="2206849"/>
-            <a:ext cx="2240014" cy="2240014"/>
+            <a:off x="1579780" y="365126"/>
+            <a:ext cx="10194685" cy="6488460"/>
           </a:xfrm>
           <a:prstGeom prst="rect">
             <a:avLst/>
           </a:prstGeom>
+          <a:noFill/>
+          <a:extLst>
+            <a:ext uri="{909E8E84-426E-40DD-AFC4-6F175D3DCCD1}">
+              <a14:hiddenFill xmlns:a14="http://schemas.microsoft.com/office/drawing/2010/main">
+                <a:solidFill>
+                  <a:srgbClr val="FFFFFF"/>
+                </a:solidFill>
+              </a14:hiddenFill>
+            </a:ext>
+          </a:extLst>
         </p:spPr>
       </p:pic>
     </p:spTree>
     <p:extLst>
       <p:ext uri="{BB962C8B-B14F-4D97-AF65-F5344CB8AC3E}">
-        <p14:creationId xmlns:p14="http://schemas.microsoft.com/office/powerpoint/2010/main" val="341973324"/>
+        <p14:creationId xmlns:p14="http://schemas.microsoft.com/office/powerpoint/2010/main" val="3299308913"/>
       </p:ext>
     </p:extLst>
   </p:cSld>

--- a/LFI plugin/LFM Toolbox.pptx
+++ b/LFI plugin/LFM Toolbox.pptx
@@ -5040,8 +5040,8 @@
         </p:nvSpPr>
         <p:spPr>
           <a:xfrm>
-            <a:off x="8025923" y="3110060"/>
-            <a:ext cx="1893623" cy="808409"/>
+            <a:off x="8025924" y="3110061"/>
+            <a:ext cx="1490426" cy="789306"/>
           </a:xfrm>
           <a:prstGeom prst="rect">
             <a:avLst/>
@@ -5073,7 +5073,7 @@
           <a:p>
             <a:pPr algn="ctr"/>
             <a:r>
-              <a:rPr lang="en-US" sz="1400" dirty="0"/>
+              <a:rPr lang="en-US" sz="1400"/>
               <a:t>Calibration file</a:t>
             </a:r>
           </a:p>
@@ -5097,7 +5097,7 @@
         </p:nvSpPr>
         <p:spPr>
           <a:xfrm>
-            <a:off x="6330600" y="3110061"/>
+            <a:off x="6481135" y="3098685"/>
             <a:ext cx="1262704" cy="808409"/>
           </a:xfrm>
           <a:prstGeom prst="ellipse">
@@ -5175,7 +5175,7 @@
           <a:p>
             <a:pPr algn="ctr"/>
             <a:r>
-              <a:rPr lang="en-US" sz="1100" dirty="0"/>
+              <a:rPr lang="en-US" sz="1200" dirty="0"/>
               <a:t>deconvolve</a:t>
             </a:r>
           </a:p>
@@ -5315,15 +5315,16 @@
             </a:extLst>
           </p:cNvPr>
           <p:cNvCxnSpPr>
+            <a:cxnSpLocks/>
             <a:stCxn id="14" idx="6"/>
             <a:endCxn id="10" idx="1"/>
           </p:cNvCxnSpPr>
           <p:nvPr/>
         </p:nvCxnSpPr>
         <p:spPr>
-          <a:xfrm flipV="1">
-            <a:off x="7593304" y="3514265"/>
-            <a:ext cx="432618" cy="1"/>
+          <a:xfrm>
+            <a:off x="7743839" y="3502890"/>
+            <a:ext cx="282085" cy="1824"/>
           </a:xfrm>
           <a:prstGeom prst="straightConnector1">
             <a:avLst/>
@@ -5356,13 +5357,17 @@
               </a:ext>
             </a:extLst>
           </p:cNvPr>
-          <p:cNvCxnSpPr/>
+          <p:cNvCxnSpPr>
+            <a:cxnSpLocks/>
+            <a:stCxn id="10" idx="0"/>
+            <a:endCxn id="22" idx="4"/>
+          </p:cNvCxnSpPr>
           <p:nvPr/>
         </p:nvCxnSpPr>
         <p:spPr>
           <a:xfrm flipV="1">
-            <a:off x="8972734" y="2082852"/>
-            <a:ext cx="0" cy="1027208"/>
+            <a:off x="8771137" y="2846196"/>
+            <a:ext cx="126522" cy="263865"/>
           </a:xfrm>
           <a:prstGeom prst="straightConnector1">
             <a:avLst/>
@@ -5543,6 +5548,207 @@
           </a:p>
         </p:txBody>
       </p:sp>
+      <p:sp>
+        <p:nvSpPr>
+          <p:cNvPr id="20" name="Rectangle 19">
+            <a:extLst>
+              <a:ext uri="{FF2B5EF4-FFF2-40B4-BE49-F238E27FC236}">
+                <a16:creationId xmlns:a16="http://schemas.microsoft.com/office/drawing/2014/main" id="{92CB2296-F107-44B8-AE8D-5276982148A9}"/>
+              </a:ext>
+            </a:extLst>
+          </p:cNvPr>
+          <p:cNvSpPr/>
+          <p:nvPr/>
+        </p:nvSpPr>
+        <p:spPr>
+          <a:xfrm>
+            <a:off x="9980278" y="2518476"/>
+            <a:ext cx="1358770" cy="699008"/>
+          </a:xfrm>
+          <a:prstGeom prst="rect">
+            <a:avLst/>
+          </a:prstGeom>
+          <a:solidFill>
+            <a:schemeClr val="accent1">
+              <a:lumMod val="40000"/>
+              <a:lumOff val="60000"/>
+            </a:schemeClr>
+          </a:solidFill>
+        </p:spPr>
+        <p:style>
+          <a:lnRef idx="1">
+            <a:schemeClr val="accent3"/>
+          </a:lnRef>
+          <a:fillRef idx="2">
+            <a:schemeClr val="accent3"/>
+          </a:fillRef>
+          <a:effectRef idx="1">
+            <a:schemeClr val="accent3"/>
+          </a:effectRef>
+          <a:fontRef idx="minor">
+            <a:schemeClr val="dk1"/>
+          </a:fontRef>
+        </p:style>
+        <p:txBody>
+          <a:bodyPr rtlCol="0" anchor="ctr"/>
+          <a:lstStyle/>
+          <a:p>
+            <a:pPr algn="ctr"/>
+            <a:r>
+              <a:rPr lang="en-US" sz="1400" dirty="0"/>
+              <a:t>Perspective</a:t>
+            </a:r>
+          </a:p>
+          <a:p>
+            <a:pPr algn="ctr"/>
+            <a:r>
+              <a:rPr lang="en-US" sz="1400" dirty="0"/>
+              <a:t>(</a:t>
+            </a:r>
+            <a:r>
+              <a:rPr lang="en-US" sz="1400" dirty="0" err="1"/>
+              <a:t>subaperture</a:t>
+            </a:r>
+            <a:r>
+              <a:rPr lang="en-US" sz="1400" dirty="0"/>
+              <a:t>)</a:t>
+            </a:r>
+          </a:p>
+        </p:txBody>
+      </p:sp>
+      <p:sp>
+        <p:nvSpPr>
+          <p:cNvPr id="22" name="Oval 21">
+            <a:extLst>
+              <a:ext uri="{FF2B5EF4-FFF2-40B4-BE49-F238E27FC236}">
+                <a16:creationId xmlns:a16="http://schemas.microsoft.com/office/drawing/2014/main" id="{99BA3F74-E94C-4E00-B8D1-7731997DBFA7}"/>
+              </a:ext>
+            </a:extLst>
+          </p:cNvPr>
+          <p:cNvSpPr/>
+          <p:nvPr/>
+        </p:nvSpPr>
+        <p:spPr>
+          <a:xfrm>
+            <a:off x="8355557" y="2245601"/>
+            <a:ext cx="1084203" cy="600595"/>
+          </a:xfrm>
+          <a:prstGeom prst="ellipse">
+            <a:avLst/>
+          </a:prstGeom>
+        </p:spPr>
+        <p:style>
+          <a:lnRef idx="2">
+            <a:schemeClr val="accent1">
+              <a:shade val="50000"/>
+            </a:schemeClr>
+          </a:lnRef>
+          <a:fillRef idx="1">
+            <a:schemeClr val="accent1"/>
+          </a:fillRef>
+          <a:effectRef idx="0">
+            <a:schemeClr val="accent1"/>
+          </a:effectRef>
+          <a:fontRef idx="minor">
+            <a:schemeClr val="lt1"/>
+          </a:fontRef>
+        </p:style>
+        <p:txBody>
+          <a:bodyPr rtlCol="0" anchor="ctr"/>
+          <a:lstStyle/>
+          <a:p>
+            <a:pPr algn="ctr"/>
+            <a:r>
+              <a:rPr lang="en-US" sz="1400" dirty="0"/>
+              <a:t>rectify</a:t>
+            </a:r>
+          </a:p>
+        </p:txBody>
+      </p:sp>
+      <p:cxnSp>
+        <p:nvCxnSpPr>
+          <p:cNvPr id="18" name="Straight Arrow Connector 17">
+            <a:extLst>
+              <a:ext uri="{FF2B5EF4-FFF2-40B4-BE49-F238E27FC236}">
+                <a16:creationId xmlns:a16="http://schemas.microsoft.com/office/drawing/2014/main" id="{9C0FEA49-C6B1-4E95-A727-066E98B3A90D}"/>
+              </a:ext>
+            </a:extLst>
+          </p:cNvPr>
+          <p:cNvCxnSpPr>
+            <a:stCxn id="22" idx="0"/>
+            <a:endCxn id="15" idx="4"/>
+          </p:cNvCxnSpPr>
+          <p:nvPr/>
+        </p:nvCxnSpPr>
+        <p:spPr>
+          <a:xfrm flipH="1" flipV="1">
+            <a:off x="8884998" y="2082851"/>
+            <a:ext cx="12661" cy="162750"/>
+          </a:xfrm>
+          <a:prstGeom prst="straightConnector1">
+            <a:avLst/>
+          </a:prstGeom>
+          <a:ln>
+            <a:tailEnd type="triangle"/>
+          </a:ln>
+        </p:spPr>
+        <p:style>
+          <a:lnRef idx="1">
+            <a:schemeClr val="accent1"/>
+          </a:lnRef>
+          <a:fillRef idx="0">
+            <a:schemeClr val="accent1"/>
+          </a:fillRef>
+          <a:effectRef idx="0">
+            <a:schemeClr val="accent1"/>
+          </a:effectRef>
+          <a:fontRef idx="minor">
+            <a:schemeClr val="tx1"/>
+          </a:fontRef>
+        </p:style>
+      </p:cxnSp>
+      <p:cxnSp>
+        <p:nvCxnSpPr>
+          <p:cNvPr id="27" name="Straight Arrow Connector 26">
+            <a:extLst>
+              <a:ext uri="{FF2B5EF4-FFF2-40B4-BE49-F238E27FC236}">
+                <a16:creationId xmlns:a16="http://schemas.microsoft.com/office/drawing/2014/main" id="{DA23AEA9-B000-4793-B8E8-DE419AAC164B}"/>
+              </a:ext>
+            </a:extLst>
+          </p:cNvPr>
+          <p:cNvCxnSpPr>
+            <a:stCxn id="22" idx="6"/>
+            <a:endCxn id="20" idx="1"/>
+          </p:cNvCxnSpPr>
+          <p:nvPr/>
+        </p:nvCxnSpPr>
+        <p:spPr>
+          <a:xfrm>
+            <a:off x="9439760" y="2545899"/>
+            <a:ext cx="540518" cy="322081"/>
+          </a:xfrm>
+          <a:prstGeom prst="straightConnector1">
+            <a:avLst/>
+          </a:prstGeom>
+          <a:ln>
+            <a:tailEnd type="triangle"/>
+          </a:ln>
+        </p:spPr>
+        <p:style>
+          <a:lnRef idx="1">
+            <a:schemeClr val="accent1"/>
+          </a:lnRef>
+          <a:fillRef idx="0">
+            <a:schemeClr val="accent1"/>
+          </a:fillRef>
+          <a:effectRef idx="0">
+            <a:schemeClr val="accent1"/>
+          </a:effectRef>
+          <a:fontRef idx="minor">
+            <a:schemeClr val="tx1"/>
+          </a:fontRef>
+        </p:style>
+      </p:cxnSp>
     </p:spTree>
     <p:extLst>
       <p:ext uri="{BB962C8B-B14F-4D97-AF65-F5344CB8AC3E}">

--- a/LFI plugin/LFM Toolbox.pptx
+++ b/LFI plugin/LFM Toolbox.pptx
@@ -6,20 +6,23 @@
   </p:sldMasterIdLst>
   <p:sldIdLst>
     <p:sldId id="263" r:id="rId2"/>
-    <p:sldId id="264" r:id="rId3"/>
-    <p:sldId id="266" r:id="rId4"/>
-    <p:sldId id="268" r:id="rId5"/>
-    <p:sldId id="270" r:id="rId6"/>
-    <p:sldId id="271" r:id="rId7"/>
-    <p:sldId id="262" r:id="rId8"/>
-    <p:sldId id="272" r:id="rId9"/>
-    <p:sldId id="273" r:id="rId10"/>
-    <p:sldId id="258" r:id="rId11"/>
-    <p:sldId id="257" r:id="rId12"/>
-    <p:sldId id="259" r:id="rId13"/>
-    <p:sldId id="260" r:id="rId14"/>
-    <p:sldId id="256" r:id="rId15"/>
-    <p:sldId id="269" r:id="rId16"/>
+    <p:sldId id="274" r:id="rId3"/>
+    <p:sldId id="264" r:id="rId4"/>
+    <p:sldId id="266" r:id="rId5"/>
+    <p:sldId id="268" r:id="rId6"/>
+    <p:sldId id="270" r:id="rId7"/>
+    <p:sldId id="275" r:id="rId8"/>
+    <p:sldId id="271" r:id="rId9"/>
+    <p:sldId id="276" r:id="rId10"/>
+    <p:sldId id="262" r:id="rId11"/>
+    <p:sldId id="272" r:id="rId12"/>
+    <p:sldId id="273" r:id="rId13"/>
+    <p:sldId id="258" r:id="rId14"/>
+    <p:sldId id="257" r:id="rId15"/>
+    <p:sldId id="259" r:id="rId16"/>
+    <p:sldId id="260" r:id="rId17"/>
+    <p:sldId id="256" r:id="rId18"/>
+    <p:sldId id="269" r:id="rId19"/>
   </p:sldIdLst>
   <p:sldSz cx="12192000" cy="6858000"/>
   <p:notesSz cx="6858000" cy="9144000"/>
@@ -273,7 +276,7 @@
           <a:p>
             <a:fld id="{6DA75BFD-2B67-43BF-ABC9-0942247C937C}" type="datetimeFigureOut">
               <a:rPr lang="en-US" smtClean="0"/>
-              <a:t>2/2/2022</a:t>
+              <a:t>3/9/2022</a:t>
             </a:fld>
             <a:endParaRPr lang="en-US"/>
           </a:p>
@@ -471,7 +474,7 @@
           <a:p>
             <a:fld id="{6DA75BFD-2B67-43BF-ABC9-0942247C937C}" type="datetimeFigureOut">
               <a:rPr lang="en-US" smtClean="0"/>
-              <a:t>2/2/2022</a:t>
+              <a:t>3/9/2022</a:t>
             </a:fld>
             <a:endParaRPr lang="en-US"/>
           </a:p>
@@ -679,7 +682,7 @@
           <a:p>
             <a:fld id="{6DA75BFD-2B67-43BF-ABC9-0942247C937C}" type="datetimeFigureOut">
               <a:rPr lang="en-US" smtClean="0"/>
-              <a:t>2/2/2022</a:t>
+              <a:t>3/9/2022</a:t>
             </a:fld>
             <a:endParaRPr lang="en-US"/>
           </a:p>
@@ -911,7 +914,7 @@
           <a:p>
             <a:fld id="{6DA75BFD-2B67-43BF-ABC9-0942247C937C}" type="datetimeFigureOut">
               <a:rPr lang="en-US" smtClean="0"/>
-              <a:t>2/2/2022</a:t>
+              <a:t>3/9/2022</a:t>
             </a:fld>
             <a:endParaRPr lang="en-US"/>
           </a:p>
@@ -1186,7 +1189,7 @@
           <a:p>
             <a:fld id="{6DA75BFD-2B67-43BF-ABC9-0942247C937C}" type="datetimeFigureOut">
               <a:rPr lang="en-US" smtClean="0"/>
-              <a:t>2/2/2022</a:t>
+              <a:t>3/9/2022</a:t>
             </a:fld>
             <a:endParaRPr lang="en-US"/>
           </a:p>
@@ -1451,7 +1454,7 @@
           <a:p>
             <a:fld id="{6DA75BFD-2B67-43BF-ABC9-0942247C937C}" type="datetimeFigureOut">
               <a:rPr lang="en-US" smtClean="0"/>
-              <a:t>2/2/2022</a:t>
+              <a:t>3/9/2022</a:t>
             </a:fld>
             <a:endParaRPr lang="en-US"/>
           </a:p>
@@ -1863,7 +1866,7 @@
           <a:p>
             <a:fld id="{6DA75BFD-2B67-43BF-ABC9-0942247C937C}" type="datetimeFigureOut">
               <a:rPr lang="en-US" smtClean="0"/>
-              <a:t>2/2/2022</a:t>
+              <a:t>3/9/2022</a:t>
             </a:fld>
             <a:endParaRPr lang="en-US"/>
           </a:p>
@@ -2004,7 +2007,7 @@
           <a:p>
             <a:fld id="{6DA75BFD-2B67-43BF-ABC9-0942247C937C}" type="datetimeFigureOut">
               <a:rPr lang="en-US" smtClean="0"/>
-              <a:t>2/2/2022</a:t>
+              <a:t>3/9/2022</a:t>
             </a:fld>
             <a:endParaRPr lang="en-US"/>
           </a:p>
@@ -2117,7 +2120,7 @@
           <a:p>
             <a:fld id="{6DA75BFD-2B67-43BF-ABC9-0942247C937C}" type="datetimeFigureOut">
               <a:rPr lang="en-US" smtClean="0"/>
-              <a:t>2/2/2022</a:t>
+              <a:t>3/9/2022</a:t>
             </a:fld>
             <a:endParaRPr lang="en-US"/>
           </a:p>
@@ -2428,7 +2431,7 @@
           <a:p>
             <a:fld id="{6DA75BFD-2B67-43BF-ABC9-0942247C937C}" type="datetimeFigureOut">
               <a:rPr lang="en-US" smtClean="0"/>
-              <a:t>2/2/2022</a:t>
+              <a:t>3/9/2022</a:t>
             </a:fld>
             <a:endParaRPr lang="en-US"/>
           </a:p>
@@ -2716,7 +2719,7 @@
           <a:p>
             <a:fld id="{6DA75BFD-2B67-43BF-ABC9-0942247C937C}" type="datetimeFigureOut">
               <a:rPr lang="en-US" smtClean="0"/>
-              <a:t>2/2/2022</a:t>
+              <a:t>3/9/2022</a:t>
             </a:fld>
             <a:endParaRPr lang="en-US"/>
           </a:p>
@@ -2957,7 +2960,7 @@
           <a:p>
             <a:fld id="{6DA75BFD-2B67-43BF-ABC9-0942247C937C}" type="datetimeFigureOut">
               <a:rPr lang="en-US" smtClean="0"/>
-              <a:t>2/2/2022</a:t>
+              <a:t>3/9/2022</a:t>
             </a:fld>
             <a:endParaRPr lang="en-US"/>
           </a:p>
@@ -3439,6 +3442,377 @@
           <p:cNvPr id="2" name="Title 1">
             <a:extLst>
               <a:ext uri="{FF2B5EF4-FFF2-40B4-BE49-F238E27FC236}">
+                <a16:creationId xmlns:a16="http://schemas.microsoft.com/office/drawing/2014/main" id="{C0150A12-CE1F-4E08-A388-8062653CE10C}"/>
+              </a:ext>
+            </a:extLst>
+          </p:cNvPr>
+          <p:cNvSpPr>
+            <a:spLocks noGrp="1"/>
+          </p:cNvSpPr>
+          <p:nvPr>
+            <p:ph type="title"/>
+          </p:nvPr>
+        </p:nvSpPr>
+        <p:spPr/>
+        <p:txBody>
+          <a:bodyPr/>
+          <a:lstStyle/>
+          <a:p>
+            <a:r>
+              <a:rPr lang="en-US" dirty="0"/>
+              <a:t>GUI</a:t>
+            </a:r>
+          </a:p>
+        </p:txBody>
+      </p:sp>
+      <p:sp>
+        <p:nvSpPr>
+          <p:cNvPr id="3" name="Content Placeholder 2">
+            <a:extLst>
+              <a:ext uri="{FF2B5EF4-FFF2-40B4-BE49-F238E27FC236}">
+                <a16:creationId xmlns:a16="http://schemas.microsoft.com/office/drawing/2014/main" id="{64DEBA9F-14FB-4B75-B94E-1AA4B075D57A}"/>
+              </a:ext>
+            </a:extLst>
+          </p:cNvPr>
+          <p:cNvSpPr>
+            <a:spLocks noGrp="1"/>
+          </p:cNvSpPr>
+          <p:nvPr>
+            <p:ph idx="1"/>
+          </p:nvPr>
+        </p:nvSpPr>
+        <p:spPr>
+          <a:xfrm>
+            <a:off x="838200" y="1825625"/>
+            <a:ext cx="8901418" cy="4351338"/>
+          </a:xfrm>
+        </p:spPr>
+        <p:txBody>
+          <a:bodyPr/>
+          <a:lstStyle/>
+          <a:p>
+            <a:r>
+              <a:rPr lang="en-US" dirty="0"/>
+              <a:t>Leveraging </a:t>
+            </a:r>
+            <a:r>
+              <a:rPr lang="en-US" dirty="0" err="1"/>
+              <a:t>napari</a:t>
+            </a:r>
+            <a:r>
+              <a:rPr lang="en-US" dirty="0"/>
+              <a:t> infrastructure…</a:t>
+            </a:r>
+          </a:p>
+          <a:p>
+            <a:r>
+              <a:rPr lang="en-US" dirty="0"/>
+              <a:t>GUI</a:t>
+            </a:r>
+          </a:p>
+          <a:p>
+            <a:pPr lvl="1"/>
+            <a:r>
+              <a:rPr lang="en-US" dirty="0" err="1"/>
+              <a:t>MagicGUI</a:t>
+            </a:r>
+            <a:endParaRPr lang="en-US" dirty="0"/>
+          </a:p>
+          <a:p>
+            <a:pPr lvl="1"/>
+            <a:r>
+              <a:rPr lang="en-US" dirty="0" err="1"/>
+              <a:t>QtPy</a:t>
+            </a:r>
+            <a:r>
+              <a:rPr lang="en-US" dirty="0"/>
+              <a:t> (abstraction layer over </a:t>
+            </a:r>
+            <a:r>
+              <a:rPr lang="en-US" dirty="0" err="1"/>
+              <a:t>PyQT</a:t>
+            </a:r>
+            <a:r>
+              <a:rPr lang="en-US" dirty="0"/>
+              <a:t>, </a:t>
+            </a:r>
+            <a:r>
+              <a:rPr lang="en-US" dirty="0" err="1"/>
+              <a:t>PySide</a:t>
+            </a:r>
+            <a:r>
+              <a:rPr lang="en-US" dirty="0"/>
+              <a:t>)</a:t>
+            </a:r>
+          </a:p>
+          <a:p>
+            <a:pPr lvl="1"/>
+            <a:r>
+              <a:rPr lang="en-US" dirty="0"/>
+              <a:t>Leverage </a:t>
+            </a:r>
+            <a:r>
+              <a:rPr lang="en-US" dirty="0" err="1"/>
+              <a:t>VizPy</a:t>
+            </a:r>
+            <a:r>
+              <a:rPr lang="en-US" dirty="0"/>
+              <a:t>, Scikit-image, …</a:t>
+            </a:r>
+          </a:p>
+          <a:p>
+            <a:pPr lvl="1"/>
+            <a:endParaRPr lang="en-US" dirty="0"/>
+          </a:p>
+          <a:p>
+            <a:pPr lvl="1"/>
+            <a:endParaRPr lang="en-US" dirty="0" err="1"/>
+          </a:p>
+          <a:p>
+            <a:r>
+              <a:rPr lang="en-US" dirty="0"/>
+              <a:t>(Later…) Acquisition, camera control, drivers </a:t>
+            </a:r>
+            <a:r>
+              <a:rPr lang="en-US" dirty="0">
+                <a:sym typeface="Wingdings" panose="05000000000000000000" pitchFamily="2" charset="2"/>
+              </a:rPr>
+              <a:t> Micromanager?</a:t>
+            </a:r>
+          </a:p>
+        </p:txBody>
+      </p:sp>
+    </p:spTree>
+    <p:extLst>
+      <p:ext uri="{BB962C8B-B14F-4D97-AF65-F5344CB8AC3E}">
+        <p14:creationId xmlns:p14="http://schemas.microsoft.com/office/powerpoint/2010/main" val="1165453893"/>
+      </p:ext>
+    </p:extLst>
+  </p:cSld>
+  <p:clrMapOvr>
+    <a:masterClrMapping/>
+  </p:clrMapOvr>
+</p:sld>
+</file>
+
+<file path=ppt/slides/slide11.xml><?xml version="1.0" encoding="utf-8"?>
+<p:sld xmlns:a="http://schemas.openxmlformats.org/drawingml/2006/main" xmlns:r="http://schemas.openxmlformats.org/officeDocument/2006/relationships" xmlns:p="http://schemas.openxmlformats.org/presentationml/2006/main">
+  <p:cSld>
+    <p:spTree>
+      <p:nvGrpSpPr>
+        <p:cNvPr id="1" name=""/>
+        <p:cNvGrpSpPr/>
+        <p:nvPr/>
+      </p:nvGrpSpPr>
+      <p:grpSpPr>
+        <a:xfrm>
+          <a:off x="0" y="0"/>
+          <a:ext cx="0" cy="0"/>
+          <a:chOff x="0" y="0"/>
+          <a:chExt cx="0" cy="0"/>
+        </a:xfrm>
+      </p:grpSpPr>
+      <p:sp>
+        <p:nvSpPr>
+          <p:cNvPr id="2" name="Title 1">
+            <a:extLst>
+              <a:ext uri="{FF2B5EF4-FFF2-40B4-BE49-F238E27FC236}">
+                <a16:creationId xmlns:a16="http://schemas.microsoft.com/office/drawing/2014/main" id="{3EEEF26A-7F31-406B-80E3-576013EA666E}"/>
+              </a:ext>
+            </a:extLst>
+          </p:cNvPr>
+          <p:cNvSpPr>
+            <a:spLocks noGrp="1"/>
+          </p:cNvSpPr>
+          <p:nvPr>
+            <p:ph type="title"/>
+          </p:nvPr>
+        </p:nvSpPr>
+        <p:spPr/>
+        <p:txBody>
+          <a:bodyPr/>
+          <a:lstStyle/>
+          <a:p>
+            <a:r>
+              <a:rPr lang="en-US" dirty="0"/>
+              <a:t>Input from </a:t>
+            </a:r>
+            <a:r>
+              <a:rPr lang="en-US" dirty="0" err="1"/>
+              <a:t>LFAnalyse</a:t>
+            </a:r>
+            <a:r>
+              <a:rPr lang="en-US" dirty="0"/>
+              <a:t>….</a:t>
+            </a:r>
+          </a:p>
+        </p:txBody>
+      </p:sp>
+      <p:sp>
+        <p:nvSpPr>
+          <p:cNvPr id="3" name="Content Placeholder 2">
+            <a:extLst>
+              <a:ext uri="{FF2B5EF4-FFF2-40B4-BE49-F238E27FC236}">
+                <a16:creationId xmlns:a16="http://schemas.microsoft.com/office/drawing/2014/main" id="{F754C8D2-EF22-410B-A74E-24F34FD1902E}"/>
+              </a:ext>
+            </a:extLst>
+          </p:cNvPr>
+          <p:cNvSpPr>
+            <a:spLocks noGrp="1"/>
+          </p:cNvSpPr>
+          <p:nvPr>
+            <p:ph idx="1"/>
+          </p:nvPr>
+        </p:nvSpPr>
+        <p:spPr/>
+        <p:txBody>
+          <a:bodyPr/>
+          <a:lstStyle/>
+          <a:p>
+            <a:endParaRPr lang="en-US"/>
+          </a:p>
+        </p:txBody>
+      </p:sp>
+    </p:spTree>
+    <p:extLst>
+      <p:ext uri="{BB962C8B-B14F-4D97-AF65-F5344CB8AC3E}">
+        <p14:creationId xmlns:p14="http://schemas.microsoft.com/office/powerpoint/2010/main" val="4226015765"/>
+      </p:ext>
+    </p:extLst>
+  </p:cSld>
+  <p:clrMapOvr>
+    <a:masterClrMapping/>
+  </p:clrMapOvr>
+</p:sld>
+</file>
+
+<file path=ppt/slides/slide12.xml><?xml version="1.0" encoding="utf-8"?>
+<p:sld xmlns:a="http://schemas.openxmlformats.org/drawingml/2006/main" xmlns:r="http://schemas.openxmlformats.org/officeDocument/2006/relationships" xmlns:p="http://schemas.openxmlformats.org/presentationml/2006/main">
+  <p:cSld>
+    <p:spTree>
+      <p:nvGrpSpPr>
+        <p:cNvPr id="1" name=""/>
+        <p:cNvGrpSpPr/>
+        <p:nvPr/>
+      </p:nvGrpSpPr>
+      <p:grpSpPr>
+        <a:xfrm>
+          <a:off x="0" y="0"/>
+          <a:ext cx="0" cy="0"/>
+          <a:chOff x="0" y="0"/>
+          <a:chExt cx="0" cy="0"/>
+        </a:xfrm>
+      </p:grpSpPr>
+      <p:sp>
+        <p:nvSpPr>
+          <p:cNvPr id="2" name="Title 1">
+            <a:extLst>
+              <a:ext uri="{FF2B5EF4-FFF2-40B4-BE49-F238E27FC236}">
+                <a16:creationId xmlns:a16="http://schemas.microsoft.com/office/drawing/2014/main" id="{5570CC86-D1FF-40E5-BFD0-29509BEA3134}"/>
+              </a:ext>
+            </a:extLst>
+          </p:cNvPr>
+          <p:cNvSpPr>
+            <a:spLocks noGrp="1"/>
+          </p:cNvSpPr>
+          <p:nvPr>
+            <p:ph type="title"/>
+          </p:nvPr>
+        </p:nvSpPr>
+        <p:spPr/>
+        <p:txBody>
+          <a:bodyPr/>
+          <a:lstStyle/>
+          <a:p>
+            <a:r>
+              <a:rPr lang="en-US" dirty="0"/>
+              <a:t>UI</a:t>
+            </a:r>
+          </a:p>
+        </p:txBody>
+      </p:sp>
+      <p:pic>
+        <p:nvPicPr>
+          <p:cNvPr id="1028" name="Picture 4" descr="image: viewer layout">
+            <a:extLst>
+              <a:ext uri="{FF2B5EF4-FFF2-40B4-BE49-F238E27FC236}">
+                <a16:creationId xmlns:a16="http://schemas.microsoft.com/office/drawing/2014/main" id="{EDF6B704-75B3-4DC8-9845-9EF9AF1746D7}"/>
+              </a:ext>
+            </a:extLst>
+          </p:cNvPr>
+          <p:cNvPicPr>
+            <a:picLocks noChangeAspect="1" noChangeArrowheads="1"/>
+          </p:cNvPicPr>
+          <p:nvPr/>
+        </p:nvPicPr>
+        <p:blipFill>
+          <a:blip r:embed="rId2">
+            <a:extLst>
+              <a:ext uri="{28A0092B-C50C-407E-A947-70E740481C1C}">
+                <a14:useLocalDpi xmlns:a14="http://schemas.microsoft.com/office/drawing/2010/main" val="0"/>
+              </a:ext>
+            </a:extLst>
+          </a:blip>
+          <a:srcRect/>
+          <a:stretch>
+            <a:fillRect/>
+          </a:stretch>
+        </p:blipFill>
+        <p:spPr bwMode="auto">
+          <a:xfrm>
+            <a:off x="1579780" y="365126"/>
+            <a:ext cx="10194685" cy="6488460"/>
+          </a:xfrm>
+          <a:prstGeom prst="rect">
+            <a:avLst/>
+          </a:prstGeom>
+          <a:noFill/>
+          <a:extLst>
+            <a:ext uri="{909E8E84-426E-40DD-AFC4-6F175D3DCCD1}">
+              <a14:hiddenFill xmlns:a14="http://schemas.microsoft.com/office/drawing/2010/main">
+                <a:solidFill>
+                  <a:srgbClr val="FFFFFF"/>
+                </a:solidFill>
+              </a14:hiddenFill>
+            </a:ext>
+          </a:extLst>
+        </p:spPr>
+      </p:pic>
+    </p:spTree>
+    <p:extLst>
+      <p:ext uri="{BB962C8B-B14F-4D97-AF65-F5344CB8AC3E}">
+        <p14:creationId xmlns:p14="http://schemas.microsoft.com/office/powerpoint/2010/main" val="3299308913"/>
+      </p:ext>
+    </p:extLst>
+  </p:cSld>
+  <p:clrMapOvr>
+    <a:masterClrMapping/>
+  </p:clrMapOvr>
+</p:sld>
+</file>
+
+<file path=ppt/slides/slide13.xml><?xml version="1.0" encoding="utf-8"?>
+<p:sld xmlns:a="http://schemas.openxmlformats.org/drawingml/2006/main" xmlns:r="http://schemas.openxmlformats.org/officeDocument/2006/relationships" xmlns:p="http://schemas.openxmlformats.org/presentationml/2006/main">
+  <p:cSld>
+    <p:spTree>
+      <p:nvGrpSpPr>
+        <p:cNvPr id="1" name=""/>
+        <p:cNvGrpSpPr/>
+        <p:nvPr/>
+      </p:nvGrpSpPr>
+      <p:grpSpPr>
+        <a:xfrm>
+          <a:off x="0" y="0"/>
+          <a:ext cx="0" cy="0"/>
+          <a:chOff x="0" y="0"/>
+          <a:chExt cx="0" cy="0"/>
+        </a:xfrm>
+      </p:grpSpPr>
+      <p:sp>
+        <p:nvSpPr>
+          <p:cNvPr id="2" name="Title 1">
+            <a:extLst>
+              <a:ext uri="{FF2B5EF4-FFF2-40B4-BE49-F238E27FC236}">
                 <a16:creationId xmlns:a16="http://schemas.microsoft.com/office/drawing/2014/main" id="{DF463A22-2669-45C1-A7EC-360C71C80BDD}"/>
               </a:ext>
             </a:extLst>
@@ -3505,7 +3879,7 @@
 </p:sld>
 </file>
 
-<file path=ppt/slides/slide11.xml><?xml version="1.0" encoding="utf-8"?>
+<file path=ppt/slides/slide14.xml><?xml version="1.0" encoding="utf-8"?>
 <p:sld xmlns:a="http://schemas.openxmlformats.org/drawingml/2006/main" xmlns:r="http://schemas.openxmlformats.org/officeDocument/2006/relationships" xmlns:p="http://schemas.openxmlformats.org/presentationml/2006/main">
   <p:cSld>
     <p:spTree>
@@ -3656,7 +4030,7 @@
 </p:sld>
 </file>
 
-<file path=ppt/slides/slide12.xml><?xml version="1.0" encoding="utf-8"?>
+<file path=ppt/slides/slide15.xml><?xml version="1.0" encoding="utf-8"?>
 <p:sld xmlns:a="http://schemas.openxmlformats.org/drawingml/2006/main" xmlns:r="http://schemas.openxmlformats.org/officeDocument/2006/relationships" xmlns:p="http://schemas.openxmlformats.org/presentationml/2006/main">
   <p:cSld>
     <p:spTree>
@@ -3745,7 +4119,7 @@
 </p:sld>
 </file>
 
-<file path=ppt/slides/slide13.xml><?xml version="1.0" encoding="utf-8"?>
+<file path=ppt/slides/slide16.xml><?xml version="1.0" encoding="utf-8"?>
 <p:sld xmlns:a="http://schemas.openxmlformats.org/drawingml/2006/main" xmlns:r="http://schemas.openxmlformats.org/officeDocument/2006/relationships" xmlns:p="http://schemas.openxmlformats.org/presentationml/2006/main">
   <p:cSld>
     <p:spTree>
@@ -3833,7 +4207,7 @@
 </p:sld>
 </file>
 
-<file path=ppt/slides/slide14.xml><?xml version="1.0" encoding="utf-8"?>
+<file path=ppt/slides/slide17.xml><?xml version="1.0" encoding="utf-8"?>
 <p:sld xmlns:a="http://schemas.openxmlformats.org/drawingml/2006/main" xmlns:r="http://schemas.openxmlformats.org/officeDocument/2006/relationships" xmlns:p="http://schemas.openxmlformats.org/presentationml/2006/main">
   <p:cSld>
     <p:spTree>
@@ -3998,7 +4372,7 @@
 </p:sld>
 </file>
 
-<file path=ppt/slides/slide15.xml><?xml version="1.0" encoding="utf-8"?>
+<file path=ppt/slides/slide18.xml><?xml version="1.0" encoding="utf-8"?>
 <p:sld xmlns:a="http://schemas.openxmlformats.org/drawingml/2006/main" xmlns:r="http://schemas.openxmlformats.org/officeDocument/2006/relationships" xmlns:p="http://schemas.openxmlformats.org/presentationml/2006/main">
   <p:cSld>
     <p:spTree>
@@ -4173,132 +4547,130 @@
           <a:chExt cx="0" cy="0"/>
         </a:xfrm>
       </p:grpSpPr>
-      <p:sp>
-        <p:nvSpPr>
-          <p:cNvPr id="2" name="Title 1">
-            <a:extLst>
-              <a:ext uri="{FF2B5EF4-FFF2-40B4-BE49-F238E27FC236}">
-                <a16:creationId xmlns:a16="http://schemas.microsoft.com/office/drawing/2014/main" id="{E6F35C21-4216-4A8A-B3BA-54DAAB1D5E1F}"/>
-              </a:ext>
-            </a:extLst>
-          </p:cNvPr>
-          <p:cNvSpPr>
-            <a:spLocks noGrp="1"/>
-          </p:cNvSpPr>
-          <p:nvPr>
-            <p:ph type="title"/>
-          </p:nvPr>
-        </p:nvSpPr>
-        <p:spPr/>
-        <p:txBody>
-          <a:bodyPr>
-            <a:normAutofit/>
-          </a:bodyPr>
-          <a:lstStyle/>
-          <a:p>
-            <a:r>
-              <a:rPr lang="en-US" dirty="0"/>
-              <a:t>Design goals</a:t>
-            </a:r>
-          </a:p>
-        </p:txBody>
-      </p:sp>
-      <p:sp>
-        <p:nvSpPr>
-          <p:cNvPr id="3" name="Content Placeholder 2">
-            <a:extLst>
-              <a:ext uri="{FF2B5EF4-FFF2-40B4-BE49-F238E27FC236}">
-                <a16:creationId xmlns:a16="http://schemas.microsoft.com/office/drawing/2014/main" id="{28F039F7-9678-4F1B-8509-7AF02076A518}"/>
-              </a:ext>
-            </a:extLst>
-          </p:cNvPr>
-          <p:cNvSpPr>
-            <a:spLocks noGrp="1"/>
-          </p:cNvSpPr>
-          <p:nvPr>
-            <p:ph idx="1"/>
-          </p:nvPr>
-        </p:nvSpPr>
-        <p:spPr/>
-        <p:txBody>
-          <a:bodyPr/>
-          <a:lstStyle/>
-          <a:p>
-            <a:r>
-              <a:rPr lang="en-US" dirty="0"/>
-              <a:t>Modular</a:t>
-            </a:r>
-          </a:p>
-          <a:p>
-            <a:r>
-              <a:rPr lang="en-US" dirty="0"/>
-              <a:t>Extensible</a:t>
-            </a:r>
-          </a:p>
-          <a:p>
-            <a:pPr lvl="1"/>
-            <a:r>
-              <a:rPr lang="en-US" dirty="0"/>
-              <a:t>Interfaces and implementations</a:t>
-            </a:r>
-          </a:p>
-          <a:p>
-            <a:pPr lvl="1"/>
-            <a:r>
-              <a:rPr lang="en-US" dirty="0"/>
-              <a:t>APIs/SPIs... accessible from notebooks or </a:t>
-            </a:r>
-            <a:r>
-              <a:rPr lang="en-US" dirty="0" err="1"/>
-              <a:t>napari</a:t>
-            </a:r>
-            <a:endParaRPr lang="en-US" dirty="0"/>
-          </a:p>
-          <a:p>
-            <a:r>
-              <a:rPr lang="en-US" dirty="0"/>
-              <a:t>Interoperable</a:t>
-            </a:r>
-          </a:p>
-          <a:p>
-            <a:pPr lvl="1"/>
-            <a:r>
-              <a:rPr lang="en-US" dirty="0"/>
-              <a:t>Light Field Imaging (</a:t>
-            </a:r>
-            <a:r>
-              <a:rPr lang="en-US" dirty="0" err="1"/>
-              <a:t>napari</a:t>
-            </a:r>
-            <a:r>
-              <a:rPr lang="en-US" dirty="0"/>
-              <a:t> plugin)</a:t>
-            </a:r>
-          </a:p>
-          <a:p>
-            <a:pPr lvl="1"/>
-            <a:r>
-              <a:rPr lang="en-US" dirty="0"/>
-              <a:t>adapters to ImageJ, ImgLib2, </a:t>
-            </a:r>
-            <a:r>
-              <a:rPr lang="en-US" dirty="0" err="1"/>
-              <a:t>Bioformats</a:t>
-            </a:r>
-            <a:r>
-              <a:rPr lang="en-US" dirty="0"/>
-              <a:t>, </a:t>
-            </a:r>
-          </a:p>
-          <a:p>
-            <a:endParaRPr lang="en-US" dirty="0"/>
-          </a:p>
-        </p:txBody>
-      </p:sp>
+      <p:pic>
+        <p:nvPicPr>
+          <p:cNvPr id="5" name="Picture 4">
+            <a:extLst>
+              <a:ext uri="{FF2B5EF4-FFF2-40B4-BE49-F238E27FC236}">
+                <a16:creationId xmlns:a16="http://schemas.microsoft.com/office/drawing/2014/main" id="{C6FDE5C1-0F4C-443F-B056-B9F1812EFBD7}"/>
+              </a:ext>
+            </a:extLst>
+          </p:cNvPr>
+          <p:cNvPicPr>
+            <a:picLocks noChangeAspect="1"/>
+          </p:cNvPicPr>
+          <p:nvPr/>
+        </p:nvPicPr>
+        <p:blipFill>
+          <a:blip r:embed="rId2"/>
+          <a:stretch>
+            <a:fillRect/>
+          </a:stretch>
+        </p:blipFill>
+        <p:spPr>
+          <a:xfrm>
+            <a:off x="1178454" y="108988"/>
+            <a:ext cx="4540863" cy="6640024"/>
+          </a:xfrm>
+          <a:prstGeom prst="rect">
+            <a:avLst/>
+          </a:prstGeom>
+        </p:spPr>
+      </p:pic>
+      <p:pic>
+        <p:nvPicPr>
+          <p:cNvPr id="8" name="Picture 7">
+            <a:extLst>
+              <a:ext uri="{FF2B5EF4-FFF2-40B4-BE49-F238E27FC236}">
+                <a16:creationId xmlns:a16="http://schemas.microsoft.com/office/drawing/2014/main" id="{E7D31BFC-1A65-4471-8A0F-C0F841C6E28A}"/>
+              </a:ext>
+            </a:extLst>
+          </p:cNvPr>
+          <p:cNvPicPr>
+            <a:picLocks noChangeAspect="1"/>
+          </p:cNvPicPr>
+          <p:nvPr/>
+        </p:nvPicPr>
+        <p:blipFill>
+          <a:blip r:embed="rId3"/>
+          <a:stretch>
+            <a:fillRect/>
+          </a:stretch>
+        </p:blipFill>
+        <p:spPr>
+          <a:xfrm>
+            <a:off x="6472685" y="1645517"/>
+            <a:ext cx="3476625" cy="1885950"/>
+          </a:xfrm>
+          <a:prstGeom prst="rect">
+            <a:avLst/>
+          </a:prstGeom>
+        </p:spPr>
+      </p:pic>
+      <p:pic>
+        <p:nvPicPr>
+          <p:cNvPr id="10" name="Picture 9">
+            <a:extLst>
+              <a:ext uri="{FF2B5EF4-FFF2-40B4-BE49-F238E27FC236}">
+                <a16:creationId xmlns:a16="http://schemas.microsoft.com/office/drawing/2014/main" id="{A6AA2D13-1B20-4072-89E8-E6227BEC4E12}"/>
+              </a:ext>
+            </a:extLst>
+          </p:cNvPr>
+          <p:cNvPicPr>
+            <a:picLocks noChangeAspect="1"/>
+          </p:cNvPicPr>
+          <p:nvPr/>
+        </p:nvPicPr>
+        <p:blipFill>
+          <a:blip r:embed="rId4"/>
+          <a:stretch>
+            <a:fillRect/>
+          </a:stretch>
+        </p:blipFill>
+        <p:spPr>
+          <a:xfrm>
+            <a:off x="6472685" y="963179"/>
+            <a:ext cx="3562350" cy="590550"/>
+          </a:xfrm>
+          <a:prstGeom prst="rect">
+            <a:avLst/>
+          </a:prstGeom>
+        </p:spPr>
+      </p:pic>
+      <p:pic>
+        <p:nvPicPr>
+          <p:cNvPr id="12" name="Picture 11">
+            <a:extLst>
+              <a:ext uri="{FF2B5EF4-FFF2-40B4-BE49-F238E27FC236}">
+                <a16:creationId xmlns:a16="http://schemas.microsoft.com/office/drawing/2014/main" id="{7AFC3557-96FB-429C-BD8A-7713E591B5B4}"/>
+              </a:ext>
+            </a:extLst>
+          </p:cNvPr>
+          <p:cNvPicPr>
+            <a:picLocks noChangeAspect="1"/>
+          </p:cNvPicPr>
+          <p:nvPr/>
+        </p:nvPicPr>
+        <p:blipFill>
+          <a:blip r:embed="rId5"/>
+          <a:stretch>
+            <a:fillRect/>
+          </a:stretch>
+        </p:blipFill>
+        <p:spPr>
+          <a:xfrm>
+            <a:off x="6570084" y="5003222"/>
+            <a:ext cx="4371975" cy="1009650"/>
+          </a:xfrm>
+          <a:prstGeom prst="rect">
+            <a:avLst/>
+          </a:prstGeom>
+        </p:spPr>
+      </p:pic>
     </p:spTree>
     <p:extLst>
       <p:ext uri="{BB962C8B-B14F-4D97-AF65-F5344CB8AC3E}">
-        <p14:creationId xmlns:p14="http://schemas.microsoft.com/office/powerpoint/2010/main" val="3837560793"/>
+        <p14:creationId xmlns:p14="http://schemas.microsoft.com/office/powerpoint/2010/main" val="3305018186"/>
       </p:ext>
     </p:extLst>
   </p:cSld>
@@ -4330,7 +4702,7 @@
           <p:cNvPr id="2" name="Title 1">
             <a:extLst>
               <a:ext uri="{FF2B5EF4-FFF2-40B4-BE49-F238E27FC236}">
-                <a16:creationId xmlns:a16="http://schemas.microsoft.com/office/drawing/2014/main" id="{22651F51-CC90-4F70-9147-B441DCAA110A}"/>
+                <a16:creationId xmlns:a16="http://schemas.microsoft.com/office/drawing/2014/main" id="{E6F35C21-4216-4A8A-B3BA-54DAAB1D5E1F}"/>
               </a:ext>
             </a:extLst>
           </p:cNvPr>
@@ -4343,12 +4715,14 @@
         </p:nvSpPr>
         <p:spPr/>
         <p:txBody>
-          <a:bodyPr/>
+          <a:bodyPr>
+            <a:normAutofit/>
+          </a:bodyPr>
           <a:lstStyle/>
           <a:p>
             <a:r>
               <a:rPr lang="en-US" dirty="0"/>
-              <a:t>Modules</a:t>
+              <a:t>Design goals</a:t>
             </a:r>
           </a:p>
         </p:txBody>
@@ -4358,7 +4732,7 @@
           <p:cNvPr id="3" name="Content Placeholder 2">
             <a:extLst>
               <a:ext uri="{FF2B5EF4-FFF2-40B4-BE49-F238E27FC236}">
-                <a16:creationId xmlns:a16="http://schemas.microsoft.com/office/drawing/2014/main" id="{077E5B11-87B0-4C97-ACE0-272F20FE5F25}"/>
+                <a16:creationId xmlns:a16="http://schemas.microsoft.com/office/drawing/2014/main" id="{28F039F7-9678-4F1B-8509-7AF02076A518}"/>
               </a:ext>
             </a:extLst>
           </p:cNvPr>
@@ -4369,127 +4743,78 @@
             <p:ph idx="1"/>
           </p:nvPr>
         </p:nvSpPr>
-        <p:spPr>
-          <a:xfrm>
-            <a:off x="838200" y="1367406"/>
-            <a:ext cx="5421284" cy="4809557"/>
-          </a:xfrm>
-        </p:spPr>
-        <p:txBody>
-          <a:bodyPr>
-            <a:normAutofit/>
-          </a:bodyPr>
+        <p:spPr/>
+        <p:txBody>
+          <a:bodyPr/>
           <a:lstStyle/>
           <a:p>
             <a:r>
               <a:rPr lang="en-US" dirty="0"/>
-              <a:t>design interfaces for the entire workflow, regardless of </a:t>
+              <a:t>Modular</a:t>
+            </a:r>
+          </a:p>
+          <a:p>
+            <a:r>
+              <a:rPr lang="en-US" dirty="0"/>
+              <a:t>Extensible</a:t>
+            </a:r>
+          </a:p>
+          <a:p>
+            <a:pPr lvl="1"/>
+            <a:r>
+              <a:rPr lang="en-US" dirty="0"/>
+              <a:t>Interfaces and implementations</a:t>
+            </a:r>
+          </a:p>
+          <a:p>
+            <a:pPr lvl="1"/>
+            <a:r>
+              <a:rPr lang="en-US" dirty="0"/>
+              <a:t>APIs/SPIs... accessible from notebooks or </a:t>
             </a:r>
             <a:r>
               <a:rPr lang="en-US" dirty="0" err="1"/>
-              <a:t>implemention</a:t>
+              <a:t>napari</a:t>
             </a:r>
             <a:endParaRPr lang="en-US" dirty="0"/>
           </a:p>
           <a:p>
             <a:r>
+              <a:rPr lang="en-US" dirty="0"/>
+              <a:t>Interoperable</a:t>
+            </a:r>
+          </a:p>
+          <a:p>
+            <a:pPr lvl="1"/>
+            <a:r>
+              <a:rPr lang="en-US" dirty="0"/>
+              <a:t>Light Field Imaging (</a:t>
+            </a:r>
+            <a:r>
               <a:rPr lang="en-US" dirty="0" err="1"/>
-              <a:t>LFAcquire</a:t>
+              <a:t>napari</a:t>
             </a:r>
             <a:r>
               <a:rPr lang="en-US" dirty="0"/>
-              <a:t> (using </a:t>
+              <a:t> plugin)</a:t>
+            </a:r>
+          </a:p>
+          <a:p>
+            <a:pPr lvl="1"/>
+            <a:r>
+              <a:rPr lang="en-US" dirty="0"/>
+              <a:t>adapters to ImageJ, ImgLib2, </a:t>
             </a:r>
             <a:r>
               <a:rPr lang="en-US" dirty="0" err="1"/>
-              <a:t>umgr</a:t>
-            </a:r>
-            <a:r>
-              <a:rPr lang="en-US" dirty="0"/>
-              <a:t>?, later)</a:t>
-            </a:r>
-          </a:p>
-          <a:p>
-            <a:r>
-              <a:rPr lang="en-US" dirty="0" err="1"/>
-              <a:t>LFMeta</a:t>
+              <a:t>Bioformats</a:t>
             </a:r>
             <a:r>
               <a:rPr lang="en-US" dirty="0"/>
               <a:t>, </a:t>
             </a:r>
-            <a:r>
-              <a:rPr lang="en-US" dirty="0" err="1"/>
-              <a:t>LFData</a:t>
-            </a:r>
-            <a:endParaRPr lang="en-US" dirty="0"/>
-          </a:p>
-          <a:p>
-            <a:pPr lvl="1"/>
-            <a:r>
-              <a:rPr lang="en-US" dirty="0" err="1"/>
-              <a:t>LFData.import</a:t>
-            </a:r>
-            <a:r>
-              <a:rPr lang="en-US" dirty="0"/>
-              <a:t>, transform</a:t>
-            </a:r>
-          </a:p>
-          <a:p>
-            <a:r>
-              <a:rPr lang="en-US" dirty="0" err="1"/>
-              <a:t>LFCalibrate</a:t>
-            </a:r>
-            <a:endParaRPr lang="en-US" dirty="0"/>
-          </a:p>
-          <a:p>
-            <a:r>
-              <a:rPr lang="en-US" dirty="0" err="1"/>
-              <a:t>LFRectify</a:t>
-            </a:r>
-            <a:endParaRPr lang="en-US" dirty="0"/>
-          </a:p>
-          <a:p>
-            <a:r>
-              <a:rPr lang="en-US" dirty="0" err="1"/>
-              <a:t>LFDeconvolution</a:t>
-            </a:r>
-            <a:endParaRPr lang="en-US" dirty="0"/>
-          </a:p>
-          <a:p>
-            <a:r>
-              <a:rPr lang="en-US" dirty="0" err="1"/>
-              <a:t>LFDeepLearn</a:t>
-            </a:r>
-            <a:r>
-              <a:rPr lang="en-US" dirty="0"/>
-              <a:t>, </a:t>
-            </a:r>
-            <a:r>
-              <a:rPr lang="en-US" dirty="0" err="1"/>
-              <a:t>LFInference</a:t>
-            </a:r>
-            <a:endParaRPr lang="en-US" dirty="0"/>
-          </a:p>
-          <a:p>
-            <a:r>
-              <a:rPr lang="en-US" dirty="0" err="1"/>
-              <a:t>LFView</a:t>
-            </a:r>
-            <a:r>
-              <a:rPr lang="en-US" dirty="0"/>
-              <a:t>… </a:t>
-            </a:r>
-            <a:r>
-              <a:rPr lang="en-US" dirty="0" err="1"/>
-              <a:t>LFDisplay</a:t>
-            </a:r>
-            <a:endParaRPr lang="en-US" dirty="0"/>
-          </a:p>
-          <a:p>
-            <a:pPr marL="0" indent="0">
-              <a:buNone/>
-            </a:pPr>
+          </a:p>
+          <a:p>
             <a:endParaRPr lang="en-US" dirty="0"/>
           </a:p>
         </p:txBody>
@@ -4497,7 +4822,7 @@
     </p:spTree>
     <p:extLst>
       <p:ext uri="{BB962C8B-B14F-4D97-AF65-F5344CB8AC3E}">
-        <p14:creationId xmlns:p14="http://schemas.microsoft.com/office/powerpoint/2010/main" val="122391944"/>
+        <p14:creationId xmlns:p14="http://schemas.microsoft.com/office/powerpoint/2010/main" val="3837560793"/>
       </p:ext>
     </p:extLst>
   </p:cSld>
@@ -4529,6 +4854,205 @@
           <p:cNvPr id="2" name="Title 1">
             <a:extLst>
               <a:ext uri="{FF2B5EF4-FFF2-40B4-BE49-F238E27FC236}">
+                <a16:creationId xmlns:a16="http://schemas.microsoft.com/office/drawing/2014/main" id="{22651F51-CC90-4F70-9147-B441DCAA110A}"/>
+              </a:ext>
+            </a:extLst>
+          </p:cNvPr>
+          <p:cNvSpPr>
+            <a:spLocks noGrp="1"/>
+          </p:cNvSpPr>
+          <p:nvPr>
+            <p:ph type="title"/>
+          </p:nvPr>
+        </p:nvSpPr>
+        <p:spPr/>
+        <p:txBody>
+          <a:bodyPr/>
+          <a:lstStyle/>
+          <a:p>
+            <a:r>
+              <a:rPr lang="en-US" dirty="0"/>
+              <a:t>Modules</a:t>
+            </a:r>
+          </a:p>
+        </p:txBody>
+      </p:sp>
+      <p:sp>
+        <p:nvSpPr>
+          <p:cNvPr id="3" name="Content Placeholder 2">
+            <a:extLst>
+              <a:ext uri="{FF2B5EF4-FFF2-40B4-BE49-F238E27FC236}">
+                <a16:creationId xmlns:a16="http://schemas.microsoft.com/office/drawing/2014/main" id="{077E5B11-87B0-4C97-ACE0-272F20FE5F25}"/>
+              </a:ext>
+            </a:extLst>
+          </p:cNvPr>
+          <p:cNvSpPr>
+            <a:spLocks noGrp="1"/>
+          </p:cNvSpPr>
+          <p:nvPr>
+            <p:ph idx="1"/>
+          </p:nvPr>
+        </p:nvSpPr>
+        <p:spPr>
+          <a:xfrm>
+            <a:off x="838200" y="1367406"/>
+            <a:ext cx="5421284" cy="4809557"/>
+          </a:xfrm>
+        </p:spPr>
+        <p:txBody>
+          <a:bodyPr>
+            <a:normAutofit/>
+          </a:bodyPr>
+          <a:lstStyle/>
+          <a:p>
+            <a:r>
+              <a:rPr lang="en-US" dirty="0"/>
+              <a:t>design interfaces for the entire workflow, regardless of </a:t>
+            </a:r>
+            <a:r>
+              <a:rPr lang="en-US" dirty="0" err="1"/>
+              <a:t>implemention</a:t>
+            </a:r>
+            <a:endParaRPr lang="en-US" dirty="0"/>
+          </a:p>
+          <a:p>
+            <a:r>
+              <a:rPr lang="en-US" dirty="0" err="1"/>
+              <a:t>LFAcquire</a:t>
+            </a:r>
+            <a:r>
+              <a:rPr lang="en-US" dirty="0"/>
+              <a:t> (using </a:t>
+            </a:r>
+            <a:r>
+              <a:rPr lang="en-US" dirty="0" err="1"/>
+              <a:t>umgr</a:t>
+            </a:r>
+            <a:r>
+              <a:rPr lang="en-US" dirty="0"/>
+              <a:t>?, later)</a:t>
+            </a:r>
+          </a:p>
+          <a:p>
+            <a:r>
+              <a:rPr lang="en-US" dirty="0" err="1"/>
+              <a:t>LFMeta</a:t>
+            </a:r>
+            <a:r>
+              <a:rPr lang="en-US" dirty="0"/>
+              <a:t>, </a:t>
+            </a:r>
+            <a:r>
+              <a:rPr lang="en-US" dirty="0" err="1"/>
+              <a:t>LFData</a:t>
+            </a:r>
+            <a:endParaRPr lang="en-US" dirty="0"/>
+          </a:p>
+          <a:p>
+            <a:pPr lvl="1"/>
+            <a:r>
+              <a:rPr lang="en-US" dirty="0" err="1"/>
+              <a:t>LFData.import</a:t>
+            </a:r>
+            <a:r>
+              <a:rPr lang="en-US" dirty="0"/>
+              <a:t>, transform</a:t>
+            </a:r>
+          </a:p>
+          <a:p>
+            <a:r>
+              <a:rPr lang="en-US" dirty="0" err="1"/>
+              <a:t>LFCalibrate</a:t>
+            </a:r>
+            <a:endParaRPr lang="en-US" dirty="0"/>
+          </a:p>
+          <a:p>
+            <a:r>
+              <a:rPr lang="en-US" dirty="0" err="1"/>
+              <a:t>LFRectify</a:t>
+            </a:r>
+            <a:endParaRPr lang="en-US" dirty="0"/>
+          </a:p>
+          <a:p>
+            <a:r>
+              <a:rPr lang="en-US" dirty="0" err="1"/>
+              <a:t>LFDeconvolution</a:t>
+            </a:r>
+            <a:endParaRPr lang="en-US" dirty="0"/>
+          </a:p>
+          <a:p>
+            <a:r>
+              <a:rPr lang="en-US" dirty="0" err="1"/>
+              <a:t>LFDeepLearn</a:t>
+            </a:r>
+            <a:r>
+              <a:rPr lang="en-US" dirty="0"/>
+              <a:t>, </a:t>
+            </a:r>
+            <a:r>
+              <a:rPr lang="en-US" dirty="0" err="1"/>
+              <a:t>LFInference</a:t>
+            </a:r>
+            <a:endParaRPr lang="en-US" dirty="0"/>
+          </a:p>
+          <a:p>
+            <a:r>
+              <a:rPr lang="en-US" dirty="0" err="1"/>
+              <a:t>LFView</a:t>
+            </a:r>
+            <a:r>
+              <a:rPr lang="en-US" dirty="0"/>
+              <a:t>… </a:t>
+            </a:r>
+            <a:r>
+              <a:rPr lang="en-US" dirty="0" err="1"/>
+              <a:t>LFDisplay</a:t>
+            </a:r>
+            <a:endParaRPr lang="en-US" dirty="0"/>
+          </a:p>
+          <a:p>
+            <a:pPr marL="0" indent="0">
+              <a:buNone/>
+            </a:pPr>
+            <a:endParaRPr lang="en-US" dirty="0"/>
+          </a:p>
+        </p:txBody>
+      </p:sp>
+    </p:spTree>
+    <p:extLst>
+      <p:ext uri="{BB962C8B-B14F-4D97-AF65-F5344CB8AC3E}">
+        <p14:creationId xmlns:p14="http://schemas.microsoft.com/office/powerpoint/2010/main" val="122391944"/>
+      </p:ext>
+    </p:extLst>
+  </p:cSld>
+  <p:clrMapOvr>
+    <a:masterClrMapping/>
+  </p:clrMapOvr>
+</p:sld>
+</file>
+
+<file path=ppt/slides/slide5.xml><?xml version="1.0" encoding="utf-8"?>
+<p:sld xmlns:a="http://schemas.openxmlformats.org/drawingml/2006/main" xmlns:r="http://schemas.openxmlformats.org/officeDocument/2006/relationships" xmlns:p="http://schemas.openxmlformats.org/presentationml/2006/main">
+  <p:cSld>
+    <p:spTree>
+      <p:nvGrpSpPr>
+        <p:cNvPr id="1" name=""/>
+        <p:cNvGrpSpPr/>
+        <p:nvPr/>
+      </p:nvGrpSpPr>
+      <p:grpSpPr>
+        <a:xfrm>
+          <a:off x="0" y="0"/>
+          <a:ext cx="0" cy="0"/>
+          <a:chOff x="0" y="0"/>
+          <a:chExt cx="0" cy="0"/>
+        </a:xfrm>
+      </p:grpSpPr>
+      <p:sp>
+        <p:nvSpPr>
+          <p:cNvPr id="2" name="Title 1">
+            <a:extLst>
+              <a:ext uri="{FF2B5EF4-FFF2-40B4-BE49-F238E27FC236}">
                 <a16:creationId xmlns:a16="http://schemas.microsoft.com/office/drawing/2014/main" id="{50995853-50A4-4441-8631-AD04BAE8DD40}"/>
               </a:ext>
             </a:extLst>
@@ -4645,7 +5169,7 @@
 </p:sld>
 </file>
 
-<file path=ppt/slides/slide5.xml><?xml version="1.0" encoding="utf-8"?>
+<file path=ppt/slides/slide6.xml><?xml version="1.0" encoding="utf-8"?>
 <p:sld xmlns:a="http://schemas.openxmlformats.org/drawingml/2006/main" xmlns:r="http://schemas.openxmlformats.org/officeDocument/2006/relationships" xmlns:p="http://schemas.openxmlformats.org/presentationml/2006/main">
   <p:cSld>
     <p:spTree>
@@ -5762,154 +6286,6 @@
 </p:sld>
 </file>
 
-<file path=ppt/slides/slide6.xml><?xml version="1.0" encoding="utf-8"?>
-<p:sld xmlns:a="http://schemas.openxmlformats.org/drawingml/2006/main" xmlns:r="http://schemas.openxmlformats.org/officeDocument/2006/relationships" xmlns:p="http://schemas.openxmlformats.org/presentationml/2006/main">
-  <p:cSld>
-    <p:spTree>
-      <p:nvGrpSpPr>
-        <p:cNvPr id="1" name=""/>
-        <p:cNvGrpSpPr/>
-        <p:nvPr/>
-      </p:nvGrpSpPr>
-      <p:grpSpPr>
-        <a:xfrm>
-          <a:off x="0" y="0"/>
-          <a:ext cx="0" cy="0"/>
-          <a:chOff x="0" y="0"/>
-          <a:chExt cx="0" cy="0"/>
-        </a:xfrm>
-      </p:grpSpPr>
-      <p:sp>
-        <p:nvSpPr>
-          <p:cNvPr id="2" name="Title 1">
-            <a:extLst>
-              <a:ext uri="{FF2B5EF4-FFF2-40B4-BE49-F238E27FC236}">
-                <a16:creationId xmlns:a16="http://schemas.microsoft.com/office/drawing/2014/main" id="{67D6FC6F-5AC2-4A63-A3B6-85E53033C53D}"/>
-              </a:ext>
-            </a:extLst>
-          </p:cNvPr>
-          <p:cNvSpPr>
-            <a:spLocks noGrp="1"/>
-          </p:cNvSpPr>
-          <p:nvPr>
-            <p:ph type="title"/>
-          </p:nvPr>
-        </p:nvSpPr>
-        <p:spPr/>
-        <p:txBody>
-          <a:bodyPr/>
-          <a:lstStyle/>
-          <a:p>
-            <a:r>
-              <a:rPr lang="en-US" dirty="0"/>
-              <a:t>Files</a:t>
-            </a:r>
-          </a:p>
-        </p:txBody>
-      </p:sp>
-      <p:sp>
-        <p:nvSpPr>
-          <p:cNvPr id="3" name="Content Placeholder 2">
-            <a:extLst>
-              <a:ext uri="{FF2B5EF4-FFF2-40B4-BE49-F238E27FC236}">
-                <a16:creationId xmlns:a16="http://schemas.microsoft.com/office/drawing/2014/main" id="{FB94CB4E-EE2A-4FF4-9B65-738FC5552F85}"/>
-              </a:ext>
-            </a:extLst>
-          </p:cNvPr>
-          <p:cNvSpPr>
-            <a:spLocks noGrp="1"/>
-          </p:cNvSpPr>
-          <p:nvPr>
-            <p:ph idx="1"/>
-          </p:nvPr>
-        </p:nvSpPr>
-        <p:spPr>
-          <a:xfrm>
-            <a:off x="838200" y="1253331"/>
-            <a:ext cx="5421284" cy="4351338"/>
-          </a:xfrm>
-        </p:spPr>
-        <p:txBody>
-          <a:bodyPr/>
-          <a:lstStyle/>
-          <a:p>
-            <a:r>
-              <a:rPr lang="en-US" dirty="0"/>
-              <a:t>May be files in a folder or datasets contained in HDF5 file.</a:t>
-            </a:r>
-          </a:p>
-          <a:p>
-            <a:r>
-              <a:rPr lang="en-US" dirty="0"/>
-              <a:t>Naming </a:t>
-            </a:r>
-          </a:p>
-          <a:p>
-            <a:pPr lvl="1"/>
-            <a:r>
-              <a:rPr lang="en-US" dirty="0"/>
-              <a:t>Unique &lt;sample&gt; name</a:t>
-            </a:r>
-          </a:p>
-          <a:p>
-            <a:pPr lvl="1"/>
-            <a:r>
-              <a:rPr lang="en-US" dirty="0"/>
-              <a:t>LF metadata file .</a:t>
-            </a:r>
-            <a:r>
-              <a:rPr lang="en-US" dirty="0" err="1"/>
-              <a:t>lfm</a:t>
-            </a:r>
-            <a:r>
-              <a:rPr lang="en-US" dirty="0"/>
-              <a:t>  (text, JSON)</a:t>
-            </a:r>
-          </a:p>
-          <a:p>
-            <a:r>
-              <a:rPr lang="en-US" dirty="0"/>
-              <a:t>Tool to generate </a:t>
-            </a:r>
-            <a:r>
-              <a:rPr lang="en-US" dirty="0" err="1"/>
-              <a:t>LFmeta</a:t>
-            </a:r>
-            <a:endParaRPr lang="en-US" dirty="0"/>
-          </a:p>
-          <a:p>
-            <a:pPr lvl="1"/>
-            <a:r>
-              <a:rPr lang="en-US" dirty="0"/>
-              <a:t>App to fill in values</a:t>
-            </a:r>
-          </a:p>
-          <a:p>
-            <a:pPr lvl="1"/>
-            <a:r>
-              <a:rPr lang="en-US" dirty="0"/>
-              <a:t>acquisition system might create</a:t>
-            </a:r>
-          </a:p>
-          <a:p>
-            <a:pPr lvl="1"/>
-            <a:endParaRPr lang="en-US" dirty="0"/>
-          </a:p>
-        </p:txBody>
-      </p:sp>
-    </p:spTree>
-    <p:extLst>
-      <p:ext uri="{BB962C8B-B14F-4D97-AF65-F5344CB8AC3E}">
-        <p14:creationId xmlns:p14="http://schemas.microsoft.com/office/powerpoint/2010/main" val="4213282226"/>
-      </p:ext>
-    </p:extLst>
-  </p:cSld>
-  <p:clrMapOvr>
-    <a:masterClrMapping/>
-  </p:clrMapOvr>
-</p:sld>
-</file>
-
 <file path=ppt/slides/slide7.xml><?xml version="1.0" encoding="utf-8"?>
 <p:sld xmlns:a="http://schemas.openxmlformats.org/drawingml/2006/main" xmlns:r="http://schemas.openxmlformats.org/officeDocument/2006/relationships" xmlns:p="http://schemas.openxmlformats.org/presentationml/2006/main">
   <p:cSld>
@@ -5929,10 +6305,142 @@
       </p:grpSpPr>
       <p:sp>
         <p:nvSpPr>
+          <p:cNvPr id="13" name="Rectangle 12">
+            <a:extLst>
+              <a:ext uri="{FF2B5EF4-FFF2-40B4-BE49-F238E27FC236}">
+                <a16:creationId xmlns:a16="http://schemas.microsoft.com/office/drawing/2014/main" id="{0D9AB369-60D1-48F8-99C6-C108433DFB14}"/>
+              </a:ext>
+            </a:extLst>
+          </p:cNvPr>
+          <p:cNvSpPr/>
+          <p:nvPr/>
+        </p:nvSpPr>
+        <p:spPr>
+          <a:xfrm>
+            <a:off x="560776" y="1001770"/>
+            <a:ext cx="3547889" cy="5713127"/>
+          </a:xfrm>
+          <a:prstGeom prst="rect">
+            <a:avLst/>
+          </a:prstGeom>
+          <a:solidFill>
+            <a:schemeClr val="accent5">
+              <a:lumMod val="20000"/>
+              <a:lumOff val="80000"/>
+            </a:schemeClr>
+          </a:solidFill>
+        </p:spPr>
+        <p:style>
+          <a:lnRef idx="2">
+            <a:schemeClr val="accent1">
+              <a:shade val="50000"/>
+            </a:schemeClr>
+          </a:lnRef>
+          <a:fillRef idx="1">
+            <a:schemeClr val="accent1"/>
+          </a:fillRef>
+          <a:effectRef idx="0">
+            <a:schemeClr val="accent1"/>
+          </a:effectRef>
+          <a:fontRef idx="minor">
+            <a:schemeClr val="lt1"/>
+          </a:fontRef>
+        </p:style>
+        <p:txBody>
+          <a:bodyPr rtlCol="0" anchor="t" anchorCtr="0"/>
+          <a:lstStyle/>
+          <a:p>
+            <a:r>
+              <a:rPr lang="en-US" sz="1600" dirty="0">
+                <a:solidFill>
+                  <a:schemeClr val="tx1"/>
+                </a:solidFill>
+              </a:rPr>
+              <a:t>&lt;folder or .H5&gt;</a:t>
+            </a:r>
+          </a:p>
+        </p:txBody>
+      </p:sp>
+      <p:sp>
+        <p:nvSpPr>
+          <p:cNvPr id="38" name="Rectangle 37">
+            <a:extLst>
+              <a:ext uri="{FF2B5EF4-FFF2-40B4-BE49-F238E27FC236}">
+                <a16:creationId xmlns:a16="http://schemas.microsoft.com/office/drawing/2014/main" id="{2E61F0B0-C2A4-4023-8F52-39606529FF4A}"/>
+              </a:ext>
+            </a:extLst>
+          </p:cNvPr>
+          <p:cNvSpPr/>
+          <p:nvPr/>
+        </p:nvSpPr>
+        <p:spPr>
+          <a:xfrm>
+            <a:off x="667414" y="4148053"/>
+            <a:ext cx="3303438" cy="1916135"/>
+          </a:xfrm>
+          <a:prstGeom prst="rect">
+            <a:avLst/>
+          </a:prstGeom>
+          <a:solidFill>
+            <a:schemeClr val="accent5">
+              <a:lumMod val="20000"/>
+              <a:lumOff val="80000"/>
+            </a:schemeClr>
+          </a:solidFill>
+        </p:spPr>
+        <p:style>
+          <a:lnRef idx="2">
+            <a:schemeClr val="accent1">
+              <a:shade val="50000"/>
+            </a:schemeClr>
+          </a:lnRef>
+          <a:fillRef idx="1">
+            <a:schemeClr val="accent1"/>
+          </a:fillRef>
+          <a:effectRef idx="0">
+            <a:schemeClr val="accent1"/>
+          </a:effectRef>
+          <a:fontRef idx="minor">
+            <a:schemeClr val="lt1"/>
+          </a:fontRef>
+        </p:style>
+        <p:txBody>
+          <a:bodyPr rtlCol="0" anchor="t" anchorCtr="0"/>
+          <a:lstStyle/>
+          <a:p>
+            <a:r>
+              <a:rPr lang="en-US" sz="1600" dirty="0">
+                <a:solidFill>
+                  <a:schemeClr val="tx1"/>
+                </a:solidFill>
+              </a:rPr>
+              <a:t>&lt;</a:t>
+            </a:r>
+            <a:r>
+              <a:rPr lang="en-US" sz="1600" dirty="0" err="1">
+                <a:solidFill>
+                  <a:schemeClr val="tx1"/>
+                </a:solidFill>
+              </a:rPr>
+              <a:t>SampleSet</a:t>
+            </a:r>
+            <a:r>
+              <a:rPr lang="en-US" sz="1600" dirty="0">
+                <a:solidFill>
+                  <a:schemeClr val="tx1"/>
+                </a:solidFill>
+              </a:rPr>
+              <a:t>&gt;</a:t>
+            </a:r>
+          </a:p>
+        </p:txBody>
+      </p:sp>
+      <p:sp>
+        <p:nvSpPr>
           <p:cNvPr id="2" name="Title 1">
             <a:extLst>
               <a:ext uri="{FF2B5EF4-FFF2-40B4-BE49-F238E27FC236}">
-                <a16:creationId xmlns:a16="http://schemas.microsoft.com/office/drawing/2014/main" id="{C0150A12-CE1F-4E08-A388-8062653CE10C}"/>
+                <a16:creationId xmlns:a16="http://schemas.microsoft.com/office/drawing/2014/main" id="{CA0BC0C2-A60C-4330-9853-B745E7D136E1}"/>
               </a:ext>
             </a:extLst>
           </p:cNvPr>
@@ -5943,131 +6451,1376 @@
             <p:ph type="title"/>
           </p:nvPr>
         </p:nvSpPr>
-        <p:spPr/>
-        <p:txBody>
-          <a:bodyPr/>
-          <a:lstStyle/>
-          <a:p>
-            <a:r>
-              <a:rPr lang="en-US" dirty="0"/>
-              <a:t>GUI</a:t>
-            </a:r>
-          </a:p>
-        </p:txBody>
-      </p:sp>
-      <p:sp>
-        <p:nvSpPr>
-          <p:cNvPr id="3" name="Content Placeholder 2">
-            <a:extLst>
-              <a:ext uri="{FF2B5EF4-FFF2-40B4-BE49-F238E27FC236}">
-                <a16:creationId xmlns:a16="http://schemas.microsoft.com/office/drawing/2014/main" id="{64DEBA9F-14FB-4B75-B94E-1AA4B075D57A}"/>
-              </a:ext>
-            </a:extLst>
-          </p:cNvPr>
-          <p:cNvSpPr>
-            <a:spLocks noGrp="1"/>
-          </p:cNvSpPr>
-          <p:nvPr>
-            <p:ph idx="1"/>
-          </p:nvPr>
-        </p:nvSpPr>
         <p:spPr>
           <a:xfrm>
-            <a:off x="838200" y="1825625"/>
-            <a:ext cx="8901418" cy="4351338"/>
+            <a:off x="177472" y="90440"/>
+            <a:ext cx="5257800" cy="698904"/>
           </a:xfrm>
         </p:spPr>
         <p:txBody>
-          <a:bodyPr/>
+          <a:bodyPr>
+            <a:normAutofit/>
+          </a:bodyPr>
           <a:lstStyle/>
           <a:p>
             <a:r>
               <a:rPr lang="en-US" dirty="0"/>
-              <a:t>Leveraging </a:t>
-            </a:r>
-            <a:r>
-              <a:rPr lang="en-US" dirty="0" err="1"/>
-              <a:t>napari</a:t>
-            </a:r>
-            <a:r>
-              <a:rPr lang="en-US" dirty="0"/>
-              <a:t> infrastructure…</a:t>
-            </a:r>
-          </a:p>
-          <a:p>
-            <a:r>
-              <a:rPr lang="en-US" dirty="0"/>
-              <a:t>GUI</a:t>
-            </a:r>
-          </a:p>
-          <a:p>
-            <a:pPr lvl="1"/>
-            <a:r>
-              <a:rPr lang="en-US" dirty="0" err="1"/>
-              <a:t>MagicGUI</a:t>
-            </a:r>
-            <a:endParaRPr lang="en-US" dirty="0"/>
-          </a:p>
-          <a:p>
-            <a:pPr lvl="1"/>
-            <a:r>
-              <a:rPr lang="en-US" dirty="0" err="1"/>
-              <a:t>QtPy</a:t>
-            </a:r>
-            <a:r>
-              <a:rPr lang="en-US" dirty="0"/>
-              <a:t> (abstraction layer over </a:t>
-            </a:r>
-            <a:r>
-              <a:rPr lang="en-US" dirty="0" err="1"/>
-              <a:t>PyQT</a:t>
-            </a:r>
-            <a:r>
-              <a:rPr lang="en-US" dirty="0"/>
-              <a:t>, </a:t>
-            </a:r>
-            <a:r>
-              <a:rPr lang="en-US" dirty="0" err="1"/>
-              <a:t>PySide</a:t>
-            </a:r>
-            <a:r>
-              <a:rPr lang="en-US" dirty="0"/>
+              <a:t>Data Objects</a:t>
+            </a:r>
+          </a:p>
+        </p:txBody>
+      </p:sp>
+      <p:sp>
+        <p:nvSpPr>
+          <p:cNvPr id="4" name="Rectangle 3">
+            <a:extLst>
+              <a:ext uri="{FF2B5EF4-FFF2-40B4-BE49-F238E27FC236}">
+                <a16:creationId xmlns:a16="http://schemas.microsoft.com/office/drawing/2014/main" id="{423E4713-E4EB-48D5-8A1A-3CD042DE6F0C}"/>
+              </a:ext>
+            </a:extLst>
+          </p:cNvPr>
+          <p:cNvSpPr/>
+          <p:nvPr/>
+        </p:nvSpPr>
+        <p:spPr>
+          <a:xfrm>
+            <a:off x="783984" y="3367005"/>
+            <a:ext cx="1355371" cy="428455"/>
+          </a:xfrm>
+          <a:prstGeom prst="rect">
+            <a:avLst/>
+          </a:prstGeom>
+        </p:spPr>
+        <p:style>
+          <a:lnRef idx="1">
+            <a:schemeClr val="accent3"/>
+          </a:lnRef>
+          <a:fillRef idx="2">
+            <a:schemeClr val="accent3"/>
+          </a:fillRef>
+          <a:effectRef idx="1">
+            <a:schemeClr val="accent3"/>
+          </a:effectRef>
+          <a:fontRef idx="minor">
+            <a:schemeClr val="dk1"/>
+          </a:fontRef>
+        </p:style>
+        <p:txBody>
+          <a:bodyPr rtlCol="0" anchor="ctr"/>
+          <a:lstStyle/>
+          <a:p>
+            <a:pPr algn="ctr"/>
+            <a:r>
+              <a:rPr lang="en-US" sz="1400" dirty="0" err="1"/>
+              <a:t>DarkImage</a:t>
+            </a:r>
+            <a:endParaRPr lang="en-US" sz="1400" dirty="0"/>
+          </a:p>
+        </p:txBody>
+      </p:sp>
+      <p:sp>
+        <p:nvSpPr>
+          <p:cNvPr id="5" name="Rectangle 4">
+            <a:extLst>
+              <a:ext uri="{FF2B5EF4-FFF2-40B4-BE49-F238E27FC236}">
+                <a16:creationId xmlns:a16="http://schemas.microsoft.com/office/drawing/2014/main" id="{F3B81310-76D8-48AA-9063-713ED4170689}"/>
+              </a:ext>
+            </a:extLst>
+          </p:cNvPr>
+          <p:cNvSpPr/>
+          <p:nvPr/>
+        </p:nvSpPr>
+        <p:spPr>
+          <a:xfrm>
+            <a:off x="805229" y="2704105"/>
+            <a:ext cx="1355371" cy="465218"/>
+          </a:xfrm>
+          <a:prstGeom prst="rect">
+            <a:avLst/>
+          </a:prstGeom>
+        </p:spPr>
+        <p:style>
+          <a:lnRef idx="1">
+            <a:schemeClr val="accent3"/>
+          </a:lnRef>
+          <a:fillRef idx="2">
+            <a:schemeClr val="accent3"/>
+          </a:fillRef>
+          <a:effectRef idx="1">
+            <a:schemeClr val="accent3"/>
+          </a:effectRef>
+          <a:fontRef idx="minor">
+            <a:schemeClr val="dk1"/>
+          </a:fontRef>
+        </p:style>
+        <p:txBody>
+          <a:bodyPr rtlCol="0" anchor="ctr"/>
+          <a:lstStyle/>
+          <a:p>
+            <a:pPr algn="ctr"/>
+            <a:r>
+              <a:rPr lang="en-US" sz="1400" dirty="0" err="1"/>
+              <a:t>WhiteImage</a:t>
+            </a:r>
+            <a:endParaRPr lang="en-US" sz="1400" dirty="0"/>
+          </a:p>
+        </p:txBody>
+      </p:sp>
+      <p:sp>
+        <p:nvSpPr>
+          <p:cNvPr id="6" name="Flowchart: Multidocument 5">
+            <a:extLst>
+              <a:ext uri="{FF2B5EF4-FFF2-40B4-BE49-F238E27FC236}">
+                <a16:creationId xmlns:a16="http://schemas.microsoft.com/office/drawing/2014/main" id="{5A3AF9BA-51AB-44A7-B1D7-38C6142F6AB0}"/>
+              </a:ext>
+            </a:extLst>
+          </p:cNvPr>
+          <p:cNvSpPr/>
+          <p:nvPr/>
+        </p:nvSpPr>
+        <p:spPr>
+          <a:xfrm>
+            <a:off x="2382124" y="5502729"/>
+            <a:ext cx="1093295" cy="468759"/>
+          </a:xfrm>
+          <a:prstGeom prst="flowChartMultidocument">
+            <a:avLst/>
+          </a:prstGeom>
+          <a:solidFill>
+            <a:schemeClr val="accent1">
+              <a:lumMod val="40000"/>
+              <a:lumOff val="60000"/>
+            </a:schemeClr>
+          </a:solidFill>
+        </p:spPr>
+        <p:style>
+          <a:lnRef idx="1">
+            <a:schemeClr val="accent3"/>
+          </a:lnRef>
+          <a:fillRef idx="2">
+            <a:schemeClr val="accent3"/>
+          </a:fillRef>
+          <a:effectRef idx="1">
+            <a:schemeClr val="accent3"/>
+          </a:effectRef>
+          <a:fontRef idx="minor">
+            <a:schemeClr val="dk1"/>
+          </a:fontRef>
+        </p:style>
+        <p:txBody>
+          <a:bodyPr rtlCol="0" anchor="ctr"/>
+          <a:lstStyle/>
+          <a:p>
+            <a:pPr algn="ctr"/>
+            <a:r>
+              <a:rPr lang="en-US" sz="1100" dirty="0"/>
+              <a:t>S</a:t>
+            </a:r>
+            <a:r>
+              <a:rPr lang="en-US" sz="1100" dirty="0">
+                <a:solidFill>
+                  <a:schemeClr val="dk1"/>
+                </a:solidFill>
+              </a:rPr>
+              <a:t>tack</a:t>
+            </a:r>
+          </a:p>
+        </p:txBody>
+      </p:sp>
+      <p:sp>
+        <p:nvSpPr>
+          <p:cNvPr id="7" name="Rectangle 6">
+            <a:extLst>
+              <a:ext uri="{FF2B5EF4-FFF2-40B4-BE49-F238E27FC236}">
+                <a16:creationId xmlns:a16="http://schemas.microsoft.com/office/drawing/2014/main" id="{243CE375-53FA-4663-8A8F-D6BC745FBBD7}"/>
+              </a:ext>
+            </a:extLst>
+          </p:cNvPr>
+          <p:cNvSpPr/>
+          <p:nvPr/>
+        </p:nvSpPr>
+        <p:spPr>
+          <a:xfrm>
+            <a:off x="805229" y="4559821"/>
+            <a:ext cx="1351270" cy="563183"/>
+          </a:xfrm>
+          <a:prstGeom prst="rect">
+            <a:avLst/>
+          </a:prstGeom>
+          <a:scene3d>
+            <a:camera prst="orthographicFront"/>
+            <a:lightRig rig="threePt" dir="t"/>
+          </a:scene3d>
+          <a:sp3d>
+            <a:bevelB/>
+          </a:sp3d>
+        </p:spPr>
+        <p:style>
+          <a:lnRef idx="1">
+            <a:schemeClr val="accent3"/>
+          </a:lnRef>
+          <a:fillRef idx="2">
+            <a:schemeClr val="accent3"/>
+          </a:fillRef>
+          <a:effectRef idx="1">
+            <a:schemeClr val="accent3"/>
+          </a:effectRef>
+          <a:fontRef idx="minor">
+            <a:schemeClr val="dk1"/>
+          </a:fontRef>
+        </p:style>
+        <p:txBody>
+          <a:bodyPr rtlCol="0" anchor="ctr"/>
+          <a:lstStyle/>
+          <a:p>
+            <a:pPr algn="ctr"/>
+            <a:r>
+              <a:rPr lang="en-US" sz="1400" dirty="0" err="1"/>
+              <a:t>RawLFImage</a:t>
+            </a:r>
+            <a:endParaRPr lang="en-US" sz="1400" dirty="0"/>
+          </a:p>
+        </p:txBody>
+      </p:sp>
+      <p:sp>
+        <p:nvSpPr>
+          <p:cNvPr id="8" name="Rectangle 7">
+            <a:extLst>
+              <a:ext uri="{FF2B5EF4-FFF2-40B4-BE49-F238E27FC236}">
+                <a16:creationId xmlns:a16="http://schemas.microsoft.com/office/drawing/2014/main" id="{96A619A5-9983-4B14-BE00-399436F768F4}"/>
+              </a:ext>
+            </a:extLst>
+          </p:cNvPr>
+          <p:cNvSpPr/>
+          <p:nvPr/>
+        </p:nvSpPr>
+        <p:spPr>
+          <a:xfrm>
+            <a:off x="805229" y="1704834"/>
+            <a:ext cx="1355371" cy="495307"/>
+          </a:xfrm>
+          <a:prstGeom prst="rect">
+            <a:avLst/>
+          </a:prstGeom>
+        </p:spPr>
+        <p:style>
+          <a:lnRef idx="1">
+            <a:schemeClr val="accent3"/>
+          </a:lnRef>
+          <a:fillRef idx="2">
+            <a:schemeClr val="accent3"/>
+          </a:fillRef>
+          <a:effectRef idx="1">
+            <a:schemeClr val="accent3"/>
+          </a:effectRef>
+          <a:fontRef idx="minor">
+            <a:schemeClr val="dk1"/>
+          </a:fontRef>
+        </p:style>
+        <p:txBody>
+          <a:bodyPr rtlCol="0" anchor="t" anchorCtr="0"/>
+          <a:lstStyle/>
+          <a:p>
+            <a:pPr algn="ctr"/>
+            <a:r>
+              <a:rPr lang="en-US" sz="1400" dirty="0" err="1"/>
+              <a:t>metadata.lfm</a:t>
+            </a:r>
+            <a:endParaRPr lang="en-US" sz="1400" dirty="0"/>
+          </a:p>
+          <a:p>
+            <a:pPr algn="ctr"/>
+            <a:r>
+              <a:rPr lang="en-US" sz="1400" dirty="0"/>
+              <a:t>(.</a:t>
+            </a:r>
+            <a:r>
+              <a:rPr lang="en-US" sz="1400" dirty="0" err="1"/>
+              <a:t>json</a:t>
+            </a:r>
+            <a:r>
+              <a:rPr lang="en-US" sz="1400" dirty="0"/>
               <a:t>)</a:t>
             </a:r>
           </a:p>
           <a:p>
-            <a:pPr lvl="1"/>
-            <a:r>
-              <a:rPr lang="en-US" dirty="0"/>
-              <a:t>Leverage </a:t>
-            </a:r>
-            <a:r>
-              <a:rPr lang="en-US" dirty="0" err="1"/>
-              <a:t>VizPy</a:t>
-            </a:r>
-            <a:r>
-              <a:rPr lang="en-US" dirty="0"/>
-              <a:t>, Scikit-image, …</a:t>
-            </a:r>
-          </a:p>
-          <a:p>
-            <a:pPr lvl="1"/>
-            <a:endParaRPr lang="en-US" dirty="0"/>
-          </a:p>
-          <a:p>
-            <a:pPr lvl="1"/>
-            <a:endParaRPr lang="en-US" dirty="0" err="1"/>
-          </a:p>
-          <a:p>
-            <a:r>
-              <a:rPr lang="en-US" dirty="0"/>
-              <a:t>(Later…) Acquisition, camera control, drivers </a:t>
-            </a:r>
-            <a:r>
-              <a:rPr lang="en-US" dirty="0">
-                <a:sym typeface="Wingdings" panose="05000000000000000000" pitchFamily="2" charset="2"/>
+            <a:pPr algn="ctr"/>
+            <a:endParaRPr lang="en-US" sz="1400" dirty="0"/>
+          </a:p>
+        </p:txBody>
+      </p:sp>
+      <p:sp>
+        <p:nvSpPr>
+          <p:cNvPr id="10" name="Rectangle 9">
+            <a:extLst>
+              <a:ext uri="{FF2B5EF4-FFF2-40B4-BE49-F238E27FC236}">
+                <a16:creationId xmlns:a16="http://schemas.microsoft.com/office/drawing/2014/main" id="{AA56F151-3F2B-4C21-AB51-872661358C0D}"/>
+              </a:ext>
+            </a:extLst>
+          </p:cNvPr>
+          <p:cNvSpPr/>
+          <p:nvPr/>
+        </p:nvSpPr>
+        <p:spPr>
+          <a:xfrm>
+            <a:off x="2458974" y="1670330"/>
+            <a:ext cx="1323974" cy="593098"/>
+          </a:xfrm>
+          <a:prstGeom prst="rect">
+            <a:avLst/>
+          </a:prstGeom>
+          <a:solidFill>
+            <a:schemeClr val="accent1">
+              <a:lumMod val="40000"/>
+              <a:lumOff val="60000"/>
+            </a:schemeClr>
+          </a:solidFill>
+        </p:spPr>
+        <p:style>
+          <a:lnRef idx="1">
+            <a:schemeClr val="accent3"/>
+          </a:lnRef>
+          <a:fillRef idx="2">
+            <a:schemeClr val="accent3"/>
+          </a:fillRef>
+          <a:effectRef idx="1">
+            <a:schemeClr val="accent3"/>
+          </a:effectRef>
+          <a:fontRef idx="minor">
+            <a:schemeClr val="dk1"/>
+          </a:fontRef>
+        </p:style>
+        <p:txBody>
+          <a:bodyPr rtlCol="0" anchor="ctr"/>
+          <a:lstStyle/>
+          <a:p>
+            <a:pPr algn="ctr"/>
+            <a:r>
+              <a:rPr lang="en-US" sz="1400" dirty="0"/>
+              <a:t>Calibration file</a:t>
+            </a:r>
+          </a:p>
+          <a:p>
+            <a:pPr algn="ctr"/>
+            <a:r>
+              <a:rPr lang="en-US" sz="1400" dirty="0"/>
+              <a:t>.</a:t>
+            </a:r>
+            <a:r>
+              <a:rPr lang="en-US" sz="1400" dirty="0" err="1"/>
+              <a:t>lfc</a:t>
+            </a:r>
+            <a:endParaRPr lang="en-US" sz="1400" dirty="0"/>
+          </a:p>
+        </p:txBody>
+      </p:sp>
+      <p:cxnSp>
+        <p:nvCxnSpPr>
+          <p:cNvPr id="17" name="Straight Arrow Connector 16">
+            <a:extLst>
+              <a:ext uri="{FF2B5EF4-FFF2-40B4-BE49-F238E27FC236}">
+                <a16:creationId xmlns:a16="http://schemas.microsoft.com/office/drawing/2014/main" id="{9A4C4FEB-96DF-4981-AE6F-37497504BDC6}"/>
+              </a:ext>
+            </a:extLst>
+          </p:cNvPr>
+          <p:cNvCxnSpPr>
+            <a:cxnSpLocks/>
+          </p:cNvCxnSpPr>
+          <p:nvPr/>
+        </p:nvCxnSpPr>
+        <p:spPr>
+          <a:xfrm>
+            <a:off x="10147005" y="1095327"/>
+            <a:ext cx="930260" cy="1442669"/>
+          </a:xfrm>
+          <a:prstGeom prst="straightConnector1">
+            <a:avLst/>
+          </a:prstGeom>
+          <a:ln>
+            <a:tailEnd type="triangle"/>
+          </a:ln>
+        </p:spPr>
+        <p:style>
+          <a:lnRef idx="1">
+            <a:schemeClr val="accent1"/>
+          </a:lnRef>
+          <a:fillRef idx="0">
+            <a:schemeClr val="accent1"/>
+          </a:fillRef>
+          <a:effectRef idx="0">
+            <a:schemeClr val="accent1"/>
+          </a:effectRef>
+          <a:fontRef idx="minor">
+            <a:schemeClr val="tx1"/>
+          </a:fontRef>
+        </p:style>
+      </p:cxnSp>
+      <p:sp>
+        <p:nvSpPr>
+          <p:cNvPr id="20" name="Rectangle 19">
+            <a:extLst>
+              <a:ext uri="{FF2B5EF4-FFF2-40B4-BE49-F238E27FC236}">
+                <a16:creationId xmlns:a16="http://schemas.microsoft.com/office/drawing/2014/main" id="{92CB2296-F107-44B8-AE8D-5276982148A9}"/>
+              </a:ext>
+            </a:extLst>
+          </p:cNvPr>
+          <p:cNvSpPr/>
+          <p:nvPr/>
+        </p:nvSpPr>
+        <p:spPr>
+          <a:xfrm>
+            <a:off x="2434908" y="3370750"/>
+            <a:ext cx="1358770" cy="465218"/>
+          </a:xfrm>
+          <a:prstGeom prst="rect">
+            <a:avLst/>
+          </a:prstGeom>
+          <a:solidFill>
+            <a:schemeClr val="accent1">
+              <a:lumMod val="40000"/>
+              <a:lumOff val="60000"/>
+            </a:schemeClr>
+          </a:solidFill>
+        </p:spPr>
+        <p:style>
+          <a:lnRef idx="1">
+            <a:schemeClr val="accent3"/>
+          </a:lnRef>
+          <a:fillRef idx="2">
+            <a:schemeClr val="accent3"/>
+          </a:fillRef>
+          <a:effectRef idx="1">
+            <a:schemeClr val="accent3"/>
+          </a:effectRef>
+          <a:fontRef idx="minor">
+            <a:schemeClr val="dk1"/>
+          </a:fontRef>
+        </p:style>
+        <p:txBody>
+          <a:bodyPr rtlCol="0" anchor="ctr"/>
+          <a:lstStyle/>
+          <a:p>
+            <a:pPr algn="ctr"/>
+            <a:r>
+              <a:rPr lang="en-US" sz="1200" dirty="0"/>
+              <a:t>Perspective</a:t>
+            </a:r>
+          </a:p>
+          <a:p>
+            <a:pPr algn="ctr"/>
+            <a:r>
+              <a:rPr lang="en-US" sz="1200" dirty="0"/>
+              <a:t>(</a:t>
+            </a:r>
+            <a:r>
+              <a:rPr lang="en-US" sz="1200" dirty="0" err="1"/>
+              <a:t>subaperture</a:t>
+            </a:r>
+            <a:r>
+              <a:rPr lang="en-US" sz="1200" dirty="0"/>
+              <a:t>)</a:t>
+            </a:r>
+          </a:p>
+        </p:txBody>
+      </p:sp>
+      <p:sp>
+        <p:nvSpPr>
+          <p:cNvPr id="36" name="Rectangle 35">
+            <a:extLst>
+              <a:ext uri="{FF2B5EF4-FFF2-40B4-BE49-F238E27FC236}">
+                <a16:creationId xmlns:a16="http://schemas.microsoft.com/office/drawing/2014/main" id="{39AEE4A3-727E-4EB4-9670-D4868D56CD34}"/>
+              </a:ext>
+            </a:extLst>
+          </p:cNvPr>
+          <p:cNvSpPr/>
+          <p:nvPr/>
+        </p:nvSpPr>
+        <p:spPr>
+          <a:xfrm>
+            <a:off x="2424178" y="2812465"/>
+            <a:ext cx="1358770" cy="465218"/>
+          </a:xfrm>
+          <a:prstGeom prst="rect">
+            <a:avLst/>
+          </a:prstGeom>
+          <a:solidFill>
+            <a:schemeClr val="accent1">
+              <a:lumMod val="40000"/>
+              <a:lumOff val="60000"/>
+            </a:schemeClr>
+          </a:solidFill>
+        </p:spPr>
+        <p:style>
+          <a:lnRef idx="1">
+            <a:schemeClr val="accent3"/>
+          </a:lnRef>
+          <a:fillRef idx="2">
+            <a:schemeClr val="accent3"/>
+          </a:fillRef>
+          <a:effectRef idx="1">
+            <a:schemeClr val="accent3"/>
+          </a:effectRef>
+          <a:fontRef idx="minor">
+            <a:schemeClr val="dk1"/>
+          </a:fontRef>
+        </p:style>
+        <p:txBody>
+          <a:bodyPr rtlCol="0" anchor="ctr"/>
+          <a:lstStyle/>
+          <a:p>
+            <a:pPr algn="ctr"/>
+            <a:r>
+              <a:rPr lang="en-US" sz="1400" dirty="0"/>
+              <a:t>Rectified</a:t>
+            </a:r>
+          </a:p>
+        </p:txBody>
+      </p:sp>
+      <p:sp>
+        <p:nvSpPr>
+          <p:cNvPr id="39" name="Rectangle: Rounded Corners 38">
+            <a:extLst>
+              <a:ext uri="{FF2B5EF4-FFF2-40B4-BE49-F238E27FC236}">
+                <a16:creationId xmlns:a16="http://schemas.microsoft.com/office/drawing/2014/main" id="{89AE327D-A5FF-4AC4-87A4-22FDC1FF15DD}"/>
+              </a:ext>
+            </a:extLst>
+          </p:cNvPr>
+          <p:cNvSpPr/>
+          <p:nvPr/>
+        </p:nvSpPr>
+        <p:spPr>
+          <a:xfrm>
+            <a:off x="4718619" y="847435"/>
+            <a:ext cx="1938283" cy="530713"/>
+          </a:xfrm>
+          <a:prstGeom prst="roundRect">
+            <a:avLst/>
+          </a:prstGeom>
+        </p:spPr>
+        <p:style>
+          <a:lnRef idx="2">
+            <a:schemeClr val="accent1">
+              <a:shade val="50000"/>
+            </a:schemeClr>
+          </a:lnRef>
+          <a:fillRef idx="1">
+            <a:schemeClr val="accent1"/>
+          </a:fillRef>
+          <a:effectRef idx="0">
+            <a:schemeClr val="accent1"/>
+          </a:effectRef>
+          <a:fontRef idx="minor">
+            <a:schemeClr val="lt1"/>
+          </a:fontRef>
+        </p:style>
+        <p:txBody>
+          <a:bodyPr rtlCol="0" anchor="ctr"/>
+          <a:lstStyle/>
+          <a:p>
+            <a:pPr algn="ctr"/>
+            <a:r>
+              <a:rPr lang="en-US" sz="1400" dirty="0"/>
+              <a:t>Input/adjust Metadata</a:t>
+            </a:r>
+          </a:p>
+          <a:p>
+            <a:pPr algn="ctr"/>
+            <a:r>
+              <a:rPr lang="en-US" sz="1400" dirty="0"/>
+              <a:t>Defaults/file</a:t>
+            </a:r>
+          </a:p>
+        </p:txBody>
+      </p:sp>
+      <p:sp>
+        <p:nvSpPr>
+          <p:cNvPr id="40" name="Rectangle: Rounded Corners 39">
+            <a:extLst>
+              <a:ext uri="{FF2B5EF4-FFF2-40B4-BE49-F238E27FC236}">
+                <a16:creationId xmlns:a16="http://schemas.microsoft.com/office/drawing/2014/main" id="{6CD041A5-76AE-4544-90D8-61BE70359281}"/>
+              </a:ext>
+            </a:extLst>
+          </p:cNvPr>
+          <p:cNvSpPr/>
+          <p:nvPr/>
+        </p:nvSpPr>
+        <p:spPr>
+          <a:xfrm>
+            <a:off x="4722864" y="1485759"/>
+            <a:ext cx="1938283" cy="530713"/>
+          </a:xfrm>
+          <a:prstGeom prst="roundRect">
+            <a:avLst/>
+          </a:prstGeom>
+        </p:spPr>
+        <p:style>
+          <a:lnRef idx="2">
+            <a:schemeClr val="accent1">
+              <a:shade val="50000"/>
+            </a:schemeClr>
+          </a:lnRef>
+          <a:fillRef idx="1">
+            <a:schemeClr val="accent1"/>
+          </a:fillRef>
+          <a:effectRef idx="0">
+            <a:schemeClr val="accent1"/>
+          </a:effectRef>
+          <a:fontRef idx="minor">
+            <a:schemeClr val="lt1"/>
+          </a:fontRef>
+        </p:style>
+        <p:txBody>
+          <a:bodyPr rtlCol="0" anchor="ctr"/>
+          <a:lstStyle/>
+          <a:p>
+            <a:pPr algn="ctr"/>
+            <a:r>
+              <a:rPr lang="en-US" sz="1400" dirty="0"/>
+              <a:t>Select White &amp; Dark</a:t>
+            </a:r>
+          </a:p>
+        </p:txBody>
+      </p:sp>
+      <p:sp>
+        <p:nvSpPr>
+          <p:cNvPr id="41" name="Rectangle: Rounded Corners 40">
+            <a:extLst>
+              <a:ext uri="{FF2B5EF4-FFF2-40B4-BE49-F238E27FC236}">
+                <a16:creationId xmlns:a16="http://schemas.microsoft.com/office/drawing/2014/main" id="{DD9EDBEF-D7D4-4E7B-964E-4C68A300D099}"/>
+              </a:ext>
+            </a:extLst>
+          </p:cNvPr>
+          <p:cNvSpPr/>
+          <p:nvPr/>
+        </p:nvSpPr>
+        <p:spPr>
+          <a:xfrm>
+            <a:off x="4718619" y="2215070"/>
+            <a:ext cx="1938283" cy="530713"/>
+          </a:xfrm>
+          <a:prstGeom prst="roundRect">
+            <a:avLst/>
+          </a:prstGeom>
+        </p:spPr>
+        <p:style>
+          <a:lnRef idx="2">
+            <a:schemeClr val="accent1">
+              <a:shade val="50000"/>
+            </a:schemeClr>
+          </a:lnRef>
+          <a:fillRef idx="1">
+            <a:schemeClr val="accent1"/>
+          </a:fillRef>
+          <a:effectRef idx="0">
+            <a:schemeClr val="accent1"/>
+          </a:effectRef>
+          <a:fontRef idx="minor">
+            <a:schemeClr val="lt1"/>
+          </a:fontRef>
+        </p:style>
+        <p:txBody>
+          <a:bodyPr rtlCol="0" anchor="ctr"/>
+          <a:lstStyle/>
+          <a:p>
+            <a:pPr algn="ctr"/>
+            <a:r>
+              <a:rPr lang="en-US" sz="1400" dirty="0"/>
+              <a:t>Calibrate</a:t>
+            </a:r>
+          </a:p>
+        </p:txBody>
+      </p:sp>
+      <p:sp>
+        <p:nvSpPr>
+          <p:cNvPr id="42" name="Rectangle: Rounded Corners 41">
+            <a:extLst>
+              <a:ext uri="{FF2B5EF4-FFF2-40B4-BE49-F238E27FC236}">
+                <a16:creationId xmlns:a16="http://schemas.microsoft.com/office/drawing/2014/main" id="{98E4348C-AE4E-49C7-B1C1-3F015B83DF22}"/>
+              </a:ext>
+            </a:extLst>
+          </p:cNvPr>
+          <p:cNvSpPr/>
+          <p:nvPr/>
+        </p:nvSpPr>
+        <p:spPr>
+          <a:xfrm>
+            <a:off x="4699955" y="2974732"/>
+            <a:ext cx="1938281" cy="336807"/>
+          </a:xfrm>
+          <a:prstGeom prst="roundRect">
+            <a:avLst/>
+          </a:prstGeom>
+        </p:spPr>
+        <p:style>
+          <a:lnRef idx="2">
+            <a:schemeClr val="accent1">
+              <a:shade val="50000"/>
+            </a:schemeClr>
+          </a:lnRef>
+          <a:fillRef idx="1">
+            <a:schemeClr val="accent1"/>
+          </a:fillRef>
+          <a:effectRef idx="0">
+            <a:schemeClr val="accent1"/>
+          </a:effectRef>
+          <a:fontRef idx="minor">
+            <a:schemeClr val="lt1"/>
+          </a:fontRef>
+        </p:style>
+        <p:txBody>
+          <a:bodyPr rtlCol="0" anchor="ctr"/>
+          <a:lstStyle/>
+          <a:p>
+            <a:pPr algn="ctr"/>
+            <a:r>
+              <a:rPr lang="en-US" sz="1400" dirty="0"/>
+              <a:t>Select </a:t>
+            </a:r>
+            <a:r>
+              <a:rPr lang="en-US" sz="1400" dirty="0" err="1"/>
+              <a:t>RawLF</a:t>
+            </a:r>
+            <a:r>
+              <a:rPr lang="en-US" sz="1400" dirty="0"/>
+              <a:t>(s)</a:t>
+            </a:r>
+          </a:p>
+        </p:txBody>
+      </p:sp>
+      <p:sp>
+        <p:nvSpPr>
+          <p:cNvPr id="43" name="Rectangle: Rounded Corners 42">
+            <a:extLst>
+              <a:ext uri="{FF2B5EF4-FFF2-40B4-BE49-F238E27FC236}">
+                <a16:creationId xmlns:a16="http://schemas.microsoft.com/office/drawing/2014/main" id="{BF22F266-45C2-4F78-B5D0-270CF5C30875}"/>
+              </a:ext>
+            </a:extLst>
+          </p:cNvPr>
+          <p:cNvSpPr/>
+          <p:nvPr/>
+        </p:nvSpPr>
+        <p:spPr>
+          <a:xfrm>
+            <a:off x="4699955" y="3442198"/>
+            <a:ext cx="1938283" cy="336807"/>
+          </a:xfrm>
+          <a:prstGeom prst="roundRect">
+            <a:avLst/>
+          </a:prstGeom>
+        </p:spPr>
+        <p:style>
+          <a:lnRef idx="2">
+            <a:schemeClr val="accent1">
+              <a:shade val="50000"/>
+            </a:schemeClr>
+          </a:lnRef>
+          <a:fillRef idx="1">
+            <a:schemeClr val="accent1"/>
+          </a:fillRef>
+          <a:effectRef idx="0">
+            <a:schemeClr val="accent1"/>
+          </a:effectRef>
+          <a:fontRef idx="minor">
+            <a:schemeClr val="lt1"/>
+          </a:fontRef>
+        </p:style>
+        <p:txBody>
+          <a:bodyPr rtlCol="0" anchor="ctr"/>
+          <a:lstStyle/>
+          <a:p>
+            <a:pPr algn="ctr"/>
+            <a:r>
+              <a:rPr lang="en-US" sz="1400" dirty="0"/>
+              <a:t>View Rectified</a:t>
+            </a:r>
+          </a:p>
+        </p:txBody>
+      </p:sp>
+      <p:sp>
+        <p:nvSpPr>
+          <p:cNvPr id="44" name="Rectangle: Rounded Corners 43">
+            <a:extLst>
+              <a:ext uri="{FF2B5EF4-FFF2-40B4-BE49-F238E27FC236}">
+                <a16:creationId xmlns:a16="http://schemas.microsoft.com/office/drawing/2014/main" id="{1EFABD17-8C7A-4C1C-A226-66659625DB03}"/>
+              </a:ext>
+            </a:extLst>
+          </p:cNvPr>
+          <p:cNvSpPr/>
+          <p:nvPr/>
+        </p:nvSpPr>
+        <p:spPr>
+          <a:xfrm>
+            <a:off x="4716421" y="4879667"/>
+            <a:ext cx="1938283" cy="530713"/>
+          </a:xfrm>
+          <a:prstGeom prst="roundRect">
+            <a:avLst/>
+          </a:prstGeom>
+        </p:spPr>
+        <p:style>
+          <a:lnRef idx="2">
+            <a:schemeClr val="accent1">
+              <a:shade val="50000"/>
+            </a:schemeClr>
+          </a:lnRef>
+          <a:fillRef idx="1">
+            <a:schemeClr val="accent1"/>
+          </a:fillRef>
+          <a:effectRef idx="0">
+            <a:schemeClr val="accent1"/>
+          </a:effectRef>
+          <a:fontRef idx="minor">
+            <a:schemeClr val="lt1"/>
+          </a:fontRef>
+        </p:style>
+        <p:txBody>
+          <a:bodyPr rtlCol="0" anchor="ctr"/>
+          <a:lstStyle/>
+          <a:p>
+            <a:pPr algn="ctr"/>
+            <a:r>
+              <a:rPr lang="en-US" sz="1400" dirty="0"/>
+              <a:t>Full Deconvolve</a:t>
+            </a:r>
+          </a:p>
+        </p:txBody>
+      </p:sp>
+      <p:sp>
+        <p:nvSpPr>
+          <p:cNvPr id="45" name="Rectangle: Rounded Corners 44">
+            <a:extLst>
+              <a:ext uri="{FF2B5EF4-FFF2-40B4-BE49-F238E27FC236}">
+                <a16:creationId xmlns:a16="http://schemas.microsoft.com/office/drawing/2014/main" id="{4EA7059F-9F74-4DB2-AAF4-D1E36CD9E709}"/>
+              </a:ext>
+            </a:extLst>
+          </p:cNvPr>
+          <p:cNvSpPr/>
+          <p:nvPr/>
+        </p:nvSpPr>
+        <p:spPr>
+          <a:xfrm>
+            <a:off x="4709123" y="5701234"/>
+            <a:ext cx="1938283" cy="530713"/>
+          </a:xfrm>
+          <a:prstGeom prst="roundRect">
+            <a:avLst/>
+          </a:prstGeom>
+        </p:spPr>
+        <p:style>
+          <a:lnRef idx="2">
+            <a:schemeClr val="accent1">
+              <a:shade val="50000"/>
+            </a:schemeClr>
+          </a:lnRef>
+          <a:fillRef idx="1">
+            <a:schemeClr val="accent1"/>
+          </a:fillRef>
+          <a:effectRef idx="0">
+            <a:schemeClr val="accent1"/>
+          </a:effectRef>
+          <a:fontRef idx="minor">
+            <a:schemeClr val="lt1"/>
+          </a:fontRef>
+        </p:style>
+        <p:txBody>
+          <a:bodyPr rtlCol="0" anchor="ctr"/>
+          <a:lstStyle/>
+          <a:p>
+            <a:pPr algn="ctr"/>
+            <a:r>
+              <a:rPr lang="en-US" sz="1400" dirty="0"/>
+              <a:t>3D View of Stack</a:t>
+            </a:r>
+          </a:p>
+        </p:txBody>
+      </p:sp>
+      <p:sp>
+        <p:nvSpPr>
+          <p:cNvPr id="46" name="Rectangle: Rounded Corners 45">
+            <a:extLst>
+              <a:ext uri="{FF2B5EF4-FFF2-40B4-BE49-F238E27FC236}">
+                <a16:creationId xmlns:a16="http://schemas.microsoft.com/office/drawing/2014/main" id="{21E7766E-DA6A-47B2-B52A-50E73BAAC86F}"/>
+              </a:ext>
+            </a:extLst>
+          </p:cNvPr>
+          <p:cNvSpPr/>
+          <p:nvPr/>
+        </p:nvSpPr>
+        <p:spPr>
+          <a:xfrm>
+            <a:off x="4699953" y="3858334"/>
+            <a:ext cx="1938283" cy="336807"/>
+          </a:xfrm>
+          <a:prstGeom prst="roundRect">
+            <a:avLst/>
+          </a:prstGeom>
+        </p:spPr>
+        <p:style>
+          <a:lnRef idx="2">
+            <a:schemeClr val="accent1">
+              <a:shade val="50000"/>
+            </a:schemeClr>
+          </a:lnRef>
+          <a:fillRef idx="1">
+            <a:schemeClr val="accent1"/>
+          </a:fillRef>
+          <a:effectRef idx="0">
+            <a:schemeClr val="accent1"/>
+          </a:effectRef>
+          <a:fontRef idx="minor">
+            <a:schemeClr val="lt1"/>
+          </a:fontRef>
+        </p:style>
+        <p:txBody>
+          <a:bodyPr rtlCol="0" anchor="ctr"/>
+          <a:lstStyle/>
+          <a:p>
+            <a:pPr algn="ctr"/>
+            <a:r>
+              <a:rPr lang="en-US" sz="1400" dirty="0"/>
+              <a:t>View Perspectives</a:t>
+            </a:r>
+          </a:p>
+        </p:txBody>
+      </p:sp>
+      <p:sp>
+        <p:nvSpPr>
+          <p:cNvPr id="47" name="Rectangle: Rounded Corners 46">
+            <a:extLst>
+              <a:ext uri="{FF2B5EF4-FFF2-40B4-BE49-F238E27FC236}">
+                <a16:creationId xmlns:a16="http://schemas.microsoft.com/office/drawing/2014/main" id="{69862E2D-BEC1-4B79-B486-47A4E2B475A7}"/>
+              </a:ext>
+            </a:extLst>
+          </p:cNvPr>
+          <p:cNvSpPr/>
+          <p:nvPr/>
+        </p:nvSpPr>
+        <p:spPr>
+          <a:xfrm>
+            <a:off x="7191534" y="127980"/>
+            <a:ext cx="1938283" cy="719455"/>
+          </a:xfrm>
+          <a:prstGeom prst="roundRect">
+            <a:avLst/>
+          </a:prstGeom>
+        </p:spPr>
+        <p:style>
+          <a:lnRef idx="2">
+            <a:schemeClr val="accent1">
+              <a:shade val="50000"/>
+            </a:schemeClr>
+          </a:lnRef>
+          <a:fillRef idx="1">
+            <a:schemeClr val="accent1"/>
+          </a:fillRef>
+          <a:effectRef idx="0">
+            <a:schemeClr val="accent1"/>
+          </a:effectRef>
+          <a:fontRef idx="minor">
+            <a:schemeClr val="lt1"/>
+          </a:fontRef>
+        </p:style>
+        <p:txBody>
+          <a:bodyPr rtlCol="0" anchor="ctr"/>
+          <a:lstStyle/>
+          <a:p>
+            <a:pPr algn="ctr"/>
+            <a:r>
+              <a:rPr lang="en-US" sz="1400" dirty="0"/>
+              <a:t>Select Output</a:t>
+            </a:r>
+          </a:p>
+          <a:p>
+            <a:pPr algn="ctr"/>
+            <a:r>
+              <a:rPr lang="en-US" sz="1200" dirty="0"/>
+              <a:t>[as file,  as dataset on .h5]</a:t>
+            </a:r>
+          </a:p>
+        </p:txBody>
+      </p:sp>
+      <p:sp>
+        <p:nvSpPr>
+          <p:cNvPr id="48" name="Rectangle: Rounded Corners 47">
+            <a:extLst>
+              <a:ext uri="{FF2B5EF4-FFF2-40B4-BE49-F238E27FC236}">
+                <a16:creationId xmlns:a16="http://schemas.microsoft.com/office/drawing/2014/main" id="{CA2277F1-34EE-41F8-B7DC-1184AECF12BE}"/>
+              </a:ext>
+            </a:extLst>
+          </p:cNvPr>
+          <p:cNvSpPr/>
+          <p:nvPr/>
+        </p:nvSpPr>
+        <p:spPr>
+          <a:xfrm>
+            <a:off x="4661963" y="127980"/>
+            <a:ext cx="1938283" cy="530713"/>
+          </a:xfrm>
+          <a:prstGeom prst="roundRect">
+            <a:avLst/>
+          </a:prstGeom>
+        </p:spPr>
+        <p:style>
+          <a:lnRef idx="2">
+            <a:schemeClr val="accent1">
+              <a:shade val="50000"/>
+            </a:schemeClr>
+          </a:lnRef>
+          <a:fillRef idx="1">
+            <a:schemeClr val="accent1"/>
+          </a:fillRef>
+          <a:effectRef idx="0">
+            <a:schemeClr val="accent1"/>
+          </a:effectRef>
+          <a:fontRef idx="minor">
+            <a:schemeClr val="lt1"/>
+          </a:fontRef>
+        </p:style>
+        <p:txBody>
+          <a:bodyPr rtlCol="0" anchor="ctr"/>
+          <a:lstStyle/>
+          <a:p>
+            <a:pPr algn="ctr"/>
+            <a:r>
+              <a:rPr lang="en-US" sz="1400" dirty="0"/>
+              <a:t>Select Dataset</a:t>
+            </a:r>
+          </a:p>
+          <a:p>
+            <a:pPr algn="ctr"/>
+            <a:r>
+              <a:rPr lang="en-US" sz="1400" dirty="0"/>
+              <a:t>(folder or .h5)</a:t>
+            </a:r>
+          </a:p>
+        </p:txBody>
+      </p:sp>
+      <p:sp>
+        <p:nvSpPr>
+          <p:cNvPr id="49" name="Rectangle: Rounded Corners 48">
+            <a:extLst>
+              <a:ext uri="{FF2B5EF4-FFF2-40B4-BE49-F238E27FC236}">
+                <a16:creationId xmlns:a16="http://schemas.microsoft.com/office/drawing/2014/main" id="{328692DB-3FA0-4B6B-A101-D5F24609BE01}"/>
+              </a:ext>
+            </a:extLst>
+          </p:cNvPr>
+          <p:cNvSpPr/>
+          <p:nvPr/>
+        </p:nvSpPr>
+        <p:spPr>
+          <a:xfrm>
+            <a:off x="4709123" y="4312661"/>
+            <a:ext cx="1919292" cy="351158"/>
+          </a:xfrm>
+          <a:prstGeom prst="roundRect">
+            <a:avLst/>
+          </a:prstGeom>
+        </p:spPr>
+        <p:style>
+          <a:lnRef idx="2">
+            <a:schemeClr val="accent1">
+              <a:shade val="50000"/>
+            </a:schemeClr>
+          </a:lnRef>
+          <a:fillRef idx="1">
+            <a:schemeClr val="accent1"/>
+          </a:fillRef>
+          <a:effectRef idx="0">
+            <a:schemeClr val="accent1"/>
+          </a:effectRef>
+          <a:fontRef idx="minor">
+            <a:schemeClr val="lt1"/>
+          </a:fontRef>
+        </p:style>
+        <p:txBody>
+          <a:bodyPr rtlCol="0" anchor="ctr"/>
+          <a:lstStyle/>
+          <a:p>
+            <a:pPr algn="ctr"/>
+            <a:r>
+              <a:rPr lang="en-US" sz="1400" dirty="0"/>
+              <a:t>Quick Deconvolve</a:t>
+            </a:r>
+          </a:p>
+        </p:txBody>
+      </p:sp>
+      <p:sp>
+        <p:nvSpPr>
+          <p:cNvPr id="50" name="Rectangle 49">
+            <a:extLst>
+              <a:ext uri="{FF2B5EF4-FFF2-40B4-BE49-F238E27FC236}">
+                <a16:creationId xmlns:a16="http://schemas.microsoft.com/office/drawing/2014/main" id="{616BD203-BFD3-4069-B619-B4876C7FE6EE}"/>
+              </a:ext>
+            </a:extLst>
+          </p:cNvPr>
+          <p:cNvSpPr/>
+          <p:nvPr/>
+        </p:nvSpPr>
+        <p:spPr>
+          <a:xfrm>
+            <a:off x="2424178" y="4311952"/>
+            <a:ext cx="1051241" cy="487487"/>
+          </a:xfrm>
+          <a:prstGeom prst="rect">
+            <a:avLst/>
+          </a:prstGeom>
+          <a:solidFill>
+            <a:schemeClr val="accent1">
+              <a:lumMod val="40000"/>
+              <a:lumOff val="60000"/>
+            </a:schemeClr>
+          </a:solidFill>
+        </p:spPr>
+        <p:style>
+          <a:lnRef idx="1">
+            <a:schemeClr val="accent3"/>
+          </a:lnRef>
+          <a:fillRef idx="2">
+            <a:schemeClr val="accent3"/>
+          </a:fillRef>
+          <a:effectRef idx="1">
+            <a:schemeClr val="accent3"/>
+          </a:effectRef>
+          <a:fontRef idx="minor">
+            <a:schemeClr val="dk1"/>
+          </a:fontRef>
+        </p:style>
+        <p:txBody>
+          <a:bodyPr rtlCol="0" anchor="ctr"/>
+          <a:lstStyle/>
+          <a:p>
+            <a:pPr algn="ctr"/>
+            <a:r>
+              <a:rPr lang="en-US" sz="1400" dirty="0"/>
+              <a:t>Perspective</a:t>
+            </a:r>
+          </a:p>
+        </p:txBody>
+      </p:sp>
+      <p:sp>
+        <p:nvSpPr>
+          <p:cNvPr id="51" name="Flowchart: Multidocument 50">
+            <a:extLst>
+              <a:ext uri="{FF2B5EF4-FFF2-40B4-BE49-F238E27FC236}">
+                <a16:creationId xmlns:a16="http://schemas.microsoft.com/office/drawing/2014/main" id="{D92CF62B-F10A-4047-BCED-753007698487}"/>
+              </a:ext>
+            </a:extLst>
+          </p:cNvPr>
+          <p:cNvSpPr/>
+          <p:nvPr/>
+        </p:nvSpPr>
+        <p:spPr>
+          <a:xfrm>
+            <a:off x="2382125" y="4879667"/>
+            <a:ext cx="1093295" cy="576542"/>
+          </a:xfrm>
+          <a:prstGeom prst="flowChartMultidocument">
+            <a:avLst/>
+          </a:prstGeom>
+          <a:solidFill>
+            <a:schemeClr val="accent1">
+              <a:lumMod val="40000"/>
+              <a:lumOff val="60000"/>
+            </a:schemeClr>
+          </a:solidFill>
+        </p:spPr>
+        <p:style>
+          <a:lnRef idx="1">
+            <a:schemeClr val="accent3"/>
+          </a:lnRef>
+          <a:fillRef idx="2">
+            <a:schemeClr val="accent3"/>
+          </a:fillRef>
+          <a:effectRef idx="1">
+            <a:schemeClr val="accent3"/>
+          </a:effectRef>
+          <a:fontRef idx="minor">
+            <a:schemeClr val="dk1"/>
+          </a:fontRef>
+        </p:style>
+        <p:txBody>
+          <a:bodyPr rtlCol="0" anchor="ctr"/>
+          <a:lstStyle/>
+          <a:p>
+            <a:pPr algn="ctr"/>
+            <a:r>
+              <a:rPr lang="en-US" sz="1100" dirty="0"/>
+              <a:t>Quick S</a:t>
+            </a:r>
+            <a:r>
+              <a:rPr lang="en-US" sz="1100" dirty="0">
+                <a:solidFill>
+                  <a:schemeClr val="dk1"/>
+                </a:solidFill>
               </a:rPr>
-              <a:t> Micromanager?</a:t>
+              <a:t>tack</a:t>
+            </a:r>
+          </a:p>
+        </p:txBody>
+      </p:sp>
+      <p:sp>
+        <p:nvSpPr>
+          <p:cNvPr id="52" name="Rectangle 51">
+            <a:extLst>
+              <a:ext uri="{FF2B5EF4-FFF2-40B4-BE49-F238E27FC236}">
+                <a16:creationId xmlns:a16="http://schemas.microsoft.com/office/drawing/2014/main" id="{2B24B0A2-57B4-4E1B-B8E0-C9D51A7B3619}"/>
+              </a:ext>
+            </a:extLst>
+          </p:cNvPr>
+          <p:cNvSpPr/>
+          <p:nvPr/>
+        </p:nvSpPr>
+        <p:spPr>
+          <a:xfrm>
+            <a:off x="690797" y="1357837"/>
+            <a:ext cx="3287849" cy="1067983"/>
+          </a:xfrm>
+          <a:prstGeom prst="rect">
+            <a:avLst/>
+          </a:prstGeom>
+          <a:noFill/>
+        </p:spPr>
+        <p:style>
+          <a:lnRef idx="2">
+            <a:schemeClr val="accent1">
+              <a:shade val="50000"/>
+            </a:schemeClr>
+          </a:lnRef>
+          <a:fillRef idx="1">
+            <a:schemeClr val="accent1"/>
+          </a:fillRef>
+          <a:effectRef idx="0">
+            <a:schemeClr val="accent1"/>
+          </a:effectRef>
+          <a:fontRef idx="minor">
+            <a:schemeClr val="lt1"/>
+          </a:fontRef>
+        </p:style>
+        <p:txBody>
+          <a:bodyPr rtlCol="0" anchor="t" anchorCtr="0"/>
+          <a:lstStyle/>
+          <a:p>
+            <a:r>
+              <a:rPr lang="en-US" sz="1600" dirty="0">
+                <a:solidFill>
+                  <a:schemeClr val="tx1"/>
+                </a:solidFill>
+              </a:rPr>
+              <a:t>&lt;</a:t>
+            </a:r>
+            <a:r>
+              <a:rPr lang="en-US" sz="1600" dirty="0" err="1">
+                <a:solidFill>
+                  <a:schemeClr val="tx1"/>
+                </a:solidFill>
+              </a:rPr>
+              <a:t>SampleSet</a:t>
+            </a:r>
+            <a:r>
+              <a:rPr lang="en-US" sz="1600" dirty="0">
+                <a:solidFill>
+                  <a:schemeClr val="tx1"/>
+                </a:solidFill>
+              </a:rPr>
+              <a:t>&gt;</a:t>
+            </a:r>
+          </a:p>
+        </p:txBody>
+      </p:sp>
+      <p:sp>
+        <p:nvSpPr>
+          <p:cNvPr id="53" name="Rectangle: Rounded Corners 52">
+            <a:extLst>
+              <a:ext uri="{FF2B5EF4-FFF2-40B4-BE49-F238E27FC236}">
+                <a16:creationId xmlns:a16="http://schemas.microsoft.com/office/drawing/2014/main" id="{7513852F-0D9A-4DA3-9D57-95B50B7E3867}"/>
+              </a:ext>
+            </a:extLst>
+          </p:cNvPr>
+          <p:cNvSpPr/>
+          <p:nvPr/>
+        </p:nvSpPr>
+        <p:spPr>
+          <a:xfrm>
+            <a:off x="6984885" y="4118914"/>
+            <a:ext cx="1938283" cy="530713"/>
+          </a:xfrm>
+          <a:prstGeom prst="roundRect">
+            <a:avLst/>
+          </a:prstGeom>
+        </p:spPr>
+        <p:style>
+          <a:lnRef idx="2">
+            <a:schemeClr val="accent1">
+              <a:shade val="50000"/>
+            </a:schemeClr>
+          </a:lnRef>
+          <a:fillRef idx="1">
+            <a:schemeClr val="accent1"/>
+          </a:fillRef>
+          <a:effectRef idx="0">
+            <a:schemeClr val="accent1"/>
+          </a:effectRef>
+          <a:fontRef idx="minor">
+            <a:schemeClr val="lt1"/>
+          </a:fontRef>
+        </p:style>
+        <p:txBody>
+          <a:bodyPr rtlCol="0" anchor="ctr"/>
+          <a:lstStyle/>
+          <a:p>
+            <a:pPr algn="ctr"/>
+            <a:r>
+              <a:rPr lang="en-US" sz="1100" dirty="0"/>
+              <a:t>Select Quick Deconvolve method/params</a:t>
+            </a:r>
+          </a:p>
+        </p:txBody>
+      </p:sp>
+      <p:sp>
+        <p:nvSpPr>
+          <p:cNvPr id="55" name="Rectangle: Rounded Corners 54">
+            <a:extLst>
+              <a:ext uri="{FF2B5EF4-FFF2-40B4-BE49-F238E27FC236}">
+                <a16:creationId xmlns:a16="http://schemas.microsoft.com/office/drawing/2014/main" id="{DD542396-B3E6-4397-8F1A-39346F36AD87}"/>
+              </a:ext>
+            </a:extLst>
+          </p:cNvPr>
+          <p:cNvSpPr/>
+          <p:nvPr/>
+        </p:nvSpPr>
+        <p:spPr>
+          <a:xfrm>
+            <a:off x="6984885" y="4799439"/>
+            <a:ext cx="1938283" cy="530713"/>
+          </a:xfrm>
+          <a:prstGeom prst="roundRect">
+            <a:avLst/>
+          </a:prstGeom>
+        </p:spPr>
+        <p:style>
+          <a:lnRef idx="2">
+            <a:schemeClr val="accent1">
+              <a:shade val="50000"/>
+            </a:schemeClr>
+          </a:lnRef>
+          <a:fillRef idx="1">
+            <a:schemeClr val="accent1"/>
+          </a:fillRef>
+          <a:effectRef idx="0">
+            <a:schemeClr val="accent1"/>
+          </a:effectRef>
+          <a:fontRef idx="minor">
+            <a:schemeClr val="lt1"/>
+          </a:fontRef>
+        </p:style>
+        <p:txBody>
+          <a:bodyPr rtlCol="0" anchor="ctr"/>
+          <a:lstStyle/>
+          <a:p>
+            <a:pPr algn="ctr"/>
+            <a:r>
+              <a:rPr lang="en-US" sz="1100" dirty="0"/>
+              <a:t>Select Full Deconvolve method/params</a:t>
             </a:r>
           </a:p>
         </p:txBody>
@@ -6075,7 +7828,7 @@
     </p:spTree>
     <p:extLst>
       <p:ext uri="{BB962C8B-B14F-4D97-AF65-F5344CB8AC3E}">
-        <p14:creationId xmlns:p14="http://schemas.microsoft.com/office/powerpoint/2010/main" val="1165453893"/>
+        <p14:creationId xmlns:p14="http://schemas.microsoft.com/office/powerpoint/2010/main" val="553064254"/>
       </p:ext>
     </p:extLst>
   </p:cSld>
@@ -6107,7 +7860,7 @@
           <p:cNvPr id="2" name="Title 1">
             <a:extLst>
               <a:ext uri="{FF2B5EF4-FFF2-40B4-BE49-F238E27FC236}">
-                <a16:creationId xmlns:a16="http://schemas.microsoft.com/office/drawing/2014/main" id="{3EEEF26A-7F31-406B-80E3-576013EA666E}"/>
+                <a16:creationId xmlns:a16="http://schemas.microsoft.com/office/drawing/2014/main" id="{67D6FC6F-5AC2-4A63-A3B6-85E53033C53D}"/>
               </a:ext>
             </a:extLst>
           </p:cNvPr>
@@ -6125,15 +7878,7 @@
           <a:p>
             <a:r>
               <a:rPr lang="en-US" dirty="0"/>
-              <a:t>Input from </a:t>
-            </a:r>
-            <a:r>
-              <a:rPr lang="en-US" dirty="0" err="1"/>
-              <a:t>LFAnalyse</a:t>
-            </a:r>
-            <a:r>
-              <a:rPr lang="en-US" dirty="0"/>
-              <a:t>….</a:t>
+              <a:t>Files</a:t>
             </a:r>
           </a:p>
         </p:txBody>
@@ -6143,7 +7888,7 @@
           <p:cNvPr id="3" name="Content Placeholder 2">
             <a:extLst>
               <a:ext uri="{FF2B5EF4-FFF2-40B4-BE49-F238E27FC236}">
-                <a16:creationId xmlns:a16="http://schemas.microsoft.com/office/drawing/2014/main" id="{F754C8D2-EF22-410B-A74E-24F34FD1902E}"/>
+                <a16:creationId xmlns:a16="http://schemas.microsoft.com/office/drawing/2014/main" id="{FB94CB4E-EE2A-4FF4-9B65-738FC5552F85}"/>
               </a:ext>
             </a:extLst>
           </p:cNvPr>
@@ -6154,19 +7899,84 @@
             <p:ph idx="1"/>
           </p:nvPr>
         </p:nvSpPr>
-        <p:spPr/>
+        <p:spPr>
+          <a:xfrm>
+            <a:off x="838200" y="1253331"/>
+            <a:ext cx="5421284" cy="4351338"/>
+          </a:xfrm>
+        </p:spPr>
         <p:txBody>
           <a:bodyPr/>
           <a:lstStyle/>
           <a:p>
-            <a:endParaRPr lang="en-US"/>
+            <a:r>
+              <a:rPr lang="en-US" dirty="0"/>
+              <a:t>May be files in a folder or datasets contained in HDF5 file.</a:t>
+            </a:r>
+          </a:p>
+          <a:p>
+            <a:r>
+              <a:rPr lang="en-US" dirty="0"/>
+              <a:t>Naming </a:t>
+            </a:r>
+          </a:p>
+          <a:p>
+            <a:pPr lvl="1"/>
+            <a:r>
+              <a:rPr lang="en-US" dirty="0"/>
+              <a:t>Unique &lt;sample&gt; name</a:t>
+            </a:r>
+          </a:p>
+          <a:p>
+            <a:pPr lvl="1"/>
+            <a:r>
+              <a:rPr lang="en-US" dirty="0"/>
+              <a:t>LF metadata file .</a:t>
+            </a:r>
+            <a:r>
+              <a:rPr lang="en-US" dirty="0" err="1"/>
+              <a:t>lfm</a:t>
+            </a:r>
+            <a:r>
+              <a:rPr lang="en-US" dirty="0"/>
+              <a:t>  (text, JSON)</a:t>
+            </a:r>
+          </a:p>
+          <a:p>
+            <a:r>
+              <a:rPr lang="en-US" dirty="0"/>
+              <a:t>Tool to generate </a:t>
+            </a:r>
+            <a:r>
+              <a:rPr lang="en-US" dirty="0" err="1"/>
+              <a:t>LFmeta</a:t>
+            </a:r>
+            <a:endParaRPr lang="en-US" dirty="0"/>
+          </a:p>
+          <a:p>
+            <a:pPr lvl="1"/>
+            <a:r>
+              <a:rPr lang="en-US" dirty="0"/>
+              <a:t>App to fill in values</a:t>
+            </a:r>
+          </a:p>
+          <a:p>
+            <a:pPr lvl="1"/>
+            <a:r>
+              <a:rPr lang="en-US" dirty="0"/>
+              <a:t>acquisition system might create</a:t>
+            </a:r>
+          </a:p>
+          <a:p>
+            <a:pPr lvl="1"/>
+            <a:endParaRPr lang="en-US" dirty="0"/>
           </a:p>
         </p:txBody>
       </p:sp>
     </p:spTree>
     <p:extLst>
       <p:ext uri="{BB962C8B-B14F-4D97-AF65-F5344CB8AC3E}">
-        <p14:creationId xmlns:p14="http://schemas.microsoft.com/office/powerpoint/2010/main" val="4226015765"/>
+        <p14:creationId xmlns:p14="http://schemas.microsoft.com/office/powerpoint/2010/main" val="4213282226"/>
       </p:ext>
     </p:extLst>
   </p:cSld>
@@ -6198,7 +8008,7 @@
           <p:cNvPr id="2" name="Title 1">
             <a:extLst>
               <a:ext uri="{FF2B5EF4-FFF2-40B4-BE49-F238E27FC236}">
-                <a16:creationId xmlns:a16="http://schemas.microsoft.com/office/drawing/2014/main" id="{5570CC86-D1FF-40E5-BFD0-29509BEA3134}"/>
+                <a16:creationId xmlns:a16="http://schemas.microsoft.com/office/drawing/2014/main" id="{B086182A-9F0F-4E87-88A8-0DBA8784190E}"/>
               </a:ext>
             </a:extLst>
           </p:cNvPr>
@@ -6214,64 +8024,998 @@
           <a:bodyPr/>
           <a:lstStyle/>
           <a:p>
-            <a:r>
-              <a:rPr lang="en-US" dirty="0"/>
-              <a:t>UI</a:t>
-            </a:r>
-          </a:p>
-        </p:txBody>
-      </p:sp>
-      <p:pic>
-        <p:nvPicPr>
-          <p:cNvPr id="1028" name="Picture 4" descr="image: viewer layout">
-            <a:extLst>
-              <a:ext uri="{FF2B5EF4-FFF2-40B4-BE49-F238E27FC236}">
-                <a16:creationId xmlns:a16="http://schemas.microsoft.com/office/drawing/2014/main" id="{EDF6B704-75B3-4DC8-9845-9EF9AF1746D7}"/>
-              </a:ext>
-            </a:extLst>
-          </p:cNvPr>
-          <p:cNvPicPr>
-            <a:picLocks noChangeAspect="1" noChangeArrowheads="1"/>
-          </p:cNvPicPr>
-          <p:nvPr/>
-        </p:nvPicPr>
-        <p:blipFill>
-          <a:blip r:embed="rId2">
-            <a:extLst>
-              <a:ext uri="{28A0092B-C50C-407E-A947-70E740481C1C}">
-                <a14:useLocalDpi xmlns:a14="http://schemas.microsoft.com/office/drawing/2010/main" val="0"/>
-              </a:ext>
-            </a:extLst>
-          </a:blip>
-          <a:srcRect/>
-          <a:stretch>
-            <a:fillRect/>
-          </a:stretch>
-        </p:blipFill>
+            <a:endParaRPr lang="en-US"/>
+          </a:p>
+        </p:txBody>
+      </p:sp>
+      <p:sp>
+        <p:nvSpPr>
+          <p:cNvPr id="4" name="Rectangle 1">
+            <a:extLst>
+              <a:ext uri="{FF2B5EF4-FFF2-40B4-BE49-F238E27FC236}">
+                <a16:creationId xmlns:a16="http://schemas.microsoft.com/office/drawing/2014/main" id="{D1F93C29-3EB9-4686-8DEC-1A4E1320E32A}"/>
+              </a:ext>
+            </a:extLst>
+          </p:cNvPr>
+          <p:cNvSpPr>
+            <a:spLocks noGrp="1" noChangeArrowheads="1"/>
+          </p:cNvSpPr>
+          <p:nvPr>
+            <p:ph idx="1"/>
+          </p:nvPr>
+        </p:nvSpPr>
         <p:spPr bwMode="auto">
           <a:xfrm>
-            <a:off x="1579780" y="365126"/>
-            <a:ext cx="10194685" cy="6488460"/>
+            <a:off x="530382" y="1146186"/>
+            <a:ext cx="7427613" cy="5293757"/>
           </a:xfrm>
           <a:prstGeom prst="rect">
             <a:avLst/>
           </a:prstGeom>
           <a:noFill/>
+          <a:ln>
+            <a:noFill/>
+          </a:ln>
+          <a:effectLst/>
           <a:extLst>
             <a:ext uri="{909E8E84-426E-40DD-AFC4-6F175D3DCCD1}">
               <a14:hiddenFill xmlns:a14="http://schemas.microsoft.com/office/drawing/2010/main">
                 <a:solidFill>
-                  <a:srgbClr val="FFFFFF"/>
+                  <a:schemeClr val="accent1"/>
                 </a:solidFill>
               </a14:hiddenFill>
             </a:ext>
+            <a:ext uri="{91240B29-F687-4F45-9708-019B960494DF}">
+              <a14:hiddenLine xmlns:a14="http://schemas.microsoft.com/office/drawing/2010/main" w="9525">
+                <a:solidFill>
+                  <a:schemeClr val="tx1"/>
+                </a:solidFill>
+                <a:miter lim="800000"/>
+                <a:headEnd/>
+                <a:tailEnd/>
+              </a14:hiddenLine>
+            </a:ext>
+            <a:ext uri="{AF507438-7753-43E0-B8FC-AC1667EBCBE1}">
+              <a14:hiddenEffects xmlns:a14="http://schemas.microsoft.com/office/drawing/2010/main">
+                <a:effectLst>
+                  <a:outerShdw dist="35921" dir="2700000" algn="ctr" rotWithShape="0">
+                    <a:schemeClr val="bg2"/>
+                  </a:outerShdw>
+                </a:effectLst>
+              </a14:hiddenEffects>
+            </a:ext>
           </a:extLst>
         </p:spPr>
-      </p:pic>
+        <p:txBody>
+          <a:bodyPr vert="horz" wrap="square" lIns="91440" tIns="45720" rIns="91440" bIns="45720" numCol="1" anchor="ctr" anchorCtr="0" compatLnSpc="1">
+            <a:prstTxWarp prst="textNoShape">
+              <a:avLst/>
+            </a:prstTxWarp>
+            <a:spAutoFit/>
+          </a:bodyPr>
+          <a:lstStyle/>
+          <a:p>
+            <a:pPr marL="0" marR="0" lvl="0" indent="0" algn="l" defTabSz="914400" rtl="0" eaLnBrk="0" fontAlgn="base" latinLnBrk="0" hangingPunct="0">
+              <a:lnSpc>
+                <a:spcPct val="100000"/>
+              </a:lnSpc>
+              <a:spcBef>
+                <a:spcPct val="0"/>
+              </a:spcBef>
+              <a:spcAft>
+                <a:spcPct val="0"/>
+              </a:spcAft>
+              <a:buClrTx/>
+              <a:buSzTx/>
+              <a:buFontTx/>
+              <a:buNone/>
+              <a:tabLst/>
+            </a:pPr>
+            <a:r>
+              <a:rPr kumimoji="0" lang="en-US" altLang="en-US" sz="1800" b="0" i="0" u="none" strike="noStrike" cap="none" normalizeH="0" baseline="0">
+                <a:ln>
+                  <a:noFill/>
+                </a:ln>
+                <a:solidFill>
+                  <a:schemeClr val="tx1"/>
+                </a:solidFill>
+                <a:effectLst/>
+                <a:latin typeface="Arial" panose="020B0604020202020204" pitchFamily="34" charset="0"/>
+              </a:rPr>
+              <a:t>LFI Plugin Design </a:t>
+            </a:r>
+            <a:endParaRPr kumimoji="0" lang="en-US" altLang="en-US" sz="1000" b="0" i="0" u="none" strike="noStrike" cap="none" normalizeH="0" baseline="0">
+              <a:ln>
+                <a:noFill/>
+              </a:ln>
+              <a:solidFill>
+                <a:schemeClr val="tx1"/>
+              </a:solidFill>
+              <a:effectLst/>
+              <a:latin typeface="Verdana" panose="020B0604030504040204" pitchFamily="34" charset="0"/>
+            </a:endParaRPr>
+          </a:p>
+          <a:p>
+            <a:pPr marL="0" marR="0" lvl="0" indent="0" algn="l" defTabSz="914400" rtl="0" eaLnBrk="0" fontAlgn="base" latinLnBrk="0" hangingPunct="0">
+              <a:lnSpc>
+                <a:spcPct val="100000"/>
+              </a:lnSpc>
+              <a:spcBef>
+                <a:spcPct val="0"/>
+              </a:spcBef>
+              <a:spcAft>
+                <a:spcPct val="0"/>
+              </a:spcAft>
+              <a:buClrTx/>
+              <a:buSzTx/>
+              <a:buFontTx/>
+              <a:buNone/>
+              <a:tabLst/>
+            </a:pPr>
+            <a:r>
+              <a:rPr kumimoji="0" lang="en-US" altLang="en-US" sz="1000" b="0" i="0" u="none" strike="noStrike" cap="none" normalizeH="0" baseline="0">
+                <a:ln>
+                  <a:noFill/>
+                </a:ln>
+                <a:solidFill>
+                  <a:schemeClr val="tx1"/>
+                </a:solidFill>
+                <a:effectLst/>
+                <a:latin typeface="Verdana" panose="020B0604030504040204" pitchFamily="34" charset="0"/>
+              </a:rPr>
+              <a:t> </a:t>
+            </a:r>
+          </a:p>
+          <a:p>
+            <a:pPr marL="0" marR="0" lvl="0" indent="0" algn="l" defTabSz="914400" rtl="0" eaLnBrk="0" fontAlgn="base" latinLnBrk="0" hangingPunct="0">
+              <a:lnSpc>
+                <a:spcPct val="100000"/>
+              </a:lnSpc>
+              <a:spcBef>
+                <a:spcPct val="0"/>
+              </a:spcBef>
+              <a:spcAft>
+                <a:spcPct val="0"/>
+              </a:spcAft>
+              <a:buClrTx/>
+              <a:buSzTx/>
+              <a:buFontTx/>
+              <a:buNone/>
+              <a:tabLst/>
+            </a:pPr>
+            <a:r>
+              <a:rPr kumimoji="0" lang="en-US" altLang="en-US" sz="1000" b="0" i="0" u="none" strike="noStrike" cap="none" normalizeH="0" baseline="0">
+                <a:ln>
+                  <a:noFill/>
+                </a:ln>
+                <a:solidFill>
+                  <a:schemeClr val="tx1"/>
+                </a:solidFill>
+                <a:effectLst/>
+                <a:latin typeface="Verdana" panose="020B0604030504040204" pitchFamily="34" charset="0"/>
+              </a:rPr>
+              <a:t> </a:t>
+            </a:r>
+          </a:p>
+          <a:p>
+            <a:pPr marL="0" marR="0" lvl="0" indent="0" algn="l" defTabSz="914400" rtl="0" eaLnBrk="0" fontAlgn="base" latinLnBrk="0" hangingPunct="0">
+              <a:lnSpc>
+                <a:spcPct val="100000"/>
+              </a:lnSpc>
+              <a:spcBef>
+                <a:spcPct val="0"/>
+              </a:spcBef>
+              <a:spcAft>
+                <a:spcPct val="0"/>
+              </a:spcAft>
+              <a:buClrTx/>
+              <a:buSzTx/>
+              <a:buFontTx/>
+              <a:buNone/>
+              <a:tabLst/>
+            </a:pPr>
+            <a:r>
+              <a:rPr kumimoji="0" lang="en-US" altLang="en-US" sz="1000" b="0" i="0" u="none" strike="noStrike" cap="none" normalizeH="0" baseline="0">
+                <a:ln>
+                  <a:noFill/>
+                </a:ln>
+                <a:solidFill>
+                  <a:schemeClr val="tx1"/>
+                </a:solidFill>
+                <a:effectLst/>
+                <a:latin typeface="Verdana" panose="020B0604030504040204" pitchFamily="34" charset="0"/>
+              </a:rPr>
+              <a:t>HDF5 file structure and metadata</a:t>
+            </a:r>
+          </a:p>
+          <a:p>
+            <a:pPr marL="0" marR="0" lvl="0" indent="0" algn="l" defTabSz="914400" rtl="0" eaLnBrk="0" fontAlgn="base" latinLnBrk="0" hangingPunct="0">
+              <a:lnSpc>
+                <a:spcPct val="100000"/>
+              </a:lnSpc>
+              <a:spcBef>
+                <a:spcPct val="0"/>
+              </a:spcBef>
+              <a:spcAft>
+                <a:spcPct val="0"/>
+              </a:spcAft>
+              <a:buClrTx/>
+              <a:buSzTx/>
+              <a:buFontTx/>
+              <a:buNone/>
+              <a:tabLst/>
+            </a:pPr>
+            <a:r>
+              <a:rPr kumimoji="0" lang="en-US" altLang="en-US" sz="1000" b="0" i="0" u="none" strike="noStrike" cap="none" normalizeH="0" baseline="0">
+                <a:ln>
+                  <a:noFill/>
+                </a:ln>
+                <a:solidFill>
+                  <a:schemeClr val="tx1"/>
+                </a:solidFill>
+                <a:effectLst/>
+                <a:latin typeface="Verdana" panose="020B0604030504040204" pitchFamily="34" charset="0"/>
+              </a:rPr>
+              <a:t>Start with LFMNet's HDF5 dataset file</a:t>
+            </a:r>
+          </a:p>
+          <a:p>
+            <a:pPr marL="0" marR="0" lvl="0" indent="0" algn="l" defTabSz="914400" rtl="0" eaLnBrk="0" fontAlgn="base" latinLnBrk="0" hangingPunct="0">
+              <a:lnSpc>
+                <a:spcPct val="100000"/>
+              </a:lnSpc>
+              <a:spcBef>
+                <a:spcPct val="0"/>
+              </a:spcBef>
+              <a:spcAft>
+                <a:spcPct val="0"/>
+              </a:spcAft>
+              <a:buClrTx/>
+              <a:buSzTx/>
+              <a:buFontTx/>
+              <a:buNone/>
+              <a:tabLst/>
+            </a:pPr>
+            <a:r>
+              <a:rPr kumimoji="0" lang="en-US" altLang="en-US" sz="1000" b="0" i="0" u="none" strike="noStrike" cap="none" normalizeH="0" baseline="0">
+                <a:ln>
+                  <a:noFill/>
+                </a:ln>
+                <a:solidFill>
+                  <a:schemeClr val="tx1"/>
+                </a:solidFill>
+                <a:effectLst/>
+                <a:latin typeface="Verdana" panose="020B0604030504040204" pitchFamily="34" charset="0"/>
+              </a:rPr>
+              <a:t>GUI functions/details</a:t>
+            </a:r>
+          </a:p>
+          <a:p>
+            <a:pPr marL="0" marR="0" lvl="0" indent="0" algn="l" defTabSz="914400" rtl="0" eaLnBrk="0" fontAlgn="base" latinLnBrk="0" hangingPunct="0">
+              <a:lnSpc>
+                <a:spcPct val="100000"/>
+              </a:lnSpc>
+              <a:spcBef>
+                <a:spcPct val="0"/>
+              </a:spcBef>
+              <a:spcAft>
+                <a:spcPct val="0"/>
+              </a:spcAft>
+              <a:buClrTx/>
+              <a:buSzTx/>
+              <a:buFontTx/>
+              <a:buNone/>
+              <a:tabLst/>
+            </a:pPr>
+            <a:r>
+              <a:rPr kumimoji="0" lang="en-US" altLang="en-US" sz="1000" b="0" i="0" u="none" strike="noStrike" cap="none" normalizeH="0" baseline="0">
+                <a:ln>
+                  <a:noFill/>
+                </a:ln>
+                <a:solidFill>
+                  <a:schemeClr val="tx1"/>
+                </a:solidFill>
+                <a:effectLst/>
+                <a:latin typeface="Verdana" panose="020B0604030504040204" pitchFamily="34" charset="0"/>
+              </a:rPr>
+              <a:t>Save the last state of the plugin, so that on the next startup the last dataset path is loaded along with the last parameters used. I'm sure napari should have some api for this already.  See Persistence: </a:t>
+            </a:r>
+            <a:r>
+              <a:rPr kumimoji="0" lang="en-US" altLang="en-US" sz="1000" b="0" i="0" u="none" strike="noStrike" cap="none" normalizeH="0" baseline="0">
+                <a:ln>
+                  <a:noFill/>
+                </a:ln>
+                <a:solidFill>
+                  <a:schemeClr val="tx1"/>
+                </a:solidFill>
+                <a:effectLst/>
+                <a:latin typeface="Verdana" panose="020B0604030504040204" pitchFamily="34" charset="0"/>
+                <a:hlinkClick r:id="rId2"/>
+              </a:rPr>
+              <a:t>https://napari.org/guides/preferences.html</a:t>
+            </a:r>
+            <a:endParaRPr kumimoji="0" lang="en-US" altLang="en-US" sz="1000" b="0" i="0" u="none" strike="noStrike" cap="none" normalizeH="0" baseline="0">
+              <a:ln>
+                <a:noFill/>
+              </a:ln>
+              <a:solidFill>
+                <a:schemeClr val="tx1"/>
+              </a:solidFill>
+              <a:effectLst/>
+              <a:latin typeface="Verdana" panose="020B0604030504040204" pitchFamily="34" charset="0"/>
+            </a:endParaRPr>
+          </a:p>
+          <a:p>
+            <a:pPr marL="0" marR="0" lvl="0" indent="0" algn="l" defTabSz="914400" rtl="0" eaLnBrk="0" fontAlgn="base" latinLnBrk="0" hangingPunct="0">
+              <a:lnSpc>
+                <a:spcPct val="100000"/>
+              </a:lnSpc>
+              <a:spcBef>
+                <a:spcPct val="0"/>
+              </a:spcBef>
+              <a:spcAft>
+                <a:spcPct val="0"/>
+              </a:spcAft>
+              <a:buClrTx/>
+              <a:buSzTx/>
+              <a:buFontTx/>
+              <a:buNone/>
+              <a:tabLst/>
+            </a:pPr>
+            <a:r>
+              <a:rPr kumimoji="0" lang="en-US" altLang="en-US" sz="1000" b="0" i="0" u="none" strike="noStrike" cap="none" normalizeH="0" baseline="0">
+                <a:ln>
+                  <a:noFill/>
+                </a:ln>
+                <a:solidFill>
+                  <a:schemeClr val="tx1"/>
+                </a:solidFill>
+                <a:effectLst/>
+                <a:latin typeface="Verdana" panose="020B0604030504040204" pitchFamily="34" charset="0"/>
+              </a:rPr>
+              <a:t> </a:t>
+            </a:r>
+          </a:p>
+          <a:p>
+            <a:pPr marL="0" marR="0" lvl="0" indent="0" algn="l" defTabSz="914400" rtl="0" eaLnBrk="0" fontAlgn="base" latinLnBrk="0" hangingPunct="0">
+              <a:lnSpc>
+                <a:spcPct val="100000"/>
+              </a:lnSpc>
+              <a:spcBef>
+                <a:spcPct val="0"/>
+              </a:spcBef>
+              <a:spcAft>
+                <a:spcPct val="0"/>
+              </a:spcAft>
+              <a:buClrTx/>
+              <a:buSzTx/>
+              <a:buFontTx/>
+              <a:buNone/>
+              <a:tabLst/>
+            </a:pPr>
+            <a:r>
+              <a:rPr kumimoji="0" lang="en-US" altLang="en-US" sz="1000" b="0" i="0" u="none" strike="noStrike" cap="none" normalizeH="0" baseline="0">
+                <a:ln>
+                  <a:noFill/>
+                </a:ln>
+                <a:solidFill>
+                  <a:schemeClr val="tx1"/>
+                </a:solidFill>
+                <a:effectLst/>
+                <a:latin typeface="Verdana" panose="020B0604030504040204" pitchFamily="34" charset="0"/>
+              </a:rPr>
+              <a:t>Option to use the LF-Analyze folder option, to select one that is not included with the plugin. Currently that folder option has been disabled since I couldn't figure out a way to load the LF Analyze library from within the plugin.</a:t>
+            </a:r>
+          </a:p>
+          <a:p>
+            <a:pPr marL="0" marR="0" lvl="0" indent="0" algn="l" defTabSz="914400" rtl="0" eaLnBrk="0" fontAlgn="base" latinLnBrk="0" hangingPunct="0">
+              <a:lnSpc>
+                <a:spcPct val="100000"/>
+              </a:lnSpc>
+              <a:spcBef>
+                <a:spcPct val="0"/>
+              </a:spcBef>
+              <a:spcAft>
+                <a:spcPct val="0"/>
+              </a:spcAft>
+              <a:buClrTx/>
+              <a:buSzTx/>
+              <a:buFontTx/>
+              <a:buNone/>
+              <a:tabLst/>
+            </a:pPr>
+            <a:r>
+              <a:rPr kumimoji="0" lang="en-US" altLang="en-US" sz="1000" b="0" i="0" u="none" strike="noStrike" cap="none" normalizeH="0" baseline="0">
+                <a:ln>
+                  <a:noFill/>
+                </a:ln>
+                <a:solidFill>
+                  <a:schemeClr val="tx1"/>
+                </a:solidFill>
+                <a:effectLst/>
+                <a:latin typeface="Verdana" panose="020B0604030504040204" pitchFamily="34" charset="0"/>
+              </a:rPr>
+              <a:t> </a:t>
+            </a:r>
+          </a:p>
+          <a:p>
+            <a:pPr marL="0" marR="0" lvl="0" indent="0" algn="l" defTabSz="914400" rtl="0" eaLnBrk="0" fontAlgn="base" latinLnBrk="0" hangingPunct="0">
+              <a:lnSpc>
+                <a:spcPct val="100000"/>
+              </a:lnSpc>
+              <a:spcBef>
+                <a:spcPct val="0"/>
+              </a:spcBef>
+              <a:spcAft>
+                <a:spcPct val="0"/>
+              </a:spcAft>
+              <a:buClrTx/>
+              <a:buSzTx/>
+              <a:buFontTx/>
+              <a:buNone/>
+              <a:tabLst/>
+            </a:pPr>
+            <a:r>
+              <a:rPr kumimoji="0" lang="en-US" altLang="en-US" sz="1000" b="0" i="0" u="none" strike="noStrike" cap="none" normalizeH="0" baseline="0">
+                <a:ln>
+                  <a:noFill/>
+                </a:ln>
+                <a:solidFill>
+                  <a:schemeClr val="tx1"/>
+                </a:solidFill>
+                <a:effectLst/>
+                <a:latin typeface="Verdana" panose="020B0604030504040204" pitchFamily="34" charset="0"/>
+              </a:rPr>
+              <a:t>Better progress indicator, however, this would need tweaking the LFA code to emit events.</a:t>
+            </a:r>
+          </a:p>
+          <a:p>
+            <a:pPr marL="0" marR="0" lvl="0" indent="0" algn="l" defTabSz="914400" rtl="0" eaLnBrk="0" fontAlgn="base" latinLnBrk="0" hangingPunct="0">
+              <a:lnSpc>
+                <a:spcPct val="100000"/>
+              </a:lnSpc>
+              <a:spcBef>
+                <a:spcPct val="0"/>
+              </a:spcBef>
+              <a:spcAft>
+                <a:spcPct val="0"/>
+              </a:spcAft>
+              <a:buClrTx/>
+              <a:buSzTx/>
+              <a:buFontTx/>
+              <a:buNone/>
+              <a:tabLst/>
+            </a:pPr>
+            <a:r>
+              <a:rPr kumimoji="0" lang="en-US" altLang="en-US" sz="1000" b="0" i="0" u="none" strike="noStrike" cap="none" normalizeH="0" baseline="0">
+                <a:ln>
+                  <a:noFill/>
+                </a:ln>
+                <a:solidFill>
+                  <a:schemeClr val="tx1"/>
+                </a:solidFill>
+                <a:effectLst/>
+                <a:latin typeface="Verdana" panose="020B0604030504040204" pitchFamily="34" charset="0"/>
+                <a:hlinkClick r:id="rId3"/>
+              </a:rPr>
+              <a:t>https://napari.org/guides/event_loop.html</a:t>
+            </a:r>
+            <a:endParaRPr kumimoji="0" lang="en-US" altLang="en-US" sz="1000" b="0" i="0" u="none" strike="noStrike" cap="none" normalizeH="0" baseline="0">
+              <a:ln>
+                <a:noFill/>
+              </a:ln>
+              <a:solidFill>
+                <a:schemeClr val="tx1"/>
+              </a:solidFill>
+              <a:effectLst/>
+              <a:latin typeface="Verdana" panose="020B0604030504040204" pitchFamily="34" charset="0"/>
+            </a:endParaRPr>
+          </a:p>
+          <a:p>
+            <a:pPr marL="0" marR="0" lvl="0" indent="0" algn="l" defTabSz="914400" rtl="0" eaLnBrk="0" fontAlgn="base" latinLnBrk="0" hangingPunct="0">
+              <a:lnSpc>
+                <a:spcPct val="100000"/>
+              </a:lnSpc>
+              <a:spcBef>
+                <a:spcPct val="0"/>
+              </a:spcBef>
+              <a:spcAft>
+                <a:spcPct val="0"/>
+              </a:spcAft>
+              <a:buClrTx/>
+              <a:buSzTx/>
+              <a:buFontTx/>
+              <a:buNone/>
+              <a:tabLst/>
+            </a:pPr>
+            <a:r>
+              <a:rPr kumimoji="0" lang="en-US" altLang="en-US" sz="1000" b="0" i="0" u="none" strike="noStrike" cap="none" normalizeH="0" baseline="0">
+                <a:ln>
+                  <a:noFill/>
+                </a:ln>
+                <a:solidFill>
+                  <a:schemeClr val="tx1"/>
+                </a:solidFill>
+                <a:effectLst/>
+                <a:latin typeface="Verdana" panose="020B0604030504040204" pitchFamily="34" charset="0"/>
+              </a:rPr>
+              <a:t> </a:t>
+            </a:r>
+          </a:p>
+          <a:p>
+            <a:pPr marL="0" marR="0" lvl="0" indent="0" algn="l" defTabSz="914400" rtl="0" eaLnBrk="0" fontAlgn="base" latinLnBrk="0" hangingPunct="0">
+              <a:lnSpc>
+                <a:spcPct val="100000"/>
+              </a:lnSpc>
+              <a:spcBef>
+                <a:spcPct val="0"/>
+              </a:spcBef>
+              <a:spcAft>
+                <a:spcPct val="0"/>
+              </a:spcAft>
+              <a:buClrTx/>
+              <a:buSzTx/>
+              <a:buFontTx/>
+              <a:buNone/>
+              <a:tabLst/>
+            </a:pPr>
+            <a:r>
+              <a:rPr kumimoji="0" lang="en-US" altLang="en-US" sz="1000" b="0" i="0" u="none" strike="noStrike" cap="none" normalizeH="0" baseline="0">
+                <a:ln>
+                  <a:noFill/>
+                </a:ln>
+                <a:solidFill>
+                  <a:schemeClr val="tx1"/>
+                </a:solidFill>
+                <a:effectLst/>
+                <a:latin typeface="Verdana" panose="020B0604030504040204" pitchFamily="34" charset="0"/>
+              </a:rPr>
+              <a:t>Add tooltips to existing GUI items</a:t>
+            </a:r>
+          </a:p>
+          <a:p>
+            <a:pPr marL="0" marR="0" lvl="0" indent="0" algn="l" defTabSz="914400" rtl="0" eaLnBrk="0" fontAlgn="base" latinLnBrk="0" hangingPunct="0">
+              <a:lnSpc>
+                <a:spcPct val="100000"/>
+              </a:lnSpc>
+              <a:spcBef>
+                <a:spcPct val="0"/>
+              </a:spcBef>
+              <a:spcAft>
+                <a:spcPct val="0"/>
+              </a:spcAft>
+              <a:buClrTx/>
+              <a:buSzTx/>
+              <a:buFontTx/>
+              <a:buNone/>
+              <a:tabLst/>
+            </a:pPr>
+            <a:r>
+              <a:rPr kumimoji="0" lang="en-US" altLang="en-US" sz="1000" b="0" i="0" u="none" strike="noStrike" cap="none" normalizeH="0" baseline="0">
+                <a:ln>
+                  <a:noFill/>
+                </a:ln>
+                <a:solidFill>
+                  <a:schemeClr val="tx1"/>
+                </a:solidFill>
+                <a:effectLst/>
+                <a:latin typeface="Verdana" panose="020B0604030504040204" pitchFamily="34" charset="0"/>
+              </a:rPr>
+              <a:t> </a:t>
+            </a:r>
+          </a:p>
+          <a:p>
+            <a:pPr marL="0" marR="0" lvl="0" indent="0" algn="l" defTabSz="914400" rtl="0" eaLnBrk="0" fontAlgn="base" latinLnBrk="0" hangingPunct="0">
+              <a:lnSpc>
+                <a:spcPct val="100000"/>
+              </a:lnSpc>
+              <a:spcBef>
+                <a:spcPct val="0"/>
+              </a:spcBef>
+              <a:spcAft>
+                <a:spcPct val="0"/>
+              </a:spcAft>
+              <a:buClrTx/>
+              <a:buSzTx/>
+              <a:buFontTx/>
+              <a:buNone/>
+              <a:tabLst/>
+            </a:pPr>
+            <a:r>
+              <a:rPr kumimoji="0" lang="en-US" altLang="en-US" sz="1000" b="0" i="0" u="none" strike="noStrike" cap="none" normalizeH="0" baseline="0">
+                <a:ln>
+                  <a:noFill/>
+                </a:ln>
+                <a:solidFill>
+                  <a:schemeClr val="tx1"/>
+                </a:solidFill>
+                <a:effectLst/>
+                <a:latin typeface="Verdana" panose="020B0604030504040204" pitchFamily="34" charset="0"/>
+              </a:rPr>
+              <a:t>Annoyingly, to have a cascading menubar for the plugin it seems to need more than 1 widget, so have left the Example QWidget there as well for now. (defined in napari.yaml)</a:t>
+            </a:r>
+          </a:p>
+          <a:p>
+            <a:pPr marL="0" marR="0" lvl="0" indent="0" algn="l" defTabSz="914400" rtl="0" eaLnBrk="0" fontAlgn="base" latinLnBrk="0" hangingPunct="0">
+              <a:lnSpc>
+                <a:spcPct val="100000"/>
+              </a:lnSpc>
+              <a:spcBef>
+                <a:spcPct val="0"/>
+              </a:spcBef>
+              <a:spcAft>
+                <a:spcPct val="0"/>
+              </a:spcAft>
+              <a:buClrTx/>
+              <a:buSzTx/>
+              <a:buFontTx/>
+              <a:buNone/>
+              <a:tabLst/>
+            </a:pPr>
+            <a:r>
+              <a:rPr kumimoji="0" lang="en-US" altLang="en-US" sz="1000" b="0" i="0" u="none" strike="noStrike" cap="none" normalizeH="0" baseline="0">
+                <a:ln>
+                  <a:noFill/>
+                </a:ln>
+                <a:solidFill>
+                  <a:schemeClr val="tx1"/>
+                </a:solidFill>
+                <a:effectLst/>
+                <a:latin typeface="Verdana" panose="020B0604030504040204" pitchFamily="34" charset="0"/>
+              </a:rPr>
+              <a:t> </a:t>
+            </a:r>
+          </a:p>
+          <a:p>
+            <a:pPr marL="0" marR="0" lvl="0" indent="0" algn="l" defTabSz="914400" rtl="0" eaLnBrk="0" fontAlgn="base" latinLnBrk="0" hangingPunct="0">
+              <a:lnSpc>
+                <a:spcPct val="100000"/>
+              </a:lnSpc>
+              <a:spcBef>
+                <a:spcPct val="0"/>
+              </a:spcBef>
+              <a:spcAft>
+                <a:spcPct val="0"/>
+              </a:spcAft>
+              <a:buClrTx/>
+              <a:buSzTx/>
+              <a:buFontTx/>
+              <a:buNone/>
+              <a:tabLst/>
+            </a:pPr>
+            <a:r>
+              <a:rPr kumimoji="0" lang="en-US" altLang="en-US" sz="1000" b="0" i="0" u="none" strike="noStrike" cap="none" normalizeH="0" baseline="0">
+                <a:ln>
+                  <a:noFill/>
+                </a:ln>
+                <a:solidFill>
+                  <a:schemeClr val="tx1"/>
+                </a:solidFill>
+                <a:effectLst/>
+                <a:latin typeface="Verdana" panose="020B0604030504040204" pitchFamily="34" charset="0"/>
+              </a:rPr>
+              <a:t>Good docs here: </a:t>
+            </a:r>
+            <a:r>
+              <a:rPr kumimoji="0" lang="en-US" altLang="en-US" sz="1000" b="0" i="0" u="none" strike="noStrike" cap="none" normalizeH="0" baseline="0">
+                <a:ln>
+                  <a:noFill/>
+                </a:ln>
+                <a:solidFill>
+                  <a:schemeClr val="tx1"/>
+                </a:solidFill>
+                <a:effectLst/>
+                <a:latin typeface="Verdana" panose="020B0604030504040204" pitchFamily="34" charset="0"/>
+                <a:hlinkClick r:id="rId4"/>
+              </a:rPr>
+              <a:t>https://napari.org/guides/magicgui.html</a:t>
+            </a:r>
+            <a:endParaRPr kumimoji="0" lang="en-US" altLang="en-US" sz="1000" b="0" i="0" u="none" strike="noStrike" cap="none" normalizeH="0" baseline="0">
+              <a:ln>
+                <a:noFill/>
+              </a:ln>
+              <a:solidFill>
+                <a:schemeClr val="tx1"/>
+              </a:solidFill>
+              <a:effectLst/>
+              <a:latin typeface="Verdana" panose="020B0604030504040204" pitchFamily="34" charset="0"/>
+            </a:endParaRPr>
+          </a:p>
+          <a:p>
+            <a:pPr marL="0" marR="0" lvl="0" indent="0" algn="l" defTabSz="914400" rtl="0" eaLnBrk="0" fontAlgn="base" latinLnBrk="0" hangingPunct="0">
+              <a:lnSpc>
+                <a:spcPct val="100000"/>
+              </a:lnSpc>
+              <a:spcBef>
+                <a:spcPct val="0"/>
+              </a:spcBef>
+              <a:spcAft>
+                <a:spcPct val="0"/>
+              </a:spcAft>
+              <a:buClrTx/>
+              <a:buSzTx/>
+              <a:buFontTx/>
+              <a:buNone/>
+              <a:tabLst/>
+            </a:pPr>
+            <a:r>
+              <a:rPr kumimoji="0" lang="en-US" altLang="en-US" sz="1000" b="0" i="0" u="none" strike="noStrike" cap="none" normalizeH="0" baseline="0">
+                <a:ln>
+                  <a:noFill/>
+                </a:ln>
+                <a:solidFill>
+                  <a:schemeClr val="tx1"/>
+                </a:solidFill>
+                <a:effectLst/>
+                <a:latin typeface="Verdana" panose="020B0604030504040204" pitchFamily="34" charset="0"/>
+              </a:rPr>
+              <a:t> </a:t>
+            </a:r>
+          </a:p>
+          <a:p>
+            <a:pPr marL="0" marR="0" lvl="0" indent="0" algn="l" defTabSz="914400" rtl="0" eaLnBrk="0" fontAlgn="base" latinLnBrk="0" hangingPunct="0">
+              <a:lnSpc>
+                <a:spcPct val="100000"/>
+              </a:lnSpc>
+              <a:spcBef>
+                <a:spcPct val="0"/>
+              </a:spcBef>
+              <a:spcAft>
+                <a:spcPct val="0"/>
+              </a:spcAft>
+              <a:buClrTx/>
+              <a:buSzTx/>
+              <a:buFontTx/>
+              <a:buNone/>
+              <a:tabLst/>
+            </a:pPr>
+            <a:r>
+              <a:rPr kumimoji="0" lang="en-US" altLang="en-US" sz="1000" b="0" i="0" u="none" strike="noStrike" cap="none" normalizeH="0" baseline="0">
+                <a:ln>
+                  <a:noFill/>
+                </a:ln>
+                <a:solidFill>
+                  <a:schemeClr val="tx1"/>
+                </a:solidFill>
+                <a:effectLst/>
+                <a:latin typeface="Verdana" panose="020B0604030504040204" pitchFamily="34" charset="0"/>
+              </a:rPr>
+              <a:t>Plugin layout design (separate widgets and/or tabs etc.) and User feedback regarding workflow</a:t>
+            </a:r>
+          </a:p>
+          <a:p>
+            <a:pPr marL="0" marR="0" lvl="0" indent="0" algn="l" defTabSz="914400" rtl="0" eaLnBrk="0" fontAlgn="base" latinLnBrk="0" hangingPunct="0">
+              <a:lnSpc>
+                <a:spcPct val="100000"/>
+              </a:lnSpc>
+              <a:spcBef>
+                <a:spcPct val="0"/>
+              </a:spcBef>
+              <a:spcAft>
+                <a:spcPct val="0"/>
+              </a:spcAft>
+              <a:buClrTx/>
+              <a:buSzTx/>
+              <a:buFontTx/>
+              <a:buNone/>
+              <a:tabLst/>
+            </a:pPr>
+            <a:r>
+              <a:rPr kumimoji="0" lang="en-US" altLang="en-US" sz="1000" b="0" i="0" u="none" strike="noStrike" cap="none" normalizeH="0" baseline="0">
+                <a:ln>
+                  <a:noFill/>
+                </a:ln>
+                <a:solidFill>
+                  <a:schemeClr val="tx1"/>
+                </a:solidFill>
+                <a:effectLst/>
+                <a:latin typeface="Verdana" panose="020B0604030504040204" pitchFamily="34" charset="0"/>
+              </a:rPr>
+              <a:t>Articulate Use Cases/Workflow ... review with Rudolf</a:t>
+            </a:r>
+          </a:p>
+          <a:p>
+            <a:pPr marL="0" marR="0" lvl="0" indent="0" algn="l" defTabSz="914400" rtl="0" eaLnBrk="0" fontAlgn="base" latinLnBrk="0" hangingPunct="0">
+              <a:lnSpc>
+                <a:spcPct val="100000"/>
+              </a:lnSpc>
+              <a:spcBef>
+                <a:spcPct val="0"/>
+              </a:spcBef>
+              <a:spcAft>
+                <a:spcPct val="0"/>
+              </a:spcAft>
+              <a:buClrTx/>
+              <a:buSzTx/>
+              <a:buFontTx/>
+              <a:buNone/>
+              <a:tabLst/>
+            </a:pPr>
+            <a:r>
+              <a:rPr kumimoji="0" lang="en-US" altLang="en-US" sz="1000" b="0" i="0" u="none" strike="noStrike" cap="none" normalizeH="0" baseline="0">
+                <a:ln>
+                  <a:noFill/>
+                </a:ln>
+                <a:solidFill>
+                  <a:schemeClr val="tx1"/>
+                </a:solidFill>
+                <a:effectLst/>
+                <a:latin typeface="Verdana" panose="020B0604030504040204" pitchFamily="34" charset="0"/>
+              </a:rPr>
+              <a:t> </a:t>
+            </a:r>
+          </a:p>
+          <a:p>
+            <a:pPr marL="0" marR="0" lvl="0" indent="0" algn="l" defTabSz="914400" rtl="0" eaLnBrk="0" fontAlgn="base" latinLnBrk="0" hangingPunct="0">
+              <a:lnSpc>
+                <a:spcPct val="100000"/>
+              </a:lnSpc>
+              <a:spcBef>
+                <a:spcPct val="0"/>
+              </a:spcBef>
+              <a:spcAft>
+                <a:spcPct val="0"/>
+              </a:spcAft>
+              <a:buClrTx/>
+              <a:buSzTx/>
+              <a:buFontTx/>
+              <a:buNone/>
+              <a:tabLst/>
+            </a:pPr>
+            <a:r>
+              <a:rPr kumimoji="0" lang="en-US" altLang="en-US" sz="1000" b="0" i="0" u="none" strike="noStrike" cap="none" normalizeH="0" baseline="0">
+                <a:ln>
+                  <a:noFill/>
+                </a:ln>
+                <a:solidFill>
+                  <a:schemeClr val="tx1"/>
+                </a:solidFill>
+                <a:effectLst/>
+                <a:latin typeface="Verdana" panose="020B0604030504040204" pitchFamily="34" charset="0"/>
+              </a:rPr>
+              <a:t>including:</a:t>
+            </a:r>
+          </a:p>
+          <a:p>
+            <a:pPr marL="0" marR="0" lvl="0" indent="0" algn="l" defTabSz="914400" rtl="0" eaLnBrk="0" fontAlgn="base" latinLnBrk="0" hangingPunct="0">
+              <a:lnSpc>
+                <a:spcPct val="100000"/>
+              </a:lnSpc>
+              <a:spcBef>
+                <a:spcPct val="0"/>
+              </a:spcBef>
+              <a:spcAft>
+                <a:spcPct val="0"/>
+              </a:spcAft>
+              <a:buClrTx/>
+              <a:buSzTx/>
+              <a:buFontTx/>
+              <a:buNone/>
+              <a:tabLst/>
+            </a:pPr>
+            <a:r>
+              <a:rPr kumimoji="0" lang="en-US" altLang="en-US" sz="1000" b="0" i="0" u="none" strike="noStrike" cap="none" normalizeH="0" baseline="0">
+                <a:ln>
+                  <a:noFill/>
+                </a:ln>
+                <a:solidFill>
+                  <a:schemeClr val="tx1"/>
+                </a:solidFill>
+                <a:effectLst/>
+                <a:latin typeface="Verdana" panose="020B0604030504040204" pitchFamily="34" charset="0"/>
+              </a:rPr>
+              <a:t>Additional options that are included in script to be included in an additional tab as "Optional parameters".</a:t>
+            </a:r>
+          </a:p>
+          <a:p>
+            <a:pPr marL="0" marR="0" lvl="0" indent="0" algn="l" defTabSz="914400" rtl="0" eaLnBrk="0" fontAlgn="base" latinLnBrk="0" hangingPunct="0">
+              <a:lnSpc>
+                <a:spcPct val="100000"/>
+              </a:lnSpc>
+              <a:spcBef>
+                <a:spcPct val="0"/>
+              </a:spcBef>
+              <a:spcAft>
+                <a:spcPct val="0"/>
+              </a:spcAft>
+              <a:buClrTx/>
+              <a:buSzTx/>
+              <a:buFontTx/>
+              <a:buNone/>
+              <a:tabLst/>
+            </a:pPr>
+            <a:r>
+              <a:rPr kumimoji="0" lang="en-US" altLang="en-US" sz="1000" b="0" i="0" u="none" strike="noStrike" cap="none" normalizeH="0" baseline="0">
+                <a:ln>
+                  <a:noFill/>
+                </a:ln>
+                <a:solidFill>
+                  <a:schemeClr val="tx1"/>
+                </a:solidFill>
+                <a:effectLst/>
+                <a:latin typeface="Verdana" panose="020B0604030504040204" pitchFamily="34" charset="0"/>
+              </a:rPr>
+              <a:t> </a:t>
+            </a:r>
+          </a:p>
+          <a:p>
+            <a:pPr marL="0" marR="0" lvl="0" indent="0" algn="l" defTabSz="914400" rtl="0" eaLnBrk="0" fontAlgn="base" latinLnBrk="0" hangingPunct="0">
+              <a:lnSpc>
+                <a:spcPct val="100000"/>
+              </a:lnSpc>
+              <a:spcBef>
+                <a:spcPct val="0"/>
+              </a:spcBef>
+              <a:spcAft>
+                <a:spcPct val="0"/>
+              </a:spcAft>
+              <a:buClrTx/>
+              <a:buSzTx/>
+              <a:buFontTx/>
+              <a:buNone/>
+              <a:tabLst/>
+            </a:pPr>
+            <a:r>
+              <a:rPr kumimoji="0" lang="en-US" altLang="en-US" sz="1000" b="0" i="0" u="none" strike="noStrike" cap="none" normalizeH="0" baseline="0">
+                <a:ln>
+                  <a:noFill/>
+                </a:ln>
+                <a:solidFill>
+                  <a:schemeClr val="tx1"/>
+                </a:solidFill>
+                <a:effectLst/>
+                <a:latin typeface="Verdana" panose="020B0604030504040204" pitchFamily="34" charset="0"/>
+              </a:rPr>
+              <a:t>Install / Config / Dependencies</a:t>
+            </a:r>
+          </a:p>
+          <a:p>
+            <a:pPr marL="0" marR="0" lvl="0" indent="0" algn="l" defTabSz="914400" rtl="0" eaLnBrk="0" fontAlgn="base" latinLnBrk="0" hangingPunct="0">
+              <a:lnSpc>
+                <a:spcPct val="100000"/>
+              </a:lnSpc>
+              <a:spcBef>
+                <a:spcPct val="0"/>
+              </a:spcBef>
+              <a:spcAft>
+                <a:spcPct val="0"/>
+              </a:spcAft>
+              <a:buClrTx/>
+              <a:buSzTx/>
+              <a:buFontTx/>
+              <a:buNone/>
+              <a:tabLst/>
+            </a:pPr>
+            <a:r>
+              <a:rPr kumimoji="0" lang="en-US" altLang="en-US" sz="1000" b="0" i="0" u="none" strike="noStrike" cap="none" normalizeH="0" baseline="0">
+                <a:ln>
+                  <a:noFill/>
+                </a:ln>
+                <a:solidFill>
+                  <a:schemeClr val="tx1"/>
+                </a:solidFill>
+                <a:effectLst/>
+                <a:latin typeface="Verdana" panose="020B0604030504040204" pitchFamily="34" charset="0"/>
+              </a:rPr>
+              <a:t>Some message prompt to indicate about required libraries that are missing like opencv, h5py, etc. (these need to be installed into your napari env since they don't seem to install with napari)</a:t>
+            </a:r>
+            <a:endParaRPr kumimoji="0" lang="en-US" altLang="en-US" sz="1800" b="0" i="0" u="none" strike="noStrike" cap="none" normalizeH="0" baseline="0">
+              <a:ln>
+                <a:noFill/>
+              </a:ln>
+              <a:solidFill>
+                <a:schemeClr val="tx1"/>
+              </a:solidFill>
+              <a:effectLst/>
+              <a:latin typeface="Arial" panose="020B0604020202020204" pitchFamily="34" charset="0"/>
+            </a:endParaRPr>
+          </a:p>
+        </p:txBody>
+      </p:sp>
     </p:spTree>
     <p:extLst>
       <p:ext uri="{BB962C8B-B14F-4D97-AF65-F5344CB8AC3E}">
-        <p14:creationId xmlns:p14="http://schemas.microsoft.com/office/powerpoint/2010/main" val="3299308913"/>
+        <p14:creationId xmlns:p14="http://schemas.microsoft.com/office/powerpoint/2010/main" val="3068799161"/>
       </p:ext>
     </p:extLst>
   </p:cSld>

--- a/LFI plugin/LFM Toolbox.pptx
+++ b/LFI plugin/LFM Toolbox.pptx
@@ -7397,7 +7397,7 @@
         </p:nvSpPr>
         <p:spPr>
           <a:xfrm>
-            <a:off x="7191534" y="127980"/>
+            <a:off x="7049539" y="127980"/>
             <a:ext cx="1938283" cy="719455"/>
           </a:xfrm>
           <a:prstGeom prst="roundRect">
@@ -7821,6 +7821,55 @@
             <a:r>
               <a:rPr lang="en-US" sz="1100" dirty="0"/>
               <a:t>Select Full Deconvolve method/params</a:t>
+            </a:r>
+          </a:p>
+        </p:txBody>
+      </p:sp>
+      <p:sp>
+        <p:nvSpPr>
+          <p:cNvPr id="30" name="Rectangle: Rounded Corners 29">
+            <a:extLst>
+              <a:ext uri="{FF2B5EF4-FFF2-40B4-BE49-F238E27FC236}">
+                <a16:creationId xmlns:a16="http://schemas.microsoft.com/office/drawing/2014/main" id="{3F9043E6-43CE-4196-9F0D-A86FCB63CDC5}"/>
+              </a:ext>
+            </a:extLst>
+          </p:cNvPr>
+          <p:cNvSpPr/>
+          <p:nvPr/>
+        </p:nvSpPr>
+        <p:spPr>
+          <a:xfrm>
+            <a:off x="7049539" y="2573245"/>
+            <a:ext cx="1808973" cy="345075"/>
+          </a:xfrm>
+          <a:prstGeom prst="roundRect">
+            <a:avLst/>
+          </a:prstGeom>
+        </p:spPr>
+        <p:style>
+          <a:lnRef idx="2">
+            <a:schemeClr val="accent1">
+              <a:shade val="50000"/>
+            </a:schemeClr>
+          </a:lnRef>
+          <a:fillRef idx="1">
+            <a:schemeClr val="accent1"/>
+          </a:fillRef>
+          <a:effectRef idx="0">
+            <a:schemeClr val="accent1"/>
+          </a:effectRef>
+          <a:fontRef idx="minor">
+            <a:schemeClr val="lt1"/>
+          </a:fontRef>
+        </p:style>
+        <p:txBody>
+          <a:bodyPr rtlCol="0" anchor="ctr"/>
+          <a:lstStyle/>
+          <a:p>
+            <a:pPr algn="ctr"/>
+            <a:r>
+              <a:rPr lang="en-US" sz="1200" dirty="0"/>
+              <a:t>Inspect Calibration</a:t>
             </a:r>
           </a:p>
         </p:txBody>
